--- a/presentations/Approx Presentation.pptx
+++ b/presentations/Approx Presentation.pptx
@@ -108,6 +108,11 @@
       </a:defRPr>
     </a:lvl9pPr>
   </p:defaultTextStyle>
+  <p:extLst>
+    <p:ext uri="{EFAFB233-063F-42B5-8137-9DF3F51BA10A}">
+      <p15:sldGuideLst xmlns:p15="http://schemas.microsoft.com/office/powerpoint/2012/main"/>
+    </p:ext>
+  </p:extLst>
 </p:presentation>
 </file>
 
@@ -3460,6 +3465,14 @@
           <a:bodyPr/>
           <a:lstStyle/>
           <a:p>
+            <a:r>
+              <a:rPr lang="en-US" dirty="0"/>
+              <a:t>The algorithm runs recursively, each iteration it finds the node with the max number of edges and removes it and all the edges coming out of it. For each edge removed we increase </a:t>
+            </a:r>
+            <a:r>
+              <a:rPr lang="en-US"/>
+              <a:t>the count color by 1.</a:t>
+            </a:r>
             <a:endParaRPr lang="en-US" dirty="0"/>
           </a:p>
         </p:txBody>

--- a/presentations/Approx Presentation.pptx
+++ b/presentations/Approx Presentation.pptx
@@ -7,9 +7,11 @@
   <p:sldIdLst>
     <p:sldId id="256" r:id="rId2"/>
     <p:sldId id="257" r:id="rId3"/>
-    <p:sldId id="258" r:id="rId4"/>
-    <p:sldId id="259" r:id="rId5"/>
-    <p:sldId id="260" r:id="rId6"/>
+    <p:sldId id="262" r:id="rId4"/>
+    <p:sldId id="264" r:id="rId5"/>
+    <p:sldId id="261" r:id="rId6"/>
+    <p:sldId id="259" r:id="rId7"/>
+    <p:sldId id="263" r:id="rId8"/>
   </p:sldIdLst>
   <p:sldSz cx="12192000" cy="6858000"/>
   <p:notesSz cx="6858000" cy="9144000"/>
@@ -263,7 +265,7 @@
           <a:p>
             <a:fld id="{1D102B7B-1A4E-4C97-B4CD-D2E0331163E6}" type="datetimeFigureOut">
               <a:rPr lang="en-US" smtClean="0"/>
-              <a:t>4/27/2022</a:t>
+              <a:t>4/29/2022</a:t>
             </a:fld>
             <a:endParaRPr lang="en-US"/>
           </a:p>
@@ -461,7 +463,7 @@
           <a:p>
             <a:fld id="{1D102B7B-1A4E-4C97-B4CD-D2E0331163E6}" type="datetimeFigureOut">
               <a:rPr lang="en-US" smtClean="0"/>
-              <a:t>4/27/2022</a:t>
+              <a:t>4/29/2022</a:t>
             </a:fld>
             <a:endParaRPr lang="en-US"/>
           </a:p>
@@ -669,7 +671,7 @@
           <a:p>
             <a:fld id="{1D102B7B-1A4E-4C97-B4CD-D2E0331163E6}" type="datetimeFigureOut">
               <a:rPr lang="en-US" smtClean="0"/>
-              <a:t>4/27/2022</a:t>
+              <a:t>4/29/2022</a:t>
             </a:fld>
             <a:endParaRPr lang="en-US"/>
           </a:p>
@@ -867,7 +869,7 @@
           <a:p>
             <a:fld id="{1D102B7B-1A4E-4C97-B4CD-D2E0331163E6}" type="datetimeFigureOut">
               <a:rPr lang="en-US" smtClean="0"/>
-              <a:t>4/27/2022</a:t>
+              <a:t>4/29/2022</a:t>
             </a:fld>
             <a:endParaRPr lang="en-US"/>
           </a:p>
@@ -1142,7 +1144,7 @@
           <a:p>
             <a:fld id="{1D102B7B-1A4E-4C97-B4CD-D2E0331163E6}" type="datetimeFigureOut">
               <a:rPr lang="en-US" smtClean="0"/>
-              <a:t>4/27/2022</a:t>
+              <a:t>4/29/2022</a:t>
             </a:fld>
             <a:endParaRPr lang="en-US"/>
           </a:p>
@@ -1407,7 +1409,7 @@
           <a:p>
             <a:fld id="{1D102B7B-1A4E-4C97-B4CD-D2E0331163E6}" type="datetimeFigureOut">
               <a:rPr lang="en-US" smtClean="0"/>
-              <a:t>4/27/2022</a:t>
+              <a:t>4/29/2022</a:t>
             </a:fld>
             <a:endParaRPr lang="en-US"/>
           </a:p>
@@ -1819,7 +1821,7 @@
           <a:p>
             <a:fld id="{1D102B7B-1A4E-4C97-B4CD-D2E0331163E6}" type="datetimeFigureOut">
               <a:rPr lang="en-US" smtClean="0"/>
-              <a:t>4/27/2022</a:t>
+              <a:t>4/29/2022</a:t>
             </a:fld>
             <a:endParaRPr lang="en-US"/>
           </a:p>
@@ -1960,7 +1962,7 @@
           <a:p>
             <a:fld id="{1D102B7B-1A4E-4C97-B4CD-D2E0331163E6}" type="datetimeFigureOut">
               <a:rPr lang="en-US" smtClean="0"/>
-              <a:t>4/27/2022</a:t>
+              <a:t>4/29/2022</a:t>
             </a:fld>
             <a:endParaRPr lang="en-US"/>
           </a:p>
@@ -2073,7 +2075,7 @@
           <a:p>
             <a:fld id="{1D102B7B-1A4E-4C97-B4CD-D2E0331163E6}" type="datetimeFigureOut">
               <a:rPr lang="en-US" smtClean="0"/>
-              <a:t>4/27/2022</a:t>
+              <a:t>4/29/2022</a:t>
             </a:fld>
             <a:endParaRPr lang="en-US"/>
           </a:p>
@@ -2384,7 +2386,7 @@
           <a:p>
             <a:fld id="{1D102B7B-1A4E-4C97-B4CD-D2E0331163E6}" type="datetimeFigureOut">
               <a:rPr lang="en-US" smtClean="0"/>
-              <a:t>4/27/2022</a:t>
+              <a:t>4/29/2022</a:t>
             </a:fld>
             <a:endParaRPr lang="en-US"/>
           </a:p>
@@ -2672,7 +2674,7 @@
           <a:p>
             <a:fld id="{1D102B7B-1A4E-4C97-B4CD-D2E0331163E6}" type="datetimeFigureOut">
               <a:rPr lang="en-US" smtClean="0"/>
-              <a:t>4/27/2022</a:t>
+              <a:t>4/29/2022</a:t>
             </a:fld>
             <a:endParaRPr lang="en-US"/>
           </a:p>
@@ -2913,7 +2915,7 @@
           <a:p>
             <a:fld id="{1D102B7B-1A4E-4C97-B4CD-D2E0331163E6}" type="datetimeFigureOut">
               <a:rPr lang="en-US" smtClean="0"/>
-              <a:t>4/27/2022</a:t>
+              <a:t>4/29/2022</a:t>
             </a:fld>
             <a:endParaRPr lang="en-US"/>
           </a:p>
@@ -3376,12 +3378,32 @@
         </p:nvSpPr>
         <p:spPr/>
         <p:txBody>
-          <a:bodyPr/>
+          <a:bodyPr>
+            <a:normAutofit lnSpcReduction="10000"/>
+          </a:bodyPr>
           <a:lstStyle/>
           <a:p>
             <a:r>
               <a:rPr lang="en-US" dirty="0"/>
               <a:t>John Curley</a:t>
+            </a:r>
+          </a:p>
+          <a:p>
+            <a:r>
+              <a:rPr lang="en-US" dirty="0"/>
+              <a:t>James Smith</a:t>
+            </a:r>
+          </a:p>
+          <a:p>
+            <a:r>
+              <a:rPr lang="en-US" dirty="0"/>
+              <a:t>Rhea Morris</a:t>
+            </a:r>
+          </a:p>
+          <a:p>
+            <a:r>
+              <a:rPr lang="en-US" dirty="0"/>
+              <a:t>Alyssa Sharp</a:t>
             </a:r>
           </a:p>
         </p:txBody>
@@ -3462,18 +3484,55 @@
         </p:nvSpPr>
         <p:spPr/>
         <p:txBody>
-          <a:bodyPr/>
+          <a:bodyPr>
+            <a:normAutofit fontScale="92500"/>
+          </a:bodyPr>
           <a:lstStyle/>
           <a:p>
             <a:r>
               <a:rPr lang="en-US" dirty="0"/>
-              <a:t>The algorithm runs recursively, each iteration it finds the node with the max number of edges and removes it and all the edges coming out of it. For each edge removed we increase </a:t>
-            </a:r>
-            <a:r>
-              <a:rPr lang="en-US"/>
-              <a:t>the count color by 1.</a:t>
-            </a:r>
-            <a:endParaRPr lang="en-US" dirty="0"/>
+              <a:t>Creates two dictionaries based on the input</a:t>
+            </a:r>
+          </a:p>
+          <a:p>
+            <a:pPr lvl="1"/>
+            <a:r>
+              <a:rPr lang="en-US" dirty="0"/>
+              <a:t>Graph: Which has the vertex as its key and the vertices its edges connect to as values</a:t>
+            </a:r>
+          </a:p>
+          <a:p>
+            <a:pPr lvl="1"/>
+            <a:r>
+              <a:rPr lang="en-US" dirty="0"/>
+              <a:t>Degrees: Has the vertex as its key and the number of degrees for that vertex as its value</a:t>
+            </a:r>
+          </a:p>
+          <a:p>
+            <a:r>
+              <a:rPr lang="en-US" dirty="0"/>
+              <a:t>Calls the recursive function that will find the vertex with the greatest degree and then remove that vertex along with all its edges from the graph.  </a:t>
+            </a:r>
+          </a:p>
+          <a:p>
+            <a:pPr lvl="1"/>
+            <a:r>
+              <a:rPr lang="en-US" dirty="0"/>
+              <a:t>That removed vertex will get its own color in the graph</a:t>
+            </a:r>
+          </a:p>
+          <a:p>
+            <a:r>
+              <a:rPr lang="en-US" dirty="0"/>
+              <a:t>The updated graph and degrees are then passed recursively again until the vertex with the greatest number of degrees has a degree number of zero.</a:t>
+            </a:r>
+          </a:p>
+          <a:p>
+            <a:pPr lvl="1"/>
+            <a:r>
+              <a:rPr lang="en-US" dirty="0"/>
+              <a:t>That final vertex and all remaining vertices will get the same color in the graph</a:t>
+            </a:r>
           </a:p>
         </p:txBody>
       </p:sp>
@@ -3493,14 +3552,6 @@
 <file path=ppt/slides/slide3.xml><?xml version="1.0" encoding="utf-8"?>
 <p:sld xmlns:a="http://schemas.openxmlformats.org/drawingml/2006/main" xmlns:r="http://schemas.openxmlformats.org/officeDocument/2006/relationships" xmlns:p="http://schemas.openxmlformats.org/presentationml/2006/main">
   <p:cSld>
-    <p:bg>
-      <p:bgPr>
-        <a:solidFill>
-          <a:schemeClr val="bg1"/>
-        </a:solidFill>
-        <a:effectLst/>
-      </p:bgPr>
-    </p:bg>
     <p:spTree>
       <p:nvGrpSpPr>
         <p:cNvPr id="1" name=""/>
@@ -3515,72 +3566,12 @@
           <a:chExt cx="0" cy="0"/>
         </a:xfrm>
       </p:grpSpPr>
-      <p:sp useBgFill="1">
-        <p:nvSpPr>
-          <p:cNvPr id="9" name="Rectangle 8">
-            <a:extLst>
-              <a:ext uri="{FF2B5EF4-FFF2-40B4-BE49-F238E27FC236}">
-                <a16:creationId xmlns:a16="http://schemas.microsoft.com/office/drawing/2014/main" id="{201CC55D-ED54-4C5C-95E6-10947BD1103B}"/>
-              </a:ext>
-              <a:ext uri="{C183D7F6-B498-43B3-948B-1728B52AA6E4}">
-                <adec:decorative xmlns:adec="http://schemas.microsoft.com/office/drawing/2017/decorative" val="1"/>
-              </a:ext>
-            </a:extLst>
-          </p:cNvPr>
-          <p:cNvSpPr>
-            <a:spLocks noGrp="1" noRot="1" noChangeAspect="1" noMove="1" noResize="1" noEditPoints="1" noAdjustHandles="1" noChangeArrowheads="1" noChangeShapeType="1" noTextEdit="1"/>
-          </p:cNvSpPr>
-          <p:nvPr>
-            <p:extLst>
-              <p:ext uri="{386F3935-93C4-4BCD-93E2-E3B085C9AB24}">
-                <p16:designElem xmlns:p16="http://schemas.microsoft.com/office/powerpoint/2015/main" val="1"/>
-              </p:ext>
-            </p:extLst>
-          </p:nvPr>
-        </p:nvSpPr>
-        <p:spPr>
-          <a:xfrm>
-            <a:off x="0" y="0"/>
-            <a:ext cx="12191999" cy="6857365"/>
-          </a:xfrm>
-          <a:prstGeom prst="rect">
-            <a:avLst/>
-          </a:prstGeom>
-          <a:ln>
-            <a:noFill/>
-          </a:ln>
-        </p:spPr>
-        <p:style>
-          <a:lnRef idx="2">
-            <a:schemeClr val="accent1">
-              <a:shade val="50000"/>
-            </a:schemeClr>
-          </a:lnRef>
-          <a:fillRef idx="1">
-            <a:schemeClr val="accent1"/>
-          </a:fillRef>
-          <a:effectRef idx="0">
-            <a:schemeClr val="accent1"/>
-          </a:effectRef>
-          <a:fontRef idx="minor">
-            <a:schemeClr val="lt1"/>
-          </a:fontRef>
-        </p:style>
-        <p:txBody>
-          <a:bodyPr rtlCol="0" anchor="ctr"/>
-          <a:lstStyle/>
-          <a:p>
-            <a:pPr algn="ctr"/>
-            <a:endParaRPr lang="en-US"/>
-          </a:p>
-        </p:txBody>
-      </p:sp>
       <p:sp>
         <p:nvSpPr>
           <p:cNvPr id="2" name="Title 1">
             <a:extLst>
               <a:ext uri="{FF2B5EF4-FFF2-40B4-BE49-F238E27FC236}">
-                <a16:creationId xmlns:a16="http://schemas.microsoft.com/office/drawing/2014/main" id="{EF3E4326-DC49-4ACB-B2EA-FE7CFB5AD0C2}"/>
+                <a16:creationId xmlns:a16="http://schemas.microsoft.com/office/drawing/2014/main" id="{1A9CFDBE-9E75-4BDC-AB99-070B4A2D8CE3}"/>
               </a:ext>
             </a:extLst>
           </p:cNvPr>
@@ -3591,443 +3582,403 @@
             <p:ph type="title"/>
           </p:nvPr>
         </p:nvSpPr>
-        <p:spPr>
-          <a:xfrm>
-            <a:off x="589560" y="856180"/>
-            <a:ext cx="4560584" cy="1128068"/>
-          </a:xfrm>
-        </p:spPr>
-        <p:txBody>
-          <a:bodyPr anchor="ctr">
-            <a:normAutofit/>
+        <p:spPr/>
+        <p:txBody>
+          <a:bodyPr/>
+          <a:lstStyle/>
+          <a:p>
+            <a:r>
+              <a:rPr lang="en-US" dirty="0"/>
+              <a:t>Pseudocode</a:t>
+            </a:r>
+          </a:p>
+        </p:txBody>
+      </p:sp>
+      <p:sp>
+        <p:nvSpPr>
+          <p:cNvPr id="3" name="Content Placeholder 2">
+            <a:extLst>
+              <a:ext uri="{FF2B5EF4-FFF2-40B4-BE49-F238E27FC236}">
+                <a16:creationId xmlns:a16="http://schemas.microsoft.com/office/drawing/2014/main" id="{586CB703-E330-467C-A56E-CF7B5406706D}"/>
+              </a:ext>
+            </a:extLst>
+          </p:cNvPr>
+          <p:cNvSpPr>
+            <a:spLocks noGrp="1"/>
+          </p:cNvSpPr>
+          <p:nvPr>
+            <p:ph idx="1"/>
+          </p:nvPr>
+        </p:nvSpPr>
+        <p:spPr/>
+        <p:txBody>
+          <a:bodyPr>
+            <a:normAutofit fontScale="92500" lnSpcReduction="10000"/>
           </a:bodyPr>
           <a:lstStyle/>
           <a:p>
-            <a:r>
-              <a:rPr lang="en-US" sz="4000"/>
-              <a:t>Not Always Optimal</a:t>
-            </a:r>
-          </a:p>
-        </p:txBody>
-      </p:sp>
-      <p:grpSp>
-        <p:nvGrpSpPr>
-          <p:cNvPr id="11" name="Group 10">
-            <a:extLst>
-              <a:ext uri="{FF2B5EF4-FFF2-40B4-BE49-F238E27FC236}">
-                <a16:creationId xmlns:a16="http://schemas.microsoft.com/office/drawing/2014/main" id="{1DE889C7-FAD6-4397-98E2-05D503484459}"/>
-              </a:ext>
-              <a:ext uri="{C183D7F6-B498-43B3-948B-1728B52AA6E4}">
-                <adec:decorative xmlns:adec="http://schemas.microsoft.com/office/drawing/2017/decorative" val="1"/>
-              </a:ext>
-            </a:extLst>
-          </p:cNvPr>
-          <p:cNvGrpSpPr>
-            <a:grpSpLocks noGrp="1" noUngrp="1" noRot="1" noChangeAspect="1" noMove="1" noResize="1"/>
-          </p:cNvGrpSpPr>
-          <p:nvPr>
-            <p:extLst>
-              <p:ext uri="{386F3935-93C4-4BCD-93E2-E3B085C9AB24}">
-                <p16:designElem xmlns:p16="http://schemas.microsoft.com/office/powerpoint/2015/main" val="1"/>
-              </p:ext>
-            </p:extLst>
-          </p:nvPr>
-        </p:nvGrpSpPr>
-        <p:grpSpPr>
-          <a:xfrm>
-            <a:off x="0" y="1083484"/>
-            <a:ext cx="355196" cy="673460"/>
-            <a:chOff x="0" y="823811"/>
-            <a:chExt cx="355196" cy="673460"/>
-          </a:xfrm>
-        </p:grpSpPr>
-        <p:sp>
-          <p:nvSpPr>
-            <p:cNvPr id="12" name="Rectangle 11">
-              <a:extLst>
-                <a:ext uri="{FF2B5EF4-FFF2-40B4-BE49-F238E27FC236}">
-                  <a16:creationId xmlns:a16="http://schemas.microsoft.com/office/drawing/2014/main" id="{F399A70F-F8CD-4992-9EF5-6CF15472E73F}"/>
-                </a:ext>
-                <a:ext uri="{C183D7F6-B498-43B3-948B-1728B52AA6E4}">
-                  <adec:decorative xmlns:adec="http://schemas.microsoft.com/office/drawing/2017/decorative" val="1"/>
-                </a:ext>
-              </a:extLst>
-            </p:cNvPr>
-            <p:cNvSpPr/>
-            <p:nvPr>
-              <p:extLst>
-                <p:ext uri="{386F3935-93C4-4BCD-93E2-E3B085C9AB24}">
-                  <p16:designElem xmlns:p16="http://schemas.microsoft.com/office/powerpoint/2015/main" val="1"/>
-                </p:ext>
-              </p:extLst>
-            </p:nvPr>
-          </p:nvSpPr>
-          <p:spPr>
-            <a:xfrm>
-              <a:off x="0" y="823811"/>
-              <a:ext cx="87363" cy="673460"/>
-            </a:xfrm>
-            <a:prstGeom prst="rect">
-              <a:avLst/>
-            </a:prstGeom>
-            <a:solidFill>
-              <a:schemeClr val="accent4"/>
-            </a:solidFill>
-            <a:ln>
-              <a:noFill/>
-            </a:ln>
-          </p:spPr>
-          <p:style>
-            <a:lnRef idx="2">
-              <a:schemeClr val="accent1">
-                <a:shade val="50000"/>
-              </a:schemeClr>
-            </a:lnRef>
-            <a:fillRef idx="1">
-              <a:schemeClr val="accent1"/>
-            </a:fillRef>
-            <a:effectRef idx="0">
-              <a:schemeClr val="accent1"/>
-            </a:effectRef>
-            <a:fontRef idx="minor">
-              <a:schemeClr val="lt1"/>
-            </a:fontRef>
-          </p:style>
-          <p:txBody>
-            <a:bodyPr rtlCol="0" anchor="ctr"/>
-            <a:lstStyle/>
-            <a:p>
-              <a:pPr algn="ctr"/>
-              <a:endParaRPr lang="en-US"/>
-            </a:p>
-          </p:txBody>
-        </p:sp>
-        <p:sp>
-          <p:nvSpPr>
-            <p:cNvPr id="13" name="Rectangle 12">
-              <a:extLst>
-                <a:ext uri="{FF2B5EF4-FFF2-40B4-BE49-F238E27FC236}">
-                  <a16:creationId xmlns:a16="http://schemas.microsoft.com/office/drawing/2014/main" id="{48F4FEDC-6D80-458C-A665-075D9B9500FD}"/>
-                </a:ext>
-                <a:ext uri="{C183D7F6-B498-43B3-948B-1728B52AA6E4}">
-                  <adec:decorative xmlns:adec="http://schemas.microsoft.com/office/drawing/2017/decorative" val="1"/>
-                </a:ext>
-              </a:extLst>
-            </p:cNvPr>
-            <p:cNvSpPr/>
-            <p:nvPr>
-              <p:extLst>
-                <p:ext uri="{386F3935-93C4-4BCD-93E2-E3B085C9AB24}">
-                  <p16:designElem xmlns:p16="http://schemas.microsoft.com/office/powerpoint/2015/main" val="1"/>
-                </p:ext>
-              </p:extLst>
-            </p:nvPr>
-          </p:nvSpPr>
-          <p:spPr>
-            <a:xfrm>
-              <a:off x="159341" y="823811"/>
-              <a:ext cx="195855" cy="673460"/>
-            </a:xfrm>
-            <a:prstGeom prst="rect">
-              <a:avLst/>
-            </a:prstGeom>
-            <a:solidFill>
-              <a:schemeClr val="accent4"/>
-            </a:solidFill>
-            <a:ln>
-              <a:noFill/>
-            </a:ln>
-          </p:spPr>
-          <p:style>
-            <a:lnRef idx="2">
-              <a:schemeClr val="accent1">
-                <a:shade val="50000"/>
-              </a:schemeClr>
-            </a:lnRef>
-            <a:fillRef idx="1">
-              <a:schemeClr val="accent1"/>
-            </a:fillRef>
-            <a:effectRef idx="0">
-              <a:schemeClr val="accent1"/>
-            </a:effectRef>
-            <a:fontRef idx="minor">
-              <a:schemeClr val="lt1"/>
-            </a:fontRef>
-          </p:style>
-          <p:txBody>
-            <a:bodyPr rtlCol="0" anchor="ctr"/>
-            <a:lstStyle/>
-            <a:p>
-              <a:pPr algn="ctr"/>
-              <a:endParaRPr lang="en-US"/>
-            </a:p>
-          </p:txBody>
-        </p:sp>
-      </p:grpSp>
-      <p:sp>
-        <p:nvSpPr>
-          <p:cNvPr id="15" name="Rectangle 14">
-            <a:extLst>
-              <a:ext uri="{FF2B5EF4-FFF2-40B4-BE49-F238E27FC236}">
-                <a16:creationId xmlns:a16="http://schemas.microsoft.com/office/drawing/2014/main" id="{3873B707-463F-40B0-8227-E8CC6C67EB25}"/>
-              </a:ext>
-              <a:ext uri="{C183D7F6-B498-43B3-948B-1728B52AA6E4}">
-                <adec:decorative xmlns:adec="http://schemas.microsoft.com/office/drawing/2017/decorative" val="1"/>
-              </a:ext>
-            </a:extLst>
-          </p:cNvPr>
-          <p:cNvSpPr>
-            <a:spLocks noGrp="1" noRot="1" noChangeAspect="1" noMove="1" noResize="1" noEditPoints="1" noAdjustHandles="1" noChangeArrowheads="1" noChangeShapeType="1" noTextEdit="1"/>
-          </p:cNvSpPr>
-          <p:nvPr>
-            <p:extLst>
-              <p:ext uri="{386F3935-93C4-4BCD-93E2-E3B085C9AB24}">
-                <p16:designElem xmlns:p16="http://schemas.microsoft.com/office/powerpoint/2015/main" val="1"/>
-              </p:ext>
-            </p:extLst>
-          </p:nvPr>
-        </p:nvSpPr>
-        <p:spPr>
-          <a:xfrm flipH="1">
-            <a:off x="665085" y="2090569"/>
-            <a:ext cx="4297680" cy="27432"/>
-          </a:xfrm>
-          <a:prstGeom prst="rect">
-            <a:avLst/>
-          </a:prstGeom>
-          <a:solidFill>
-            <a:schemeClr val="accent4"/>
-          </a:solidFill>
-          <a:ln>
-            <a:noFill/>
-          </a:ln>
-        </p:spPr>
-        <p:style>
-          <a:lnRef idx="2">
-            <a:schemeClr val="accent1">
-              <a:shade val="50000"/>
-            </a:schemeClr>
-          </a:lnRef>
-          <a:fillRef idx="1">
-            <a:schemeClr val="accent1"/>
-          </a:fillRef>
-          <a:effectRef idx="0">
-            <a:schemeClr val="accent1"/>
-          </a:effectRef>
-          <a:fontRef idx="minor">
-            <a:schemeClr val="lt1"/>
-          </a:fontRef>
-        </p:style>
-        <p:txBody>
-          <a:bodyPr rtlCol="0" anchor="ctr"/>
-          <a:lstStyle/>
-          <a:p>
-            <a:pPr algn="ctr"/>
-            <a:endParaRPr lang="en-US"/>
-          </a:p>
-        </p:txBody>
-      </p:sp>
-      <p:sp>
-        <p:nvSpPr>
-          <p:cNvPr id="3" name="Content Placeholder 2">
-            <a:extLst>
-              <a:ext uri="{FF2B5EF4-FFF2-40B4-BE49-F238E27FC236}">
-                <a16:creationId xmlns:a16="http://schemas.microsoft.com/office/drawing/2014/main" id="{471E08BA-D081-400A-B02C-EFBAB3D6E197}"/>
-              </a:ext>
-            </a:extLst>
-          </p:cNvPr>
-          <p:cNvSpPr>
-            <a:spLocks noGrp="1"/>
-          </p:cNvSpPr>
-          <p:nvPr>
-            <p:ph idx="1"/>
-          </p:nvPr>
-        </p:nvSpPr>
-        <p:spPr>
-          <a:xfrm>
-            <a:off x="590719" y="2330505"/>
-            <a:ext cx="4559425" cy="3979585"/>
-          </a:xfrm>
-        </p:spPr>
-        <p:txBody>
-          <a:bodyPr anchor="ctr">
-            <a:normAutofit/>
-          </a:bodyPr>
-          <a:lstStyle/>
-          <a:p>
-            <a:r>
-              <a:rPr lang="en-US" sz="2000" dirty="0"/>
-              <a:t>The Graph to the right’s optimal solution is 3 however in our approximation the yielded solution ends up being 7</a:t>
-            </a:r>
-          </a:p>
-        </p:txBody>
-      </p:sp>
-      <p:sp>
-        <p:nvSpPr>
-          <p:cNvPr id="17" name="Rectangle 16">
-            <a:extLst>
-              <a:ext uri="{FF2B5EF4-FFF2-40B4-BE49-F238E27FC236}">
-                <a16:creationId xmlns:a16="http://schemas.microsoft.com/office/drawing/2014/main" id="{C13237C8-E62C-4F0D-A318-BD6FB6C2D138}"/>
-              </a:ext>
-              <a:ext uri="{C183D7F6-B498-43B3-948B-1728B52AA6E4}">
-                <adec:decorative xmlns:adec="http://schemas.microsoft.com/office/drawing/2017/decorative" val="1"/>
-              </a:ext>
-            </a:extLst>
-          </p:cNvPr>
-          <p:cNvSpPr>
-            <a:spLocks noGrp="1" noRot="1" noChangeAspect="1" noMove="1" noResize="1" noEditPoints="1" noAdjustHandles="1" noChangeArrowheads="1" noChangeShapeType="1" noTextEdit="1"/>
-          </p:cNvSpPr>
-          <p:nvPr>
-            <p:extLst>
-              <p:ext uri="{386F3935-93C4-4BCD-93E2-E3B085C9AB24}">
-                <p16:designElem xmlns:p16="http://schemas.microsoft.com/office/powerpoint/2015/main" val="1"/>
-              </p:ext>
-            </p:extLst>
-          </p:nvPr>
-        </p:nvSpPr>
-        <p:spPr>
-          <a:xfrm flipH="1">
-            <a:off x="10697670" y="0"/>
-            <a:ext cx="1494330" cy="6858000"/>
-          </a:xfrm>
-          <a:prstGeom prst="rect">
-            <a:avLst/>
-          </a:prstGeom>
-          <a:solidFill>
-            <a:schemeClr val="accent4"/>
-          </a:solidFill>
-          <a:ln>
-            <a:noFill/>
-          </a:ln>
-        </p:spPr>
-        <p:style>
-          <a:lnRef idx="2">
-            <a:schemeClr val="accent1">
-              <a:shade val="50000"/>
-            </a:schemeClr>
-          </a:lnRef>
-          <a:fillRef idx="1">
-            <a:schemeClr val="accent1"/>
-          </a:fillRef>
-          <a:effectRef idx="0">
-            <a:schemeClr val="accent1"/>
-          </a:effectRef>
-          <a:fontRef idx="minor">
-            <a:schemeClr val="lt1"/>
-          </a:fontRef>
-        </p:style>
-        <p:txBody>
-          <a:bodyPr rtlCol="0" anchor="ctr"/>
-          <a:lstStyle/>
-          <a:p>
-            <a:pPr algn="ctr"/>
-            <a:endParaRPr lang="en-US"/>
-          </a:p>
-        </p:txBody>
-      </p:sp>
-      <p:sp>
-        <p:nvSpPr>
-          <p:cNvPr id="19" name="Rectangle 18">
-            <a:extLst>
-              <a:ext uri="{FF2B5EF4-FFF2-40B4-BE49-F238E27FC236}">
-                <a16:creationId xmlns:a16="http://schemas.microsoft.com/office/drawing/2014/main" id="{19C9EAEA-39D0-4B0E-A0EB-51E7B26740B1}"/>
-              </a:ext>
-              <a:ext uri="{C183D7F6-B498-43B3-948B-1728B52AA6E4}">
-                <adec:decorative xmlns:adec="http://schemas.microsoft.com/office/drawing/2017/decorative" val="1"/>
-              </a:ext>
-            </a:extLst>
-          </p:cNvPr>
-          <p:cNvSpPr>
-            <a:spLocks noGrp="1" noRot="1" noChangeAspect="1" noMove="1" noResize="1" noEditPoints="1" noAdjustHandles="1" noChangeArrowheads="1" noChangeShapeType="1" noTextEdit="1"/>
-          </p:cNvSpPr>
-          <p:nvPr>
-            <p:extLst>
-              <p:ext uri="{386F3935-93C4-4BCD-93E2-E3B085C9AB24}">
-                <p16:designElem xmlns:p16="http://schemas.microsoft.com/office/powerpoint/2015/main" val="1"/>
-              </p:ext>
-            </p:extLst>
-          </p:nvPr>
-        </p:nvSpPr>
-        <p:spPr>
-          <a:xfrm>
-            <a:off x="5685810" y="513853"/>
-            <a:ext cx="6009366" cy="5834577"/>
-          </a:xfrm>
-          <a:prstGeom prst="rect">
-            <a:avLst/>
-          </a:prstGeom>
-          <a:solidFill>
-            <a:schemeClr val="bg1"/>
-          </a:solidFill>
-          <a:ln>
-            <a:noFill/>
-          </a:ln>
-          <a:effectLst>
-            <a:outerShdw blurRad="139700" dist="127000" dir="5400000" algn="t" rotWithShape="0">
-              <a:prstClr val="black">
-                <a:alpha val="15000"/>
-              </a:prstClr>
-            </a:outerShdw>
-          </a:effectLst>
-        </p:spPr>
-        <p:style>
-          <a:lnRef idx="2">
-            <a:schemeClr val="accent1">
-              <a:shade val="50000"/>
-            </a:schemeClr>
-          </a:lnRef>
-          <a:fillRef idx="1">
-            <a:schemeClr val="accent1"/>
-          </a:fillRef>
-          <a:effectRef idx="0">
-            <a:schemeClr val="accent1"/>
-          </a:effectRef>
-          <a:fontRef idx="minor">
-            <a:schemeClr val="lt1"/>
-          </a:fontRef>
-        </p:style>
-        <p:txBody>
-          <a:bodyPr rtlCol="0" anchor="ctr"/>
-          <a:lstStyle/>
-          <a:p>
-            <a:pPr algn="ctr"/>
-            <a:endParaRPr lang="en-US"/>
-          </a:p>
-        </p:txBody>
-      </p:sp>
-      <p:pic>
-        <p:nvPicPr>
-          <p:cNvPr id="4" name="Picture 3" descr="A group of colorful lights&#10;&#10;Description automatically generated with low confidence">
-            <a:extLst>
-              <a:ext uri="{FF2B5EF4-FFF2-40B4-BE49-F238E27FC236}">
-                <a16:creationId xmlns:a16="http://schemas.microsoft.com/office/drawing/2014/main" id="{B19BA4F3-9B75-481F-B8D3-505507510B98}"/>
-              </a:ext>
-            </a:extLst>
-          </p:cNvPr>
-          <p:cNvPicPr>
-            <a:picLocks noChangeAspect="1"/>
-          </p:cNvPicPr>
-          <p:nvPr/>
-        </p:nvPicPr>
-        <p:blipFill rotWithShape="1">
-          <a:blip r:embed="rId2"/>
-          <a:srcRect l="225" r="838" b="2"/>
-          <a:stretch/>
-        </p:blipFill>
-        <p:spPr>
-          <a:xfrm>
-            <a:off x="5977788" y="799352"/>
-            <a:ext cx="5425410" cy="5259296"/>
-          </a:xfrm>
-          <a:prstGeom prst="rect">
-            <a:avLst/>
-          </a:prstGeom>
-        </p:spPr>
-      </p:pic>
+            <a:pPr marL="0" indent="0">
+              <a:lnSpc>
+                <a:spcPct val="100000"/>
+              </a:lnSpc>
+              <a:spcBef>
+                <a:spcPts val="0"/>
+              </a:spcBef>
+              <a:buNone/>
+            </a:pPr>
+            <a:r>
+              <a:rPr lang="en-US" sz="1800" u="sng" dirty="0"/>
+              <a:t>main():</a:t>
+            </a:r>
+          </a:p>
+          <a:p>
+            <a:pPr marL="0" indent="0">
+              <a:lnSpc>
+                <a:spcPct val="100000"/>
+              </a:lnSpc>
+              <a:spcBef>
+                <a:spcPts val="0"/>
+              </a:spcBef>
+              <a:buNone/>
+            </a:pPr>
+            <a:r>
+              <a:rPr lang="en-US" sz="1800" dirty="0"/>
+              <a:t>    </a:t>
+            </a:r>
+            <a:r>
+              <a:rPr lang="en-US" sz="1800" dirty="0" err="1"/>
+              <a:t>num_vertices</a:t>
+            </a:r>
+            <a:r>
+              <a:rPr lang="en-US" sz="1800" dirty="0"/>
+              <a:t> = # of vertices in graph</a:t>
+            </a:r>
+          </a:p>
+          <a:p>
+            <a:pPr marL="0" indent="0">
+              <a:lnSpc>
+                <a:spcPct val="100000"/>
+              </a:lnSpc>
+              <a:spcBef>
+                <a:spcPts val="0"/>
+              </a:spcBef>
+              <a:buNone/>
+            </a:pPr>
+            <a:r>
+              <a:rPr lang="en-US" sz="1800" dirty="0"/>
+              <a:t>    graph = vertices as keys, nodes connected to vertex as values (in list)</a:t>
+            </a:r>
+          </a:p>
+          <a:p>
+            <a:pPr marL="0" indent="0">
+              <a:lnSpc>
+                <a:spcPct val="100000"/>
+              </a:lnSpc>
+              <a:spcBef>
+                <a:spcPts val="0"/>
+              </a:spcBef>
+              <a:buNone/>
+            </a:pPr>
+            <a:r>
+              <a:rPr lang="en-US" sz="1800" dirty="0"/>
+              <a:t>    degree = vertices a keys, # of degree for vertex as values</a:t>
+            </a:r>
+          </a:p>
+          <a:p>
+            <a:pPr marL="0" indent="0">
+              <a:lnSpc>
+                <a:spcPct val="100000"/>
+              </a:lnSpc>
+              <a:spcBef>
+                <a:spcPts val="0"/>
+              </a:spcBef>
+              <a:buNone/>
+            </a:pPr>
+            <a:r>
+              <a:rPr lang="en-US" sz="1800" dirty="0"/>
+              <a:t>    print </a:t>
+            </a:r>
+            <a:r>
+              <a:rPr lang="en-US" sz="1800" dirty="0" err="1"/>
+              <a:t>min_graph_coloring</a:t>
+            </a:r>
+            <a:r>
+              <a:rPr lang="en-US" sz="1800" dirty="0"/>
+              <a:t>(graph, degree)</a:t>
+            </a:r>
+          </a:p>
+          <a:p>
+            <a:pPr marL="0" indent="0">
+              <a:lnSpc>
+                <a:spcPct val="100000"/>
+              </a:lnSpc>
+              <a:spcBef>
+                <a:spcPts val="0"/>
+              </a:spcBef>
+              <a:buNone/>
+            </a:pPr>
+            <a:endParaRPr lang="en-US" sz="1800" dirty="0"/>
+          </a:p>
+          <a:p>
+            <a:pPr marL="0" indent="0">
+              <a:lnSpc>
+                <a:spcPct val="100000"/>
+              </a:lnSpc>
+              <a:spcBef>
+                <a:spcPts val="0"/>
+              </a:spcBef>
+              <a:buNone/>
+            </a:pPr>
+            <a:r>
+              <a:rPr lang="en-US" sz="1800" u="sng" dirty="0" err="1"/>
+              <a:t>min_graph_coloring</a:t>
+            </a:r>
+            <a:r>
+              <a:rPr lang="en-US" sz="1800" u="sng" dirty="0"/>
+              <a:t>(graph, degree, num=1):</a:t>
+            </a:r>
+          </a:p>
+          <a:p>
+            <a:pPr marL="0" indent="0">
+              <a:lnSpc>
+                <a:spcPct val="100000"/>
+              </a:lnSpc>
+              <a:spcBef>
+                <a:spcPts val="0"/>
+              </a:spcBef>
+              <a:buNone/>
+            </a:pPr>
+            <a:r>
+              <a:rPr lang="en-US" sz="1800" dirty="0"/>
+              <a:t>    for vertex in degree</a:t>
+            </a:r>
+          </a:p>
+          <a:p>
+            <a:pPr marL="0" indent="0">
+              <a:lnSpc>
+                <a:spcPct val="100000"/>
+              </a:lnSpc>
+              <a:spcBef>
+                <a:spcPts val="0"/>
+              </a:spcBef>
+              <a:buNone/>
+            </a:pPr>
+            <a:r>
+              <a:rPr lang="en-US" sz="1800" dirty="0"/>
+              <a:t>        if degree[vertex] &gt; max:</a:t>
+            </a:r>
+          </a:p>
+          <a:p>
+            <a:pPr marL="0" indent="0">
+              <a:lnSpc>
+                <a:spcPct val="100000"/>
+              </a:lnSpc>
+              <a:spcBef>
+                <a:spcPts val="0"/>
+              </a:spcBef>
+              <a:buNone/>
+            </a:pPr>
+            <a:r>
+              <a:rPr lang="en-US" sz="1800" dirty="0"/>
+              <a:t>            </a:t>
+            </a:r>
+            <a:r>
+              <a:rPr lang="en-US" sz="1800" dirty="0" err="1"/>
+              <a:t>max_vertex</a:t>
+            </a:r>
+            <a:r>
+              <a:rPr lang="en-US" sz="1800" dirty="0"/>
+              <a:t> = vertex</a:t>
+            </a:r>
+          </a:p>
+          <a:p>
+            <a:pPr marL="0" indent="0">
+              <a:lnSpc>
+                <a:spcPct val="100000"/>
+              </a:lnSpc>
+              <a:spcBef>
+                <a:spcPts val="0"/>
+              </a:spcBef>
+              <a:buNone/>
+            </a:pPr>
+            <a:r>
+              <a:rPr lang="en-US" sz="1800" dirty="0"/>
+              <a:t>    </a:t>
+            </a:r>
+            <a:r>
+              <a:rPr lang="en-US" sz="1800" dirty="0" err="1"/>
+              <a:t>graph.remove</a:t>
+            </a:r>
+            <a:r>
+              <a:rPr lang="en-US" sz="1800" dirty="0"/>
+              <a:t>(</a:t>
+            </a:r>
+            <a:r>
+              <a:rPr lang="en-US" sz="1800" dirty="0" err="1"/>
+              <a:t>max_vertex</a:t>
+            </a:r>
+            <a:r>
+              <a:rPr lang="en-US" sz="1800" dirty="0"/>
+              <a:t>)</a:t>
+            </a:r>
+          </a:p>
+          <a:p>
+            <a:pPr marL="0" indent="0">
+              <a:lnSpc>
+                <a:spcPct val="100000"/>
+              </a:lnSpc>
+              <a:spcBef>
+                <a:spcPts val="0"/>
+              </a:spcBef>
+              <a:buNone/>
+            </a:pPr>
+            <a:r>
+              <a:rPr lang="en-US" sz="1800" dirty="0"/>
+              <a:t>    </a:t>
+            </a:r>
+            <a:r>
+              <a:rPr lang="en-US" sz="1800" dirty="0" err="1"/>
+              <a:t>degree.remove</a:t>
+            </a:r>
+            <a:r>
+              <a:rPr lang="en-US" sz="1800" dirty="0"/>
+              <a:t>(</a:t>
+            </a:r>
+            <a:r>
+              <a:rPr lang="en-US" sz="1800" dirty="0" err="1"/>
+              <a:t>max_vertex</a:t>
+            </a:r>
+            <a:r>
+              <a:rPr lang="en-US" sz="1800" dirty="0"/>
+              <a:t>)</a:t>
+            </a:r>
+          </a:p>
+          <a:p>
+            <a:pPr marL="0" indent="0">
+              <a:lnSpc>
+                <a:spcPct val="100000"/>
+              </a:lnSpc>
+              <a:spcBef>
+                <a:spcPts val="0"/>
+              </a:spcBef>
+              <a:buNone/>
+            </a:pPr>
+            <a:r>
+              <a:rPr lang="en-US" sz="1800" dirty="0"/>
+              <a:t>    for node in graph:</a:t>
+            </a:r>
+          </a:p>
+          <a:p>
+            <a:pPr marL="0" indent="0">
+              <a:lnSpc>
+                <a:spcPct val="100000"/>
+              </a:lnSpc>
+              <a:spcBef>
+                <a:spcPts val="0"/>
+              </a:spcBef>
+              <a:buNone/>
+            </a:pPr>
+            <a:r>
+              <a:rPr lang="en-US" sz="1800" dirty="0"/>
+              <a:t>        for neighbor in node:</a:t>
+            </a:r>
+          </a:p>
+          <a:p>
+            <a:pPr marL="0" indent="0">
+              <a:lnSpc>
+                <a:spcPct val="100000"/>
+              </a:lnSpc>
+              <a:spcBef>
+                <a:spcPts val="0"/>
+              </a:spcBef>
+              <a:buNone/>
+            </a:pPr>
+            <a:r>
+              <a:rPr lang="en-US" sz="1800" dirty="0"/>
+              <a:t>            if neighbor is </a:t>
+            </a:r>
+            <a:r>
+              <a:rPr lang="en-US" sz="1800" dirty="0" err="1"/>
+              <a:t>max_vertex</a:t>
+            </a:r>
+            <a:r>
+              <a:rPr lang="en-US" sz="1800" dirty="0"/>
+              <a:t>:</a:t>
+            </a:r>
+          </a:p>
+          <a:p>
+            <a:pPr marL="0" indent="0">
+              <a:lnSpc>
+                <a:spcPct val="100000"/>
+              </a:lnSpc>
+              <a:spcBef>
+                <a:spcPts val="0"/>
+              </a:spcBef>
+              <a:buNone/>
+            </a:pPr>
+            <a:r>
+              <a:rPr lang="en-US" sz="1800" dirty="0"/>
+              <a:t>                </a:t>
+            </a:r>
+            <a:r>
+              <a:rPr lang="en-US" sz="1800" dirty="0" err="1"/>
+              <a:t>node.remove</a:t>
+            </a:r>
+            <a:r>
+              <a:rPr lang="en-US" sz="1800" dirty="0"/>
+              <a:t>(neighbor)</a:t>
+            </a:r>
+          </a:p>
+          <a:p>
+            <a:pPr marL="0" indent="0">
+              <a:lnSpc>
+                <a:spcPct val="100000"/>
+              </a:lnSpc>
+              <a:spcBef>
+                <a:spcPts val="0"/>
+              </a:spcBef>
+              <a:buNone/>
+            </a:pPr>
+            <a:r>
+              <a:rPr lang="en-US" sz="1800" dirty="0"/>
+              <a:t>                degree[node] -= 1</a:t>
+            </a:r>
+          </a:p>
+          <a:p>
+            <a:pPr marL="0" indent="0">
+              <a:lnSpc>
+                <a:spcPct val="100000"/>
+              </a:lnSpc>
+              <a:spcBef>
+                <a:spcPts val="0"/>
+              </a:spcBef>
+              <a:buNone/>
+            </a:pPr>
+            <a:r>
+              <a:rPr lang="en-US" sz="1800" dirty="0"/>
+              <a:t>    return </a:t>
+            </a:r>
+            <a:r>
+              <a:rPr lang="en-US" sz="1800" dirty="0" err="1"/>
+              <a:t>min_graph_coloring</a:t>
+            </a:r>
+            <a:r>
+              <a:rPr lang="en-US" sz="1800" dirty="0"/>
+              <a:t>(graph, degree, num + 1)</a:t>
+            </a:r>
+          </a:p>
+          <a:p>
+            <a:pPr marL="0" indent="0">
+              <a:buNone/>
+            </a:pPr>
+            <a:endParaRPr lang="en-US" dirty="0"/>
+          </a:p>
+        </p:txBody>
+      </p:sp>
     </p:spTree>
     <p:extLst>
       <p:ext uri="{BB962C8B-B14F-4D97-AF65-F5344CB8AC3E}">
-        <p14:creationId xmlns:p14="http://schemas.microsoft.com/office/powerpoint/2010/main" val="31130805"/>
+        <p14:creationId xmlns:p14="http://schemas.microsoft.com/office/powerpoint/2010/main" val="2898669507"/>
       </p:ext>
     </p:extLst>
   </p:cSld>
@@ -4059,7 +4010,7 @@
           <p:cNvPr id="2" name="Title 1">
             <a:extLst>
               <a:ext uri="{FF2B5EF4-FFF2-40B4-BE49-F238E27FC236}">
-                <a16:creationId xmlns:a16="http://schemas.microsoft.com/office/drawing/2014/main" id="{472C39D4-4BAA-4D99-B66A-8545D3B92F41}"/>
+                <a16:creationId xmlns:a16="http://schemas.microsoft.com/office/drawing/2014/main" id="{153B17B4-0AFC-4BD6-8C4B-7302F32F2F35}"/>
               </a:ext>
             </a:extLst>
           </p:cNvPr>
@@ -4077,40 +4028,373 @@
           <a:p>
             <a:r>
               <a:rPr lang="en-US" dirty="0"/>
-              <a:t>Run Time Results (Scripts)</a:t>
-            </a:r>
-          </a:p>
-        </p:txBody>
-      </p:sp>
-      <p:sp>
-        <p:nvSpPr>
-          <p:cNvPr id="3" name="Content Placeholder 2">
-            <a:extLst>
-              <a:ext uri="{FF2B5EF4-FFF2-40B4-BE49-F238E27FC236}">
-                <a16:creationId xmlns:a16="http://schemas.microsoft.com/office/drawing/2014/main" id="{1E388417-9516-4C19-827F-E18FF1F2D965}"/>
-              </a:ext>
-            </a:extLst>
-          </p:cNvPr>
-          <p:cNvSpPr>
-            <a:spLocks noGrp="1"/>
-          </p:cNvSpPr>
-          <p:nvPr>
-            <p:ph idx="1"/>
-          </p:nvPr>
-        </p:nvSpPr>
-        <p:spPr/>
-        <p:txBody>
-          <a:bodyPr/>
-          <a:lstStyle/>
-          <a:p>
-            <a:endParaRPr lang="en-US"/>
+              <a:t>Steps of the Approximation Algorithm</a:t>
+            </a:r>
+          </a:p>
+        </p:txBody>
+      </p:sp>
+      <p:pic>
+        <p:nvPicPr>
+          <p:cNvPr id="5" name="Picture 4" descr="Diagram&#10;&#10;Description automatically generated">
+            <a:extLst>
+              <a:ext uri="{FF2B5EF4-FFF2-40B4-BE49-F238E27FC236}">
+                <a16:creationId xmlns:a16="http://schemas.microsoft.com/office/drawing/2014/main" id="{731A93B1-60FB-4F78-AE98-D1FCD7088F06}"/>
+              </a:ext>
+            </a:extLst>
+          </p:cNvPr>
+          <p:cNvPicPr>
+            <a:picLocks noChangeAspect="1"/>
+          </p:cNvPicPr>
+          <p:nvPr/>
+        </p:nvPicPr>
+        <p:blipFill>
+          <a:blip r:embed="rId2">
+            <a:extLst>
+              <a:ext uri="{28A0092B-C50C-407E-A947-70E740481C1C}">
+                <a14:useLocalDpi xmlns:a14="http://schemas.microsoft.com/office/drawing/2010/main" val="0"/>
+              </a:ext>
+            </a:extLst>
+          </a:blip>
+          <a:stretch>
+            <a:fillRect/>
+          </a:stretch>
+        </p:blipFill>
+        <p:spPr>
+          <a:xfrm>
+            <a:off x="483636" y="1568764"/>
+            <a:ext cx="2499577" cy="2072820"/>
+          </a:xfrm>
+          <a:prstGeom prst="rect">
+            <a:avLst/>
+          </a:prstGeom>
+        </p:spPr>
+      </p:pic>
+      <p:pic>
+        <p:nvPicPr>
+          <p:cNvPr id="7" name="Picture 6" descr="A picture containing text, clock, watch&#10;&#10;Description automatically generated">
+            <a:extLst>
+              <a:ext uri="{FF2B5EF4-FFF2-40B4-BE49-F238E27FC236}">
+                <a16:creationId xmlns:a16="http://schemas.microsoft.com/office/drawing/2014/main" id="{9CC8E91D-39DE-4D78-AB39-5F571BA4ADC9}"/>
+              </a:ext>
+            </a:extLst>
+          </p:cNvPr>
+          <p:cNvPicPr>
+            <a:picLocks noChangeAspect="1"/>
+          </p:cNvPicPr>
+          <p:nvPr/>
+        </p:nvPicPr>
+        <p:blipFill>
+          <a:blip r:embed="rId3">
+            <a:extLst>
+              <a:ext uri="{28A0092B-C50C-407E-A947-70E740481C1C}">
+                <a14:useLocalDpi xmlns:a14="http://schemas.microsoft.com/office/drawing/2010/main" val="0"/>
+              </a:ext>
+            </a:extLst>
+          </a:blip>
+          <a:stretch>
+            <a:fillRect/>
+          </a:stretch>
+        </p:blipFill>
+        <p:spPr>
+          <a:xfrm>
+            <a:off x="3211377" y="1649381"/>
+            <a:ext cx="2530059" cy="2004234"/>
+          </a:xfrm>
+          <a:prstGeom prst="rect">
+            <a:avLst/>
+          </a:prstGeom>
+        </p:spPr>
+      </p:pic>
+      <p:pic>
+        <p:nvPicPr>
+          <p:cNvPr id="9" name="Picture 8" descr="A picture containing text, clock, vector graphics&#10;&#10;Description automatically generated">
+            <a:extLst>
+              <a:ext uri="{FF2B5EF4-FFF2-40B4-BE49-F238E27FC236}">
+                <a16:creationId xmlns:a16="http://schemas.microsoft.com/office/drawing/2014/main" id="{F5D22C2F-160A-41DD-B3CC-DC1C8D0A560D}"/>
+              </a:ext>
+            </a:extLst>
+          </p:cNvPr>
+          <p:cNvPicPr>
+            <a:picLocks noChangeAspect="1"/>
+          </p:cNvPicPr>
+          <p:nvPr/>
+        </p:nvPicPr>
+        <p:blipFill>
+          <a:blip r:embed="rId4">
+            <a:extLst>
+              <a:ext uri="{28A0092B-C50C-407E-A947-70E740481C1C}">
+                <a14:useLocalDpi xmlns:a14="http://schemas.microsoft.com/office/drawing/2010/main" val="0"/>
+              </a:ext>
+            </a:extLst>
+          </a:blip>
+          <a:stretch>
+            <a:fillRect/>
+          </a:stretch>
+        </p:blipFill>
+        <p:spPr>
+          <a:xfrm>
+            <a:off x="6105080" y="1690688"/>
+            <a:ext cx="2545301" cy="2027096"/>
+          </a:xfrm>
+          <a:prstGeom prst="rect">
+            <a:avLst/>
+          </a:prstGeom>
+        </p:spPr>
+      </p:pic>
+      <p:pic>
+        <p:nvPicPr>
+          <p:cNvPr id="11" name="Picture 10" descr="A picture containing text, clock, vector graphics&#10;&#10;Description automatically generated">
+            <a:extLst>
+              <a:ext uri="{FF2B5EF4-FFF2-40B4-BE49-F238E27FC236}">
+                <a16:creationId xmlns:a16="http://schemas.microsoft.com/office/drawing/2014/main" id="{302F6AA2-F95F-4B36-AA2F-9D253F53A1CC}"/>
+              </a:ext>
+            </a:extLst>
+          </p:cNvPr>
+          <p:cNvPicPr>
+            <a:picLocks noChangeAspect="1"/>
+          </p:cNvPicPr>
+          <p:nvPr/>
+        </p:nvPicPr>
+        <p:blipFill>
+          <a:blip r:embed="rId5">
+            <a:extLst>
+              <a:ext uri="{28A0092B-C50C-407E-A947-70E740481C1C}">
+                <a14:useLocalDpi xmlns:a14="http://schemas.microsoft.com/office/drawing/2010/main" val="0"/>
+              </a:ext>
+            </a:extLst>
+          </a:blip>
+          <a:stretch>
+            <a:fillRect/>
+          </a:stretch>
+        </p:blipFill>
+        <p:spPr>
+          <a:xfrm>
+            <a:off x="9014025" y="1690688"/>
+            <a:ext cx="2469094" cy="2034716"/>
+          </a:xfrm>
+          <a:prstGeom prst="rect">
+            <a:avLst/>
+          </a:prstGeom>
+        </p:spPr>
+      </p:pic>
+      <p:pic>
+        <p:nvPicPr>
+          <p:cNvPr id="13" name="Picture 12" descr="A picture containing diagram&#10;&#10;Description automatically generated">
+            <a:extLst>
+              <a:ext uri="{FF2B5EF4-FFF2-40B4-BE49-F238E27FC236}">
+                <a16:creationId xmlns:a16="http://schemas.microsoft.com/office/drawing/2014/main" id="{7CC95F3B-DCDA-42B4-A17F-F551E2539E8F}"/>
+              </a:ext>
+            </a:extLst>
+          </p:cNvPr>
+          <p:cNvPicPr>
+            <a:picLocks noChangeAspect="1"/>
+          </p:cNvPicPr>
+          <p:nvPr/>
+        </p:nvPicPr>
+        <p:blipFill>
+          <a:blip r:embed="rId6">
+            <a:extLst>
+              <a:ext uri="{28A0092B-C50C-407E-A947-70E740481C1C}">
+                <a14:useLocalDpi xmlns:a14="http://schemas.microsoft.com/office/drawing/2010/main" val="0"/>
+              </a:ext>
+            </a:extLst>
+          </a:blip>
+          <a:stretch>
+            <a:fillRect/>
+          </a:stretch>
+        </p:blipFill>
+        <p:spPr>
+          <a:xfrm>
+            <a:off x="464584" y="4023870"/>
+            <a:ext cx="2537680" cy="2080440"/>
+          </a:xfrm>
+          <a:prstGeom prst="rect">
+            <a:avLst/>
+          </a:prstGeom>
+        </p:spPr>
+      </p:pic>
+      <p:pic>
+        <p:nvPicPr>
+          <p:cNvPr id="15" name="Picture 14" descr="A picture containing bubble chart&#10;&#10;Description automatically generated">
+            <a:extLst>
+              <a:ext uri="{FF2B5EF4-FFF2-40B4-BE49-F238E27FC236}">
+                <a16:creationId xmlns:a16="http://schemas.microsoft.com/office/drawing/2014/main" id="{89F9094A-3648-4A86-97A0-26378BD8C404}"/>
+              </a:ext>
+            </a:extLst>
+          </p:cNvPr>
+          <p:cNvPicPr>
+            <a:picLocks noChangeAspect="1"/>
+          </p:cNvPicPr>
+          <p:nvPr/>
+        </p:nvPicPr>
+        <p:blipFill>
+          <a:blip r:embed="rId7">
+            <a:extLst>
+              <a:ext uri="{28A0092B-C50C-407E-A947-70E740481C1C}">
+                <a14:useLocalDpi xmlns:a14="http://schemas.microsoft.com/office/drawing/2010/main" val="0"/>
+              </a:ext>
+            </a:extLst>
+          </a:blip>
+          <a:stretch>
+            <a:fillRect/>
+          </a:stretch>
+        </p:blipFill>
+        <p:spPr>
+          <a:xfrm>
+            <a:off x="3211377" y="4023870"/>
+            <a:ext cx="2491956" cy="2034716"/>
+          </a:xfrm>
+          <a:prstGeom prst="rect">
+            <a:avLst/>
+          </a:prstGeom>
+        </p:spPr>
+      </p:pic>
+      <p:pic>
+        <p:nvPicPr>
+          <p:cNvPr id="17" name="Picture 16" descr="Diagram&#10;&#10;Description automatically generated">
+            <a:extLst>
+              <a:ext uri="{FF2B5EF4-FFF2-40B4-BE49-F238E27FC236}">
+                <a16:creationId xmlns:a16="http://schemas.microsoft.com/office/drawing/2014/main" id="{26D3EF24-1E1C-42C9-B486-A1634D202DA1}"/>
+              </a:ext>
+            </a:extLst>
+          </p:cNvPr>
+          <p:cNvPicPr>
+            <a:picLocks noChangeAspect="1"/>
+          </p:cNvPicPr>
+          <p:nvPr/>
+        </p:nvPicPr>
+        <p:blipFill>
+          <a:blip r:embed="rId8">
+            <a:extLst>
+              <a:ext uri="{28A0092B-C50C-407E-A947-70E740481C1C}">
+                <a14:useLocalDpi xmlns:a14="http://schemas.microsoft.com/office/drawing/2010/main" val="0"/>
+              </a:ext>
+            </a:extLst>
+          </a:blip>
+          <a:stretch>
+            <a:fillRect/>
+          </a:stretch>
+        </p:blipFill>
+        <p:spPr>
+          <a:xfrm>
+            <a:off x="6089839" y="4054352"/>
+            <a:ext cx="2560542" cy="2019475"/>
+          </a:xfrm>
+          <a:prstGeom prst="rect">
+            <a:avLst/>
+          </a:prstGeom>
+        </p:spPr>
+      </p:pic>
+      <p:pic>
+        <p:nvPicPr>
+          <p:cNvPr id="19" name="Picture 18" descr="Diagram&#10;&#10;Description automatically generated">
+            <a:extLst>
+              <a:ext uri="{FF2B5EF4-FFF2-40B4-BE49-F238E27FC236}">
+                <a16:creationId xmlns:a16="http://schemas.microsoft.com/office/drawing/2014/main" id="{02EEF150-8C8D-4B0D-A729-BC3995E2654D}"/>
+              </a:ext>
+            </a:extLst>
+          </p:cNvPr>
+          <p:cNvPicPr>
+            <a:picLocks noChangeAspect="1"/>
+          </p:cNvPicPr>
+          <p:nvPr/>
+        </p:nvPicPr>
+        <p:blipFill>
+          <a:blip r:embed="rId8">
+            <a:extLst>
+              <a:ext uri="{28A0092B-C50C-407E-A947-70E740481C1C}">
+                <a14:useLocalDpi xmlns:a14="http://schemas.microsoft.com/office/drawing/2010/main" val="0"/>
+              </a:ext>
+            </a:extLst>
+          </a:blip>
+          <a:stretch>
+            <a:fillRect/>
+          </a:stretch>
+        </p:blipFill>
+        <p:spPr>
+          <a:xfrm>
+            <a:off x="8922577" y="4084835"/>
+            <a:ext cx="2560542" cy="2019475"/>
+          </a:xfrm>
+          <a:prstGeom prst="rect">
+            <a:avLst/>
+          </a:prstGeom>
+        </p:spPr>
+      </p:pic>
+      <p:sp>
+        <p:nvSpPr>
+          <p:cNvPr id="20" name="TextBox 19">
+            <a:extLst>
+              <a:ext uri="{FF2B5EF4-FFF2-40B4-BE49-F238E27FC236}">
+                <a16:creationId xmlns:a16="http://schemas.microsoft.com/office/drawing/2014/main" id="{0C93DEB1-5004-4090-8EC7-FA30257D4D72}"/>
+              </a:ext>
+            </a:extLst>
+          </p:cNvPr>
+          <p:cNvSpPr txBox="1"/>
+          <p:nvPr/>
+        </p:nvSpPr>
+        <p:spPr>
+          <a:xfrm>
+            <a:off x="6223519" y="6123543"/>
+            <a:ext cx="2538580" cy="369332"/>
+          </a:xfrm>
+          <a:prstGeom prst="rect">
+            <a:avLst/>
+          </a:prstGeom>
+          <a:noFill/>
+        </p:spPr>
+        <p:txBody>
+          <a:bodyPr wrap="square" rtlCol="0">
+            <a:spAutoFit/>
+          </a:bodyPr>
+          <a:lstStyle/>
+          <a:p>
+            <a:r>
+              <a:rPr lang="en-US" dirty="0"/>
+              <a:t>Approximation Solution</a:t>
+            </a:r>
+          </a:p>
+        </p:txBody>
+      </p:sp>
+      <p:sp>
+        <p:nvSpPr>
+          <p:cNvPr id="21" name="TextBox 20">
+            <a:extLst>
+              <a:ext uri="{FF2B5EF4-FFF2-40B4-BE49-F238E27FC236}">
+                <a16:creationId xmlns:a16="http://schemas.microsoft.com/office/drawing/2014/main" id="{E55BEC15-C409-4F4B-BC34-C3EE6FCFE3FC}"/>
+              </a:ext>
+            </a:extLst>
+          </p:cNvPr>
+          <p:cNvSpPr txBox="1"/>
+          <p:nvPr/>
+        </p:nvSpPr>
+        <p:spPr>
+          <a:xfrm>
+            <a:off x="9376364" y="6123543"/>
+            <a:ext cx="1977436" cy="369332"/>
+          </a:xfrm>
+          <a:prstGeom prst="rect">
+            <a:avLst/>
+          </a:prstGeom>
+          <a:noFill/>
+        </p:spPr>
+        <p:txBody>
+          <a:bodyPr wrap="square" rtlCol="0">
+            <a:spAutoFit/>
+          </a:bodyPr>
+          <a:lstStyle/>
+          <a:p>
+            <a:r>
+              <a:rPr lang="en-US" dirty="0"/>
+              <a:t>Optimal Solution</a:t>
+            </a:r>
           </a:p>
         </p:txBody>
       </p:sp>
     </p:spTree>
     <p:extLst>
       <p:ext uri="{BB962C8B-B14F-4D97-AF65-F5344CB8AC3E}">
-        <p14:creationId xmlns:p14="http://schemas.microsoft.com/office/powerpoint/2010/main" val="2950443671"/>
+        <p14:creationId xmlns:p14="http://schemas.microsoft.com/office/powerpoint/2010/main" val="3605576130"/>
       </p:ext>
     </p:extLst>
   </p:cSld>
@@ -4121,6 +4405,608 @@
 </file>
 
 <file path=ppt/slides/slide5.xml><?xml version="1.0" encoding="utf-8"?>
+<p:sld xmlns:a="http://schemas.openxmlformats.org/drawingml/2006/main" xmlns:r="http://schemas.openxmlformats.org/officeDocument/2006/relationships" xmlns:p="http://schemas.openxmlformats.org/presentationml/2006/main">
+  <p:cSld>
+    <p:bg>
+      <p:bgPr>
+        <a:solidFill>
+          <a:schemeClr val="bg1"/>
+        </a:solidFill>
+        <a:effectLst/>
+      </p:bgPr>
+    </p:bg>
+    <p:spTree>
+      <p:nvGrpSpPr>
+        <p:cNvPr id="1" name=""/>
+        <p:cNvGrpSpPr/>
+        <p:nvPr/>
+      </p:nvGrpSpPr>
+      <p:grpSpPr>
+        <a:xfrm>
+          <a:off x="0" y="0"/>
+          <a:ext cx="0" cy="0"/>
+          <a:chOff x="0" y="0"/>
+          <a:chExt cx="0" cy="0"/>
+        </a:xfrm>
+      </p:grpSpPr>
+      <p:sp useBgFill="1">
+        <p:nvSpPr>
+          <p:cNvPr id="13" name="Rectangle 12">
+            <a:extLst>
+              <a:ext uri="{FF2B5EF4-FFF2-40B4-BE49-F238E27FC236}">
+                <a16:creationId xmlns:a16="http://schemas.microsoft.com/office/drawing/2014/main" id="{352BEC0E-22F8-46D0-9632-375DB541B06C}"/>
+              </a:ext>
+              <a:ext uri="{C183D7F6-B498-43B3-948B-1728B52AA6E4}">
+                <adec:decorative xmlns:adec="http://schemas.microsoft.com/office/drawing/2017/decorative" val="1"/>
+              </a:ext>
+            </a:extLst>
+          </p:cNvPr>
+          <p:cNvSpPr>
+            <a:spLocks noGrp="1" noRot="1" noChangeAspect="1" noMove="1" noResize="1" noEditPoints="1" noAdjustHandles="1" noChangeArrowheads="1" noChangeShapeType="1" noTextEdit="1"/>
+          </p:cNvSpPr>
+          <p:nvPr>
+            <p:extLst>
+              <p:ext uri="{386F3935-93C4-4BCD-93E2-E3B085C9AB24}">
+                <p16:designElem xmlns:p16="http://schemas.microsoft.com/office/powerpoint/2015/main" val="1"/>
+              </p:ext>
+            </p:extLst>
+          </p:nvPr>
+        </p:nvSpPr>
+        <p:spPr>
+          <a:xfrm>
+            <a:off x="0" y="0"/>
+            <a:ext cx="12188952" cy="6858000"/>
+          </a:xfrm>
+          <a:prstGeom prst="rect">
+            <a:avLst/>
+          </a:prstGeom>
+          <a:ln>
+            <a:noFill/>
+          </a:ln>
+        </p:spPr>
+        <p:style>
+          <a:lnRef idx="2">
+            <a:schemeClr val="accent1">
+              <a:shade val="50000"/>
+            </a:schemeClr>
+          </a:lnRef>
+          <a:fillRef idx="1">
+            <a:schemeClr val="accent1"/>
+          </a:fillRef>
+          <a:effectRef idx="0">
+            <a:schemeClr val="accent1"/>
+          </a:effectRef>
+          <a:fontRef idx="minor">
+            <a:schemeClr val="lt1"/>
+          </a:fontRef>
+        </p:style>
+        <p:txBody>
+          <a:bodyPr rtlCol="0" anchor="ctr"/>
+          <a:lstStyle/>
+          <a:p>
+            <a:pPr algn="ctr"/>
+            <a:endParaRPr lang="en-US"/>
+          </a:p>
+        </p:txBody>
+      </p:sp>
+      <p:sp>
+        <p:nvSpPr>
+          <p:cNvPr id="2" name="Title 1">
+            <a:extLst>
+              <a:ext uri="{FF2B5EF4-FFF2-40B4-BE49-F238E27FC236}">
+                <a16:creationId xmlns:a16="http://schemas.microsoft.com/office/drawing/2014/main" id="{72CA220E-0D04-4091-B38D-FECFD40A2F4E}"/>
+              </a:ext>
+            </a:extLst>
+          </p:cNvPr>
+          <p:cNvSpPr>
+            <a:spLocks noGrp="1"/>
+          </p:cNvSpPr>
+          <p:nvPr>
+            <p:ph type="title"/>
+          </p:nvPr>
+        </p:nvSpPr>
+        <p:spPr>
+          <a:xfrm>
+            <a:off x="640080" y="329184"/>
+            <a:ext cx="6894576" cy="1783080"/>
+          </a:xfrm>
+        </p:spPr>
+        <p:txBody>
+          <a:bodyPr anchor="b">
+            <a:normAutofit/>
+          </a:bodyPr>
+          <a:lstStyle/>
+          <a:p>
+            <a:r>
+              <a:rPr lang="en-US" sz="5400" dirty="0"/>
+              <a:t>Not Always Optimal</a:t>
+            </a:r>
+          </a:p>
+        </p:txBody>
+      </p:sp>
+      <p:sp>
+        <p:nvSpPr>
+          <p:cNvPr id="15" name="sketch line">
+            <a:extLst>
+              <a:ext uri="{FF2B5EF4-FFF2-40B4-BE49-F238E27FC236}">
+                <a16:creationId xmlns:a16="http://schemas.microsoft.com/office/drawing/2014/main" id="{3FCFB1DE-0B7E-48CC-BA90-B2AB0889F9D6}"/>
+              </a:ext>
+              <a:ext uri="{C183D7F6-B498-43B3-948B-1728B52AA6E4}">
+                <adec:decorative xmlns:adec="http://schemas.microsoft.com/office/drawing/2017/decorative" val="1"/>
+              </a:ext>
+            </a:extLst>
+          </p:cNvPr>
+          <p:cNvSpPr>
+            <a:spLocks noGrp="1" noRot="1" noChangeAspect="1" noMove="1" noResize="1" noEditPoints="1" noAdjustHandles="1" noChangeArrowheads="1" noChangeShapeType="1" noTextEdit="1"/>
+          </p:cNvSpPr>
+          <p:nvPr>
+            <p:extLst>
+              <p:ext uri="{386F3935-93C4-4BCD-93E2-E3B085C9AB24}">
+                <p16:designElem xmlns:p16="http://schemas.microsoft.com/office/powerpoint/2015/main" val="1"/>
+              </p:ext>
+            </p:extLst>
+          </p:nvPr>
+        </p:nvSpPr>
+        <p:spPr>
+          <a:xfrm>
+            <a:off x="758952" y="2395728"/>
+            <a:ext cx="4243589" cy="18288"/>
+          </a:xfrm>
+          <a:custGeom>
+            <a:avLst/>
+            <a:gdLst>
+              <a:gd name="connsiteX0" fmla="*/ 0 w 4243589"/>
+              <a:gd name="connsiteY0" fmla="*/ 0 h 18288"/>
+              <a:gd name="connsiteX1" fmla="*/ 478919 w 4243589"/>
+              <a:gd name="connsiteY1" fmla="*/ 0 h 18288"/>
+              <a:gd name="connsiteX2" fmla="*/ 957839 w 4243589"/>
+              <a:gd name="connsiteY2" fmla="*/ 0 h 18288"/>
+              <a:gd name="connsiteX3" fmla="*/ 1521630 w 4243589"/>
+              <a:gd name="connsiteY3" fmla="*/ 0 h 18288"/>
+              <a:gd name="connsiteX4" fmla="*/ 2212729 w 4243589"/>
+              <a:gd name="connsiteY4" fmla="*/ 0 h 18288"/>
+              <a:gd name="connsiteX5" fmla="*/ 2734084 w 4243589"/>
+              <a:gd name="connsiteY5" fmla="*/ 0 h 18288"/>
+              <a:gd name="connsiteX6" fmla="*/ 3255439 w 4243589"/>
+              <a:gd name="connsiteY6" fmla="*/ 0 h 18288"/>
+              <a:gd name="connsiteX7" fmla="*/ 4243589 w 4243589"/>
+              <a:gd name="connsiteY7" fmla="*/ 0 h 18288"/>
+              <a:gd name="connsiteX8" fmla="*/ 4243589 w 4243589"/>
+              <a:gd name="connsiteY8" fmla="*/ 18288 h 18288"/>
+              <a:gd name="connsiteX9" fmla="*/ 3594926 w 4243589"/>
+              <a:gd name="connsiteY9" fmla="*/ 18288 h 18288"/>
+              <a:gd name="connsiteX10" fmla="*/ 3073571 w 4243589"/>
+              <a:gd name="connsiteY10" fmla="*/ 18288 h 18288"/>
+              <a:gd name="connsiteX11" fmla="*/ 2552216 w 4243589"/>
+              <a:gd name="connsiteY11" fmla="*/ 18288 h 18288"/>
+              <a:gd name="connsiteX12" fmla="*/ 1903553 w 4243589"/>
+              <a:gd name="connsiteY12" fmla="*/ 18288 h 18288"/>
+              <a:gd name="connsiteX13" fmla="*/ 1212454 w 4243589"/>
+              <a:gd name="connsiteY13" fmla="*/ 18288 h 18288"/>
+              <a:gd name="connsiteX14" fmla="*/ 733535 w 4243589"/>
+              <a:gd name="connsiteY14" fmla="*/ 18288 h 18288"/>
+              <a:gd name="connsiteX15" fmla="*/ 0 w 4243589"/>
+              <a:gd name="connsiteY15" fmla="*/ 18288 h 18288"/>
+              <a:gd name="connsiteX16" fmla="*/ 0 w 4243589"/>
+              <a:gd name="connsiteY16" fmla="*/ 0 h 18288"/>
+            </a:gdLst>
+            <a:ahLst/>
+            <a:cxnLst>
+              <a:cxn ang="0">
+                <a:pos x="connsiteX0" y="connsiteY0"/>
+              </a:cxn>
+              <a:cxn ang="0">
+                <a:pos x="connsiteX1" y="connsiteY1"/>
+              </a:cxn>
+              <a:cxn ang="0">
+                <a:pos x="connsiteX2" y="connsiteY2"/>
+              </a:cxn>
+              <a:cxn ang="0">
+                <a:pos x="connsiteX3" y="connsiteY3"/>
+              </a:cxn>
+              <a:cxn ang="0">
+                <a:pos x="connsiteX4" y="connsiteY4"/>
+              </a:cxn>
+              <a:cxn ang="0">
+                <a:pos x="connsiteX5" y="connsiteY5"/>
+              </a:cxn>
+              <a:cxn ang="0">
+                <a:pos x="connsiteX6" y="connsiteY6"/>
+              </a:cxn>
+              <a:cxn ang="0">
+                <a:pos x="connsiteX7" y="connsiteY7"/>
+              </a:cxn>
+              <a:cxn ang="0">
+                <a:pos x="connsiteX8" y="connsiteY8"/>
+              </a:cxn>
+              <a:cxn ang="0">
+                <a:pos x="connsiteX9" y="connsiteY9"/>
+              </a:cxn>
+              <a:cxn ang="0">
+                <a:pos x="connsiteX10" y="connsiteY10"/>
+              </a:cxn>
+              <a:cxn ang="0">
+                <a:pos x="connsiteX11" y="connsiteY11"/>
+              </a:cxn>
+              <a:cxn ang="0">
+                <a:pos x="connsiteX12" y="connsiteY12"/>
+              </a:cxn>
+              <a:cxn ang="0">
+                <a:pos x="connsiteX13" y="connsiteY13"/>
+              </a:cxn>
+              <a:cxn ang="0">
+                <a:pos x="connsiteX14" y="connsiteY14"/>
+              </a:cxn>
+              <a:cxn ang="0">
+                <a:pos x="connsiteX15" y="connsiteY15"/>
+              </a:cxn>
+              <a:cxn ang="0">
+                <a:pos x="connsiteX16" y="connsiteY16"/>
+              </a:cxn>
+            </a:cxnLst>
+            <a:rect l="l" t="t" r="r" b="b"/>
+            <a:pathLst>
+              <a:path w="4243589" h="18288" fill="none" extrusionOk="0">
+                <a:moveTo>
+                  <a:pt x="0" y="0"/>
+                </a:moveTo>
+                <a:cubicBezTo>
+                  <a:pt x="213395" y="-21006"/>
+                  <a:pt x="307421" y="-18116"/>
+                  <a:pt x="478919" y="0"/>
+                </a:cubicBezTo>
+                <a:cubicBezTo>
+                  <a:pt x="650417" y="18116"/>
+                  <a:pt x="831092" y="-21237"/>
+                  <a:pt x="957839" y="0"/>
+                </a:cubicBezTo>
+                <a:cubicBezTo>
+                  <a:pt x="1084586" y="21237"/>
+                  <a:pt x="1301682" y="25124"/>
+                  <a:pt x="1521630" y="0"/>
+                </a:cubicBezTo>
+                <a:cubicBezTo>
+                  <a:pt x="1741578" y="-25124"/>
+                  <a:pt x="1970269" y="-29139"/>
+                  <a:pt x="2212729" y="0"/>
+                </a:cubicBezTo>
+                <a:cubicBezTo>
+                  <a:pt x="2455189" y="29139"/>
+                  <a:pt x="2558847" y="-4796"/>
+                  <a:pt x="2734084" y="0"/>
+                </a:cubicBezTo>
+                <a:cubicBezTo>
+                  <a:pt x="2909321" y="4796"/>
+                  <a:pt x="3097217" y="-13409"/>
+                  <a:pt x="3255439" y="0"/>
+                </a:cubicBezTo>
+                <a:cubicBezTo>
+                  <a:pt x="3413662" y="13409"/>
+                  <a:pt x="3979999" y="-10121"/>
+                  <a:pt x="4243589" y="0"/>
+                </a:cubicBezTo>
+                <a:cubicBezTo>
+                  <a:pt x="4244484" y="8974"/>
+                  <a:pt x="4243043" y="9359"/>
+                  <a:pt x="4243589" y="18288"/>
+                </a:cubicBezTo>
+                <a:cubicBezTo>
+                  <a:pt x="4058777" y="31246"/>
+                  <a:pt x="3910348" y="3158"/>
+                  <a:pt x="3594926" y="18288"/>
+                </a:cubicBezTo>
+                <a:cubicBezTo>
+                  <a:pt x="3279504" y="33418"/>
+                  <a:pt x="3319955" y="-3977"/>
+                  <a:pt x="3073571" y="18288"/>
+                </a:cubicBezTo>
+                <a:cubicBezTo>
+                  <a:pt x="2827187" y="40553"/>
+                  <a:pt x="2767387" y="1863"/>
+                  <a:pt x="2552216" y="18288"/>
+                </a:cubicBezTo>
+                <a:cubicBezTo>
+                  <a:pt x="2337046" y="34713"/>
+                  <a:pt x="2181871" y="19527"/>
+                  <a:pt x="1903553" y="18288"/>
+                </a:cubicBezTo>
+                <a:cubicBezTo>
+                  <a:pt x="1625235" y="17049"/>
+                  <a:pt x="1557672" y="24174"/>
+                  <a:pt x="1212454" y="18288"/>
+                </a:cubicBezTo>
+                <a:cubicBezTo>
+                  <a:pt x="867236" y="12402"/>
+                  <a:pt x="874382" y="15627"/>
+                  <a:pt x="733535" y="18288"/>
+                </a:cubicBezTo>
+                <a:cubicBezTo>
+                  <a:pt x="592688" y="20949"/>
+                  <a:pt x="183477" y="14753"/>
+                  <a:pt x="0" y="18288"/>
+                </a:cubicBezTo>
+                <a:cubicBezTo>
+                  <a:pt x="-229" y="14222"/>
+                  <a:pt x="509" y="5816"/>
+                  <a:pt x="0" y="0"/>
+                </a:cubicBezTo>
+                <a:close/>
+              </a:path>
+              <a:path w="4243589" h="18288" stroke="0" extrusionOk="0">
+                <a:moveTo>
+                  <a:pt x="0" y="0"/>
+                </a:moveTo>
+                <a:cubicBezTo>
+                  <a:pt x="143690" y="16630"/>
+                  <a:pt x="266667" y="14847"/>
+                  <a:pt x="521355" y="0"/>
+                </a:cubicBezTo>
+                <a:cubicBezTo>
+                  <a:pt x="776043" y="-14847"/>
+                  <a:pt x="814491" y="-17363"/>
+                  <a:pt x="1000275" y="0"/>
+                </a:cubicBezTo>
+                <a:cubicBezTo>
+                  <a:pt x="1186059" y="17363"/>
+                  <a:pt x="1352504" y="-23507"/>
+                  <a:pt x="1521630" y="0"/>
+                </a:cubicBezTo>
+                <a:cubicBezTo>
+                  <a:pt x="1690756" y="23507"/>
+                  <a:pt x="1889525" y="5871"/>
+                  <a:pt x="2127857" y="0"/>
+                </a:cubicBezTo>
+                <a:cubicBezTo>
+                  <a:pt x="2366189" y="-5871"/>
+                  <a:pt x="2620628" y="-27997"/>
+                  <a:pt x="2776520" y="0"/>
+                </a:cubicBezTo>
+                <a:cubicBezTo>
+                  <a:pt x="2932412" y="27997"/>
+                  <a:pt x="3131683" y="-25073"/>
+                  <a:pt x="3467618" y="0"/>
+                </a:cubicBezTo>
+                <a:cubicBezTo>
+                  <a:pt x="3803553" y="25073"/>
+                  <a:pt x="4017371" y="3071"/>
+                  <a:pt x="4243589" y="0"/>
+                </a:cubicBezTo>
+                <a:cubicBezTo>
+                  <a:pt x="4243134" y="6162"/>
+                  <a:pt x="4243492" y="11775"/>
+                  <a:pt x="4243589" y="18288"/>
+                </a:cubicBezTo>
+                <a:cubicBezTo>
+                  <a:pt x="4017834" y="-5779"/>
+                  <a:pt x="3834586" y="13376"/>
+                  <a:pt x="3594926" y="18288"/>
+                </a:cubicBezTo>
+                <a:cubicBezTo>
+                  <a:pt x="3355266" y="23200"/>
+                  <a:pt x="3204179" y="2869"/>
+                  <a:pt x="2903827" y="18288"/>
+                </a:cubicBezTo>
+                <a:cubicBezTo>
+                  <a:pt x="2603475" y="33707"/>
+                  <a:pt x="2526187" y="46187"/>
+                  <a:pt x="2212729" y="18288"/>
+                </a:cubicBezTo>
+                <a:cubicBezTo>
+                  <a:pt x="1899271" y="-9611"/>
+                  <a:pt x="1966289" y="29692"/>
+                  <a:pt x="1733809" y="18288"/>
+                </a:cubicBezTo>
+                <a:cubicBezTo>
+                  <a:pt x="1501329" y="6884"/>
+                  <a:pt x="1343612" y="12492"/>
+                  <a:pt x="1085146" y="18288"/>
+                </a:cubicBezTo>
+                <a:cubicBezTo>
+                  <a:pt x="826680" y="24084"/>
+                  <a:pt x="778184" y="35607"/>
+                  <a:pt x="521355" y="18288"/>
+                </a:cubicBezTo>
+                <a:cubicBezTo>
+                  <a:pt x="264526" y="969"/>
+                  <a:pt x="120277" y="4268"/>
+                  <a:pt x="0" y="18288"/>
+                </a:cubicBezTo>
+                <a:cubicBezTo>
+                  <a:pt x="766" y="10800"/>
+                  <a:pt x="-457" y="8180"/>
+                  <a:pt x="0" y="0"/>
+                </a:cubicBezTo>
+                <a:close/>
+              </a:path>
+            </a:pathLst>
+          </a:custGeom>
+          <a:solidFill>
+            <a:schemeClr val="accent2"/>
+          </a:solidFill>
+          <a:ln w="41275" cap="rnd">
+            <a:solidFill>
+              <a:schemeClr val="accent2"/>
+            </a:solidFill>
+            <a:round/>
+            <a:extLst>
+              <a:ext uri="{C807C97D-BFC1-408E-A445-0C87EB9F89A2}">
+                <ask:lineSketchStyleProps xmlns:ask="http://schemas.microsoft.com/office/drawing/2018/sketchyshapes" sd="2727557108">
+                  <a:prstGeom prst="rect">
+                    <a:avLst/>
+                  </a:prstGeom>
+                  <ask:type>
+                    <ask:lineSketchFreehand/>
+                  </ask:type>
+                </ask:lineSketchStyleProps>
+              </a:ext>
+            </a:extLst>
+          </a:ln>
+        </p:spPr>
+        <p:style>
+          <a:lnRef idx="2">
+            <a:schemeClr val="accent1">
+              <a:shade val="50000"/>
+            </a:schemeClr>
+          </a:lnRef>
+          <a:fillRef idx="1">
+            <a:schemeClr val="accent1"/>
+          </a:fillRef>
+          <a:effectRef idx="0">
+            <a:schemeClr val="accent1"/>
+          </a:effectRef>
+          <a:fontRef idx="minor">
+            <a:schemeClr val="lt1"/>
+          </a:fontRef>
+        </p:style>
+        <p:txBody>
+          <a:bodyPr rtlCol="0" anchor="ctr"/>
+          <a:lstStyle/>
+          <a:p>
+            <a:pPr algn="ctr"/>
+            <a:endParaRPr lang="en-US"/>
+          </a:p>
+        </p:txBody>
+      </p:sp>
+      <p:sp>
+        <p:nvSpPr>
+          <p:cNvPr id="10" name="Content Placeholder 9">
+            <a:extLst>
+              <a:ext uri="{FF2B5EF4-FFF2-40B4-BE49-F238E27FC236}">
+                <a16:creationId xmlns:a16="http://schemas.microsoft.com/office/drawing/2014/main" id="{4478694E-6EF3-A33C-E535-CC43ABE9E651}"/>
+              </a:ext>
+            </a:extLst>
+          </p:cNvPr>
+          <p:cNvSpPr>
+            <a:spLocks noGrp="1"/>
+          </p:cNvSpPr>
+          <p:nvPr>
+            <p:ph idx="1"/>
+          </p:nvPr>
+        </p:nvSpPr>
+        <p:spPr>
+          <a:xfrm>
+            <a:off x="640080" y="2706624"/>
+            <a:ext cx="6894576" cy="3483864"/>
+          </a:xfrm>
+        </p:spPr>
+        <p:txBody>
+          <a:bodyPr>
+            <a:normAutofit/>
+          </a:bodyPr>
+          <a:lstStyle/>
+          <a:p>
+            <a:r>
+              <a:rPr lang="en-US" sz="2200" dirty="0"/>
+              <a:t>The above graph represents the optimal solution possible for the graph</a:t>
+            </a:r>
+          </a:p>
+          <a:p>
+            <a:r>
+              <a:rPr lang="en-US" sz="2200" dirty="0"/>
+              <a:t>The below graph represents the results of our approximation algorithm</a:t>
+            </a:r>
+          </a:p>
+          <a:p>
+            <a:r>
+              <a:rPr lang="en-US" sz="2200" dirty="0"/>
+              <a:t>The approximation solution does yield a valid result however it is not the most optimal solution</a:t>
+            </a:r>
+          </a:p>
+          <a:p>
+            <a:pPr lvl="1"/>
+            <a:r>
+              <a:rPr lang="en-US" sz="1800" dirty="0"/>
+              <a:t>Optimal Solution: 3 Colors</a:t>
+            </a:r>
+          </a:p>
+          <a:p>
+            <a:pPr lvl="1"/>
+            <a:r>
+              <a:rPr lang="en-US" sz="1800" dirty="0"/>
+              <a:t>Approximation Solution: 7 Colors</a:t>
+            </a:r>
+          </a:p>
+        </p:txBody>
+      </p:sp>
+      <p:pic>
+        <p:nvPicPr>
+          <p:cNvPr id="6" name="Picture 5" descr="A group of colorful lights&#10;&#10;Description automatically generated with low confidence">
+            <a:extLst>
+              <a:ext uri="{FF2B5EF4-FFF2-40B4-BE49-F238E27FC236}">
+                <a16:creationId xmlns:a16="http://schemas.microsoft.com/office/drawing/2014/main" id="{8E5B1E94-96EF-42D2-AA58-FE34B68EFF80}"/>
+              </a:ext>
+            </a:extLst>
+          </p:cNvPr>
+          <p:cNvPicPr>
+            <a:picLocks noChangeAspect="1"/>
+          </p:cNvPicPr>
+          <p:nvPr/>
+        </p:nvPicPr>
+        <p:blipFill rotWithShape="1">
+          <a:blip r:embed="rId2"/>
+          <a:srcRect l="225" r="838" b="2"/>
+          <a:stretch/>
+        </p:blipFill>
+        <p:spPr>
+          <a:xfrm>
+            <a:off x="8182994" y="96998"/>
+            <a:ext cx="3538327" cy="3429969"/>
+          </a:xfrm>
+          <a:prstGeom prst="rect">
+            <a:avLst/>
+          </a:prstGeom>
+        </p:spPr>
+      </p:pic>
+      <p:pic>
+        <p:nvPicPr>
+          <p:cNvPr id="5" name="Content Placeholder 4" descr="Diagram&#10;&#10;Description automatically generated">
+            <a:extLst>
+              <a:ext uri="{FF2B5EF4-FFF2-40B4-BE49-F238E27FC236}">
+                <a16:creationId xmlns:a16="http://schemas.microsoft.com/office/drawing/2014/main" id="{D9DD0204-9F26-478D-9C67-0A3A863A87F2}"/>
+              </a:ext>
+            </a:extLst>
+          </p:cNvPr>
+          <p:cNvPicPr>
+            <a:picLocks noChangeAspect="1"/>
+          </p:cNvPicPr>
+          <p:nvPr/>
+        </p:nvPicPr>
+        <p:blipFill>
+          <a:blip r:embed="rId3">
+            <a:extLst>
+              <a:ext uri="{28A0092B-C50C-407E-A947-70E740481C1C}">
+                <a14:useLocalDpi xmlns:a14="http://schemas.microsoft.com/office/drawing/2010/main" val="0"/>
+              </a:ext>
+            </a:extLst>
+          </a:blip>
+          <a:stretch>
+            <a:fillRect/>
+          </a:stretch>
+        </p:blipFill>
+        <p:spPr>
+          <a:xfrm>
+            <a:off x="8174736" y="3468157"/>
+            <a:ext cx="3503027" cy="3292845"/>
+          </a:xfrm>
+          <a:prstGeom prst="rect">
+            <a:avLst/>
+          </a:prstGeom>
+        </p:spPr>
+      </p:pic>
+    </p:spTree>
+    <p:extLst>
+      <p:ext uri="{BB962C8B-B14F-4D97-AF65-F5344CB8AC3E}">
+        <p14:creationId xmlns:p14="http://schemas.microsoft.com/office/powerpoint/2010/main" val="2181767589"/>
+      </p:ext>
+    </p:extLst>
+  </p:cSld>
+  <p:clrMapOvr>
+    <a:masterClrMapping/>
+  </p:clrMapOvr>
+</p:sld>
+</file>
+
+<file path=ppt/slides/slide6.xml><?xml version="1.0" encoding="utf-8"?>
 <p:sld xmlns:a="http://schemas.openxmlformats.org/drawingml/2006/main" xmlns:r="http://schemas.openxmlformats.org/officeDocument/2006/relationships" xmlns:p="http://schemas.openxmlformats.org/presentationml/2006/main">
   <p:cSld>
     <p:spTree>
@@ -4142,7 +5028,7 @@
           <p:cNvPr id="2" name="Title 1">
             <a:extLst>
               <a:ext uri="{FF2B5EF4-FFF2-40B4-BE49-F238E27FC236}">
-                <a16:creationId xmlns:a16="http://schemas.microsoft.com/office/drawing/2014/main" id="{71841CA4-D585-4BBF-9AA9-09E52090FC66}"/>
+                <a16:creationId xmlns:a16="http://schemas.microsoft.com/office/drawing/2014/main" id="{472C39D4-4BAA-4D99-B66A-8545D3B92F41}"/>
               </a:ext>
             </a:extLst>
           </p:cNvPr>
@@ -4158,7 +5044,10 @@
           <a:bodyPr/>
           <a:lstStyle/>
           <a:p>
-            <a:endParaRPr lang="en-US" dirty="0"/>
+            <a:r>
+              <a:rPr lang="en-US" dirty="0"/>
+              <a:t>Run Time Results (Scripts)</a:t>
+            </a:r>
           </a:p>
         </p:txBody>
       </p:sp>
@@ -4167,7 +5056,7 @@
           <p:cNvPr id="3" name="Content Placeholder 2">
             <a:extLst>
               <a:ext uri="{FF2B5EF4-FFF2-40B4-BE49-F238E27FC236}">
-                <a16:creationId xmlns:a16="http://schemas.microsoft.com/office/drawing/2014/main" id="{32DB88BA-4E77-4892-B24F-22F2CB2C930F}"/>
+                <a16:creationId xmlns:a16="http://schemas.microsoft.com/office/drawing/2014/main" id="{1E388417-9516-4C19-827F-E18FF1F2D965}"/>
               </a:ext>
             </a:extLst>
           </p:cNvPr>
@@ -4190,7 +5079,583 @@
     </p:spTree>
     <p:extLst>
       <p:ext uri="{BB962C8B-B14F-4D97-AF65-F5344CB8AC3E}">
-        <p14:creationId xmlns:p14="http://schemas.microsoft.com/office/powerpoint/2010/main" val="102199685"/>
+        <p14:creationId xmlns:p14="http://schemas.microsoft.com/office/powerpoint/2010/main" val="2950443671"/>
+      </p:ext>
+    </p:extLst>
+  </p:cSld>
+  <p:clrMapOvr>
+    <a:masterClrMapping/>
+  </p:clrMapOvr>
+</p:sld>
+</file>
+
+<file path=ppt/slides/slide7.xml><?xml version="1.0" encoding="utf-8"?>
+<p:sld xmlns:a="http://schemas.openxmlformats.org/drawingml/2006/main" xmlns:r="http://schemas.openxmlformats.org/officeDocument/2006/relationships" xmlns:p="http://schemas.openxmlformats.org/presentationml/2006/main">
+  <p:cSld>
+    <p:bg>
+      <p:bgPr>
+        <a:solidFill>
+          <a:schemeClr val="bg1"/>
+        </a:solidFill>
+        <a:effectLst/>
+      </p:bgPr>
+    </p:bg>
+    <p:spTree>
+      <p:nvGrpSpPr>
+        <p:cNvPr id="1" name=""/>
+        <p:cNvGrpSpPr/>
+        <p:nvPr/>
+      </p:nvGrpSpPr>
+      <p:grpSpPr>
+        <a:xfrm>
+          <a:off x="0" y="0"/>
+          <a:ext cx="0" cy="0"/>
+          <a:chOff x="0" y="0"/>
+          <a:chExt cx="0" cy="0"/>
+        </a:xfrm>
+      </p:grpSpPr>
+      <p:sp useBgFill="1">
+        <p:nvSpPr>
+          <p:cNvPr id="14" name="Rectangle 13">
+            <a:extLst>
+              <a:ext uri="{FF2B5EF4-FFF2-40B4-BE49-F238E27FC236}">
+                <a16:creationId xmlns:a16="http://schemas.microsoft.com/office/drawing/2014/main" id="{385E1BDC-A9B0-4A87-82E3-F3187F69A802}"/>
+              </a:ext>
+              <a:ext uri="{C183D7F6-B498-43B3-948B-1728B52AA6E4}">
+                <adec:decorative xmlns:adec="http://schemas.microsoft.com/office/drawing/2017/decorative" val="1"/>
+              </a:ext>
+            </a:extLst>
+          </p:cNvPr>
+          <p:cNvSpPr>
+            <a:spLocks noGrp="1" noRot="1" noChangeAspect="1" noMove="1" noResize="1" noEditPoints="1" noAdjustHandles="1" noChangeArrowheads="1" noChangeShapeType="1" noTextEdit="1"/>
+          </p:cNvSpPr>
+          <p:nvPr>
+            <p:extLst>
+              <p:ext uri="{386F3935-93C4-4BCD-93E2-E3B085C9AB24}">
+                <p16:designElem xmlns:p16="http://schemas.microsoft.com/office/powerpoint/2015/main" val="1"/>
+              </p:ext>
+            </p:extLst>
+          </p:nvPr>
+        </p:nvSpPr>
+        <p:spPr>
+          <a:xfrm>
+            <a:off x="0" y="0"/>
+            <a:ext cx="12192000" cy="6858000"/>
+          </a:xfrm>
+          <a:prstGeom prst="rect">
+            <a:avLst/>
+          </a:prstGeom>
+          <a:ln>
+            <a:noFill/>
+          </a:ln>
+        </p:spPr>
+        <p:style>
+          <a:lnRef idx="2">
+            <a:schemeClr val="accent1">
+              <a:shade val="50000"/>
+            </a:schemeClr>
+          </a:lnRef>
+          <a:fillRef idx="1">
+            <a:schemeClr val="accent1"/>
+          </a:fillRef>
+          <a:effectRef idx="0">
+            <a:schemeClr val="accent1"/>
+          </a:effectRef>
+          <a:fontRef idx="minor">
+            <a:schemeClr val="lt1"/>
+          </a:fontRef>
+        </p:style>
+        <p:txBody>
+          <a:bodyPr rtlCol="0" anchor="ctr"/>
+          <a:lstStyle/>
+          <a:p>
+            <a:pPr algn="ctr"/>
+            <a:endParaRPr lang="en-US"/>
+          </a:p>
+        </p:txBody>
+      </p:sp>
+      <p:sp useBgFill="1">
+        <p:nvSpPr>
+          <p:cNvPr id="16" name="Rectangle 15">
+            <a:extLst>
+              <a:ext uri="{FF2B5EF4-FFF2-40B4-BE49-F238E27FC236}">
+                <a16:creationId xmlns:a16="http://schemas.microsoft.com/office/drawing/2014/main" id="{0990C621-3B8B-4820-8328-D47EF7CE823C}"/>
+              </a:ext>
+              <a:ext uri="{C183D7F6-B498-43B3-948B-1728B52AA6E4}">
+                <adec:decorative xmlns:adec="http://schemas.microsoft.com/office/drawing/2017/decorative" val="1"/>
+              </a:ext>
+            </a:extLst>
+          </p:cNvPr>
+          <p:cNvSpPr>
+            <a:spLocks noGrp="1" noRot="1" noChangeAspect="1" noMove="1" noResize="1" noEditPoints="1" noAdjustHandles="1" noChangeArrowheads="1" noChangeShapeType="1" noTextEdit="1"/>
+          </p:cNvSpPr>
+          <p:nvPr>
+            <p:extLst>
+              <p:ext uri="{386F3935-93C4-4BCD-93E2-E3B085C9AB24}">
+                <p16:designElem xmlns:p16="http://schemas.microsoft.com/office/powerpoint/2015/main" val="1"/>
+              </p:ext>
+            </p:extLst>
+          </p:nvPr>
+        </p:nvSpPr>
+        <p:spPr>
+          <a:xfrm>
+            <a:off x="554416" y="365125"/>
+            <a:ext cx="11167447" cy="2089317"/>
+          </a:xfrm>
+          <a:prstGeom prst="rect">
+            <a:avLst/>
+          </a:prstGeom>
+          <a:ln w="12700">
+            <a:solidFill>
+              <a:srgbClr val="DEDEDE"/>
+            </a:solidFill>
+          </a:ln>
+          <a:effectLst>
+            <a:outerShdw blurRad="50800" dist="38100" dir="2700000" algn="tl" rotWithShape="0">
+              <a:schemeClr val="bg2">
+                <a:lumMod val="85000"/>
+                <a:alpha val="50000"/>
+              </a:schemeClr>
+            </a:outerShdw>
+          </a:effectLst>
+        </p:spPr>
+        <p:style>
+          <a:lnRef idx="2">
+            <a:schemeClr val="accent1">
+              <a:shade val="50000"/>
+            </a:schemeClr>
+          </a:lnRef>
+          <a:fillRef idx="1">
+            <a:schemeClr val="accent1"/>
+          </a:fillRef>
+          <a:effectRef idx="0">
+            <a:schemeClr val="accent1"/>
+          </a:effectRef>
+          <a:fontRef idx="minor">
+            <a:schemeClr val="lt1"/>
+          </a:fontRef>
+        </p:style>
+        <p:txBody>
+          <a:bodyPr rtlCol="0" anchor="ctr"/>
+          <a:lstStyle/>
+          <a:p>
+            <a:pPr marL="0" marR="0" lvl="0" indent="0" algn="ctr" defTabSz="914400" rtl="0" eaLnBrk="1" fontAlgn="auto" latinLnBrk="0" hangingPunct="1">
+              <a:lnSpc>
+                <a:spcPct val="100000"/>
+              </a:lnSpc>
+              <a:spcBef>
+                <a:spcPts val="0"/>
+              </a:spcBef>
+              <a:spcAft>
+                <a:spcPts val="0"/>
+              </a:spcAft>
+              <a:buClrTx/>
+              <a:buSzTx/>
+              <a:buFontTx/>
+              <a:buNone/>
+              <a:tabLst/>
+              <a:defRPr/>
+            </a:pPr>
+            <a:endParaRPr kumimoji="0" lang="en-US" sz="1800" b="0" i="0" u="none" strike="noStrike" kern="1200" cap="none" spc="0" normalizeH="0" baseline="0" noProof="0">
+              <a:ln>
+                <a:noFill/>
+              </a:ln>
+              <a:solidFill>
+                <a:prstClr val="white"/>
+              </a:solidFill>
+              <a:effectLst/>
+              <a:uLnTx/>
+              <a:uFillTx/>
+              <a:latin typeface="Calibri" panose="020F0502020204030204"/>
+              <a:ea typeface="+mn-ea"/>
+              <a:cs typeface="+mn-cs"/>
+            </a:endParaRPr>
+          </a:p>
+        </p:txBody>
+      </p:sp>
+      <p:sp>
+        <p:nvSpPr>
+          <p:cNvPr id="2" name="Title 1">
+            <a:extLst>
+              <a:ext uri="{FF2B5EF4-FFF2-40B4-BE49-F238E27FC236}">
+                <a16:creationId xmlns:a16="http://schemas.microsoft.com/office/drawing/2014/main" id="{55FD0F34-B6BC-4E7B-9526-97592DEE9D3E}"/>
+              </a:ext>
+            </a:extLst>
+          </p:cNvPr>
+          <p:cNvSpPr>
+            <a:spLocks noGrp="1"/>
+          </p:cNvSpPr>
+          <p:nvPr>
+            <p:ph type="title"/>
+          </p:nvPr>
+        </p:nvSpPr>
+        <p:spPr>
+          <a:xfrm>
+            <a:off x="1051560" y="586822"/>
+            <a:ext cx="3657600" cy="1645920"/>
+          </a:xfrm>
+        </p:spPr>
+        <p:txBody>
+          <a:bodyPr>
+            <a:normAutofit/>
+          </a:bodyPr>
+          <a:lstStyle/>
+          <a:p>
+            <a:r>
+              <a:rPr lang="en-US" sz="3200"/>
+              <a:t>Lower Bound</a:t>
+            </a:r>
+          </a:p>
+        </p:txBody>
+      </p:sp>
+      <p:sp>
+        <p:nvSpPr>
+          <p:cNvPr id="18" name="Rectangle 17">
+            <a:extLst>
+              <a:ext uri="{FF2B5EF4-FFF2-40B4-BE49-F238E27FC236}">
+                <a16:creationId xmlns:a16="http://schemas.microsoft.com/office/drawing/2014/main" id="{C1A2385B-1D2A-4E17-84FA-6CB7F0AAE473}"/>
+              </a:ext>
+              <a:ext uri="{C183D7F6-B498-43B3-948B-1728B52AA6E4}">
+                <adec:decorative xmlns:adec="http://schemas.microsoft.com/office/drawing/2017/decorative" val="1"/>
+              </a:ext>
+            </a:extLst>
+          </p:cNvPr>
+          <p:cNvSpPr>
+            <a:spLocks noGrp="1" noRot="1" noChangeAspect="1" noMove="1" noResize="1" noEditPoints="1" noAdjustHandles="1" noChangeArrowheads="1" noChangeShapeType="1" noTextEdit="1"/>
+          </p:cNvSpPr>
+          <p:nvPr>
+            <p:extLst>
+              <p:ext uri="{386F3935-93C4-4BCD-93E2-E3B085C9AB24}">
+                <p16:designElem xmlns:p16="http://schemas.microsoft.com/office/powerpoint/2015/main" val="1"/>
+              </p:ext>
+            </p:extLst>
+          </p:nvPr>
+        </p:nvSpPr>
+        <p:spPr>
+          <a:xfrm>
+            <a:off x="490408" y="1057739"/>
+            <a:ext cx="128016" cy="704088"/>
+          </a:xfrm>
+          <a:prstGeom prst="rect">
+            <a:avLst/>
+          </a:prstGeom>
+          <a:solidFill>
+            <a:schemeClr val="accent2"/>
+          </a:solidFill>
+          <a:ln>
+            <a:noFill/>
+          </a:ln>
+        </p:spPr>
+        <p:style>
+          <a:lnRef idx="2">
+            <a:schemeClr val="accent1">
+              <a:shade val="50000"/>
+            </a:schemeClr>
+          </a:lnRef>
+          <a:fillRef idx="1">
+            <a:schemeClr val="accent1"/>
+          </a:fillRef>
+          <a:effectRef idx="0">
+            <a:schemeClr val="accent1"/>
+          </a:effectRef>
+          <a:fontRef idx="minor">
+            <a:schemeClr val="lt1"/>
+          </a:fontRef>
+        </p:style>
+        <p:txBody>
+          <a:bodyPr rtlCol="0" anchor="ctr"/>
+          <a:lstStyle/>
+          <a:p>
+            <a:pPr algn="ctr"/>
+            <a:endParaRPr lang="en-US" dirty="0">
+              <a:solidFill>
+                <a:prstClr val="white"/>
+              </a:solidFill>
+              <a:latin typeface="Calibri" panose="020F0502020204030204"/>
+            </a:endParaRPr>
+          </a:p>
+        </p:txBody>
+      </p:sp>
+      <p:sp>
+        <p:nvSpPr>
+          <p:cNvPr id="20" name="Rectangle 19">
+            <a:extLst>
+              <a:ext uri="{FF2B5EF4-FFF2-40B4-BE49-F238E27FC236}">
+                <a16:creationId xmlns:a16="http://schemas.microsoft.com/office/drawing/2014/main" id="{5E791F2F-79DB-4CC0-9FA1-001E3E91E8B7}"/>
+              </a:ext>
+              <a:ext uri="{C183D7F6-B498-43B3-948B-1728B52AA6E4}">
+                <adec:decorative xmlns:adec="http://schemas.microsoft.com/office/drawing/2017/decorative" val="1"/>
+              </a:ext>
+            </a:extLst>
+          </p:cNvPr>
+          <p:cNvSpPr>
+            <a:spLocks noGrp="1" noRot="1" noChangeAspect="1" noMove="1" noResize="1" noEditPoints="1" noAdjustHandles="1" noChangeArrowheads="1" noChangeShapeType="1" noTextEdit="1"/>
+          </p:cNvSpPr>
+          <p:nvPr>
+            <p:extLst>
+              <p:ext uri="{386F3935-93C4-4BCD-93E2-E3B085C9AB24}">
+                <p16:designElem xmlns:p16="http://schemas.microsoft.com/office/powerpoint/2015/main" val="1"/>
+              </p:ext>
+            </p:extLst>
+          </p:nvPr>
+        </p:nvSpPr>
+        <p:spPr>
+          <a:xfrm rot="5400000">
+            <a:off x="4243541" y="1400638"/>
+            <a:ext cx="1463040" cy="18288"/>
+          </a:xfrm>
+          <a:prstGeom prst="rect">
+            <a:avLst/>
+          </a:prstGeom>
+          <a:solidFill>
+            <a:srgbClr val="D5D5D5"/>
+          </a:solidFill>
+          <a:ln w="3175">
+            <a:noFill/>
+          </a:ln>
+          <a:effectLst/>
+        </p:spPr>
+        <p:style>
+          <a:lnRef idx="2">
+            <a:schemeClr val="accent1">
+              <a:shade val="50000"/>
+            </a:schemeClr>
+          </a:lnRef>
+          <a:fillRef idx="1">
+            <a:schemeClr val="accent1"/>
+          </a:fillRef>
+          <a:effectRef idx="0">
+            <a:schemeClr val="accent1"/>
+          </a:effectRef>
+          <a:fontRef idx="minor">
+            <a:schemeClr val="lt1"/>
+          </a:fontRef>
+        </p:style>
+        <p:txBody>
+          <a:bodyPr rtlCol="0" anchor="ctr"/>
+          <a:lstStyle/>
+          <a:p>
+            <a:pPr marL="0" marR="0" lvl="0" indent="0" algn="ctr" defTabSz="914400" rtl="0" eaLnBrk="1" fontAlgn="auto" latinLnBrk="0" hangingPunct="1">
+              <a:lnSpc>
+                <a:spcPct val="100000"/>
+              </a:lnSpc>
+              <a:spcBef>
+                <a:spcPts val="0"/>
+              </a:spcBef>
+              <a:spcAft>
+                <a:spcPts val="0"/>
+              </a:spcAft>
+              <a:buClrTx/>
+              <a:buSzTx/>
+              <a:buFontTx/>
+              <a:buNone/>
+              <a:tabLst/>
+              <a:defRPr/>
+            </a:pPr>
+            <a:endParaRPr kumimoji="0" lang="en-US" sz="1800" b="0" i="0" u="none" strike="noStrike" kern="1200" cap="none" spc="0" normalizeH="0" baseline="0" noProof="0">
+              <a:ln>
+                <a:noFill/>
+              </a:ln>
+              <a:solidFill>
+                <a:prstClr val="white"/>
+              </a:solidFill>
+              <a:effectLst/>
+              <a:uLnTx/>
+              <a:uFillTx/>
+              <a:latin typeface="Calibri" panose="020F0502020204030204"/>
+              <a:ea typeface="+mn-ea"/>
+              <a:cs typeface="+mn-cs"/>
+            </a:endParaRPr>
+          </a:p>
+        </p:txBody>
+      </p:sp>
+      <p:sp>
+        <p:nvSpPr>
+          <p:cNvPr id="3" name="Content Placeholder 2">
+            <a:extLst>
+              <a:ext uri="{FF2B5EF4-FFF2-40B4-BE49-F238E27FC236}">
+                <a16:creationId xmlns:a16="http://schemas.microsoft.com/office/drawing/2014/main" id="{89632BC0-458B-4368-A182-0AC9C95EB883}"/>
+              </a:ext>
+            </a:extLst>
+          </p:cNvPr>
+          <p:cNvSpPr>
+            <a:spLocks noGrp="1"/>
+          </p:cNvSpPr>
+          <p:nvPr>
+            <p:ph idx="1"/>
+          </p:nvPr>
+        </p:nvSpPr>
+        <p:spPr>
+          <a:xfrm>
+            <a:off x="5250106" y="586822"/>
+            <a:ext cx="6106742" cy="1645920"/>
+          </a:xfrm>
+        </p:spPr>
+        <p:txBody>
+          <a:bodyPr anchor="ctr">
+            <a:normAutofit/>
+          </a:bodyPr>
+          <a:lstStyle/>
+          <a:p>
+            <a:r>
+              <a:rPr lang="en-US" sz="1800" dirty="0"/>
+              <a:t>Min Graph Coloring can be simplified into the Max-Clique np-complete problem.</a:t>
+            </a:r>
+          </a:p>
+          <a:p>
+            <a:r>
+              <a:rPr lang="en-US" sz="1800" dirty="0"/>
+              <a:t>If a max-clique exists in a graph its subgraph total number of nodes would be equal to the min number of colors needed in the graph</a:t>
+            </a:r>
+          </a:p>
+        </p:txBody>
+      </p:sp>
+      <p:pic>
+        <p:nvPicPr>
+          <p:cNvPr id="7" name="Picture 6" descr="Diagram&#10;&#10;Description automatically generated">
+            <a:extLst>
+              <a:ext uri="{FF2B5EF4-FFF2-40B4-BE49-F238E27FC236}">
+                <a16:creationId xmlns:a16="http://schemas.microsoft.com/office/drawing/2014/main" id="{7FA1F48B-1B04-4A54-93DB-C362FAA319FA}"/>
+              </a:ext>
+            </a:extLst>
+          </p:cNvPr>
+          <p:cNvPicPr>
+            <a:picLocks noChangeAspect="1"/>
+          </p:cNvPicPr>
+          <p:nvPr/>
+        </p:nvPicPr>
+        <p:blipFill>
+          <a:blip r:embed="rId2">
+            <a:extLst>
+              <a:ext uri="{28A0092B-C50C-407E-A947-70E740481C1C}">
+                <a14:useLocalDpi xmlns:a14="http://schemas.microsoft.com/office/drawing/2010/main" val="0"/>
+              </a:ext>
+            </a:extLst>
+          </a:blip>
+          <a:stretch>
+            <a:fillRect/>
+          </a:stretch>
+        </p:blipFill>
+        <p:spPr>
+          <a:xfrm>
+            <a:off x="557783" y="2854284"/>
+            <a:ext cx="5481509" cy="3234090"/>
+          </a:xfrm>
+          <a:prstGeom prst="rect">
+            <a:avLst/>
+          </a:prstGeom>
+        </p:spPr>
+      </p:pic>
+      <p:pic>
+        <p:nvPicPr>
+          <p:cNvPr id="9" name="Picture 8" descr="Diagram&#10;&#10;Description automatically generated">
+            <a:extLst>
+              <a:ext uri="{FF2B5EF4-FFF2-40B4-BE49-F238E27FC236}">
+                <a16:creationId xmlns:a16="http://schemas.microsoft.com/office/drawing/2014/main" id="{E12C4E55-5E53-4143-A54C-A31E8DF3AB74}"/>
+              </a:ext>
+            </a:extLst>
+          </p:cNvPr>
+          <p:cNvPicPr>
+            <a:picLocks noChangeAspect="1"/>
+          </p:cNvPicPr>
+          <p:nvPr/>
+        </p:nvPicPr>
+        <p:blipFill>
+          <a:blip r:embed="rId3">
+            <a:extLst>
+              <a:ext uri="{28A0092B-C50C-407E-A947-70E740481C1C}">
+                <a14:useLocalDpi xmlns:a14="http://schemas.microsoft.com/office/drawing/2010/main" val="0"/>
+              </a:ext>
+            </a:extLst>
+          </a:blip>
+          <a:stretch>
+            <a:fillRect/>
+          </a:stretch>
+        </p:blipFill>
+        <p:spPr>
+          <a:xfrm>
+            <a:off x="6198781" y="2842020"/>
+            <a:ext cx="5523082" cy="3258618"/>
+          </a:xfrm>
+          <a:prstGeom prst="rect">
+            <a:avLst/>
+          </a:prstGeom>
+        </p:spPr>
+      </p:pic>
+      <p:sp>
+        <p:nvSpPr>
+          <p:cNvPr id="10" name="TextBox 9">
+            <a:extLst>
+              <a:ext uri="{FF2B5EF4-FFF2-40B4-BE49-F238E27FC236}">
+                <a16:creationId xmlns:a16="http://schemas.microsoft.com/office/drawing/2014/main" id="{B17147FC-632A-48DB-97DF-59F08F776CAD}"/>
+              </a:ext>
+            </a:extLst>
+          </p:cNvPr>
+          <p:cNvSpPr txBox="1"/>
+          <p:nvPr/>
+        </p:nvSpPr>
+        <p:spPr>
+          <a:xfrm>
+            <a:off x="1771650" y="6271178"/>
+            <a:ext cx="3792781" cy="369332"/>
+          </a:xfrm>
+          <a:prstGeom prst="rect">
+            <a:avLst/>
+          </a:prstGeom>
+          <a:noFill/>
+        </p:spPr>
+        <p:txBody>
+          <a:bodyPr wrap="square" rtlCol="0">
+            <a:spAutoFit/>
+          </a:bodyPr>
+          <a:lstStyle/>
+          <a:p>
+            <a:r>
+              <a:rPr lang="en-US" dirty="0"/>
+              <a:t>Nodes in Max Clique = 4</a:t>
+            </a:r>
+          </a:p>
+        </p:txBody>
+      </p:sp>
+      <p:sp>
+        <p:nvSpPr>
+          <p:cNvPr id="11" name="TextBox 10">
+            <a:extLst>
+              <a:ext uri="{FF2B5EF4-FFF2-40B4-BE49-F238E27FC236}">
+                <a16:creationId xmlns:a16="http://schemas.microsoft.com/office/drawing/2014/main" id="{17E6C1D5-2616-4C34-B885-60A91081809A}"/>
+              </a:ext>
+            </a:extLst>
+          </p:cNvPr>
+          <p:cNvSpPr txBox="1"/>
+          <p:nvPr/>
+        </p:nvSpPr>
+        <p:spPr>
+          <a:xfrm>
+            <a:off x="8208227" y="6271178"/>
+            <a:ext cx="1733550" cy="369332"/>
+          </a:xfrm>
+          <a:prstGeom prst="rect">
+            <a:avLst/>
+          </a:prstGeom>
+          <a:noFill/>
+        </p:spPr>
+        <p:txBody>
+          <a:bodyPr wrap="square" rtlCol="0">
+            <a:spAutoFit/>
+          </a:bodyPr>
+          <a:lstStyle/>
+          <a:p>
+            <a:r>
+              <a:rPr lang="en-US" dirty="0"/>
+              <a:t>Min Colors = 4</a:t>
+            </a:r>
+          </a:p>
+        </p:txBody>
+      </p:sp>
+    </p:spTree>
+    <p:extLst>
+      <p:ext uri="{BB962C8B-B14F-4D97-AF65-F5344CB8AC3E}">
+        <p14:creationId xmlns:p14="http://schemas.microsoft.com/office/powerpoint/2010/main" val="3826906485"/>
       </p:ext>
     </p:extLst>
   </p:cSld>

--- a/presentations/Approx Presentation.pptx
+++ b/presentations/Approx Presentation.pptx
@@ -265,7 +265,7 @@
           <a:p>
             <a:fld id="{1D102B7B-1A4E-4C97-B4CD-D2E0331163E6}" type="datetimeFigureOut">
               <a:rPr lang="en-US" smtClean="0"/>
-              <a:t>4/29/2022</a:t>
+              <a:t>5/1/2022</a:t>
             </a:fld>
             <a:endParaRPr lang="en-US"/>
           </a:p>
@@ -463,7 +463,7 @@
           <a:p>
             <a:fld id="{1D102B7B-1A4E-4C97-B4CD-D2E0331163E6}" type="datetimeFigureOut">
               <a:rPr lang="en-US" smtClean="0"/>
-              <a:t>4/29/2022</a:t>
+              <a:t>5/1/2022</a:t>
             </a:fld>
             <a:endParaRPr lang="en-US"/>
           </a:p>
@@ -671,7 +671,7 @@
           <a:p>
             <a:fld id="{1D102B7B-1A4E-4C97-B4CD-D2E0331163E6}" type="datetimeFigureOut">
               <a:rPr lang="en-US" smtClean="0"/>
-              <a:t>4/29/2022</a:t>
+              <a:t>5/1/2022</a:t>
             </a:fld>
             <a:endParaRPr lang="en-US"/>
           </a:p>
@@ -869,7 +869,7 @@
           <a:p>
             <a:fld id="{1D102B7B-1A4E-4C97-B4CD-D2E0331163E6}" type="datetimeFigureOut">
               <a:rPr lang="en-US" smtClean="0"/>
-              <a:t>4/29/2022</a:t>
+              <a:t>5/1/2022</a:t>
             </a:fld>
             <a:endParaRPr lang="en-US"/>
           </a:p>
@@ -1144,7 +1144,7 @@
           <a:p>
             <a:fld id="{1D102B7B-1A4E-4C97-B4CD-D2E0331163E6}" type="datetimeFigureOut">
               <a:rPr lang="en-US" smtClean="0"/>
-              <a:t>4/29/2022</a:t>
+              <a:t>5/1/2022</a:t>
             </a:fld>
             <a:endParaRPr lang="en-US"/>
           </a:p>
@@ -1409,7 +1409,7 @@
           <a:p>
             <a:fld id="{1D102B7B-1A4E-4C97-B4CD-D2E0331163E6}" type="datetimeFigureOut">
               <a:rPr lang="en-US" smtClean="0"/>
-              <a:t>4/29/2022</a:t>
+              <a:t>5/1/2022</a:t>
             </a:fld>
             <a:endParaRPr lang="en-US"/>
           </a:p>
@@ -1821,7 +1821,7 @@
           <a:p>
             <a:fld id="{1D102B7B-1A4E-4C97-B4CD-D2E0331163E6}" type="datetimeFigureOut">
               <a:rPr lang="en-US" smtClean="0"/>
-              <a:t>4/29/2022</a:t>
+              <a:t>5/1/2022</a:t>
             </a:fld>
             <a:endParaRPr lang="en-US"/>
           </a:p>
@@ -1962,7 +1962,7 @@
           <a:p>
             <a:fld id="{1D102B7B-1A4E-4C97-B4CD-D2E0331163E6}" type="datetimeFigureOut">
               <a:rPr lang="en-US" smtClean="0"/>
-              <a:t>4/29/2022</a:t>
+              <a:t>5/1/2022</a:t>
             </a:fld>
             <a:endParaRPr lang="en-US"/>
           </a:p>
@@ -2075,7 +2075,7 @@
           <a:p>
             <a:fld id="{1D102B7B-1A4E-4C97-B4CD-D2E0331163E6}" type="datetimeFigureOut">
               <a:rPr lang="en-US" smtClean="0"/>
-              <a:t>4/29/2022</a:t>
+              <a:t>5/1/2022</a:t>
             </a:fld>
             <a:endParaRPr lang="en-US"/>
           </a:p>
@@ -2386,7 +2386,7 @@
           <a:p>
             <a:fld id="{1D102B7B-1A4E-4C97-B4CD-D2E0331163E6}" type="datetimeFigureOut">
               <a:rPr lang="en-US" smtClean="0"/>
-              <a:t>4/29/2022</a:t>
+              <a:t>5/1/2022</a:t>
             </a:fld>
             <a:endParaRPr lang="en-US"/>
           </a:p>
@@ -2674,7 +2674,7 @@
           <a:p>
             <a:fld id="{1D102B7B-1A4E-4C97-B4CD-D2E0331163E6}" type="datetimeFigureOut">
               <a:rPr lang="en-US" smtClean="0"/>
-              <a:t>4/29/2022</a:t>
+              <a:t>5/1/2022</a:t>
             </a:fld>
             <a:endParaRPr lang="en-US"/>
           </a:p>
@@ -2915,7 +2915,7 @@
           <a:p>
             <a:fld id="{1D102B7B-1A4E-4C97-B4CD-D2E0331163E6}" type="datetimeFigureOut">
               <a:rPr lang="en-US" smtClean="0"/>
-              <a:t>4/29/2022</a:t>
+              <a:t>5/1/2022</a:t>
             </a:fld>
             <a:endParaRPr lang="en-US"/>
           </a:p>
@@ -3318,1095 +3318,6 @@
 <file path=ppt/slides/slide1.xml><?xml version="1.0" encoding="utf-8"?>
 <p:sld xmlns:a="http://schemas.openxmlformats.org/drawingml/2006/main" xmlns:r="http://schemas.openxmlformats.org/officeDocument/2006/relationships" xmlns:p="http://schemas.openxmlformats.org/presentationml/2006/main">
   <p:cSld>
-    <p:spTree>
-      <p:nvGrpSpPr>
-        <p:cNvPr id="1" name=""/>
-        <p:cNvGrpSpPr/>
-        <p:nvPr/>
-      </p:nvGrpSpPr>
-      <p:grpSpPr>
-        <a:xfrm>
-          <a:off x="0" y="0"/>
-          <a:ext cx="0" cy="0"/>
-          <a:chOff x="0" y="0"/>
-          <a:chExt cx="0" cy="0"/>
-        </a:xfrm>
-      </p:grpSpPr>
-      <p:sp>
-        <p:nvSpPr>
-          <p:cNvPr id="2" name="Title 1">
-            <a:extLst>
-              <a:ext uri="{FF2B5EF4-FFF2-40B4-BE49-F238E27FC236}">
-                <a16:creationId xmlns:a16="http://schemas.microsoft.com/office/drawing/2014/main" id="{547A3649-17B1-4401-9C4E-DC7AB3D5C573}"/>
-              </a:ext>
-            </a:extLst>
-          </p:cNvPr>
-          <p:cNvSpPr>
-            <a:spLocks noGrp="1"/>
-          </p:cNvSpPr>
-          <p:nvPr>
-            <p:ph type="ctrTitle"/>
-          </p:nvPr>
-        </p:nvSpPr>
-        <p:spPr/>
-        <p:txBody>
-          <a:bodyPr/>
-          <a:lstStyle/>
-          <a:p>
-            <a:r>
-              <a:rPr lang="en-US" dirty="0"/>
-              <a:t>Min Graph Coloring Approximation Solution</a:t>
-            </a:r>
-          </a:p>
-        </p:txBody>
-      </p:sp>
-      <p:sp>
-        <p:nvSpPr>
-          <p:cNvPr id="3" name="Subtitle 2">
-            <a:extLst>
-              <a:ext uri="{FF2B5EF4-FFF2-40B4-BE49-F238E27FC236}">
-                <a16:creationId xmlns:a16="http://schemas.microsoft.com/office/drawing/2014/main" id="{B9448BAD-D3FA-40C6-96F5-79EC0DA46A51}"/>
-              </a:ext>
-            </a:extLst>
-          </p:cNvPr>
-          <p:cNvSpPr>
-            <a:spLocks noGrp="1"/>
-          </p:cNvSpPr>
-          <p:nvPr>
-            <p:ph type="subTitle" idx="1"/>
-          </p:nvPr>
-        </p:nvSpPr>
-        <p:spPr/>
-        <p:txBody>
-          <a:bodyPr>
-            <a:normAutofit lnSpcReduction="10000"/>
-          </a:bodyPr>
-          <a:lstStyle/>
-          <a:p>
-            <a:r>
-              <a:rPr lang="en-US" dirty="0"/>
-              <a:t>John Curley</a:t>
-            </a:r>
-          </a:p>
-          <a:p>
-            <a:r>
-              <a:rPr lang="en-US" dirty="0"/>
-              <a:t>James Smith</a:t>
-            </a:r>
-          </a:p>
-          <a:p>
-            <a:r>
-              <a:rPr lang="en-US" dirty="0"/>
-              <a:t>Rhea Morris</a:t>
-            </a:r>
-          </a:p>
-          <a:p>
-            <a:r>
-              <a:rPr lang="en-US" dirty="0"/>
-              <a:t>Alyssa Sharp</a:t>
-            </a:r>
-          </a:p>
-        </p:txBody>
-      </p:sp>
-    </p:spTree>
-    <p:extLst>
-      <p:ext uri="{BB962C8B-B14F-4D97-AF65-F5344CB8AC3E}">
-        <p14:creationId xmlns:p14="http://schemas.microsoft.com/office/powerpoint/2010/main" val="119464720"/>
-      </p:ext>
-    </p:extLst>
-  </p:cSld>
-  <p:clrMapOvr>
-    <a:masterClrMapping/>
-  </p:clrMapOvr>
-</p:sld>
-</file>
-
-<file path=ppt/slides/slide2.xml><?xml version="1.0" encoding="utf-8"?>
-<p:sld xmlns:a="http://schemas.openxmlformats.org/drawingml/2006/main" xmlns:r="http://schemas.openxmlformats.org/officeDocument/2006/relationships" xmlns:p="http://schemas.openxmlformats.org/presentationml/2006/main">
-  <p:cSld>
-    <p:spTree>
-      <p:nvGrpSpPr>
-        <p:cNvPr id="1" name=""/>
-        <p:cNvGrpSpPr/>
-        <p:nvPr/>
-      </p:nvGrpSpPr>
-      <p:grpSpPr>
-        <a:xfrm>
-          <a:off x="0" y="0"/>
-          <a:ext cx="0" cy="0"/>
-          <a:chOff x="0" y="0"/>
-          <a:chExt cx="0" cy="0"/>
-        </a:xfrm>
-      </p:grpSpPr>
-      <p:sp>
-        <p:nvSpPr>
-          <p:cNvPr id="2" name="Title 1">
-            <a:extLst>
-              <a:ext uri="{FF2B5EF4-FFF2-40B4-BE49-F238E27FC236}">
-                <a16:creationId xmlns:a16="http://schemas.microsoft.com/office/drawing/2014/main" id="{1D0F904E-925D-4051-93FD-DB5E29499F9C}"/>
-              </a:ext>
-            </a:extLst>
-          </p:cNvPr>
-          <p:cNvSpPr>
-            <a:spLocks noGrp="1"/>
-          </p:cNvSpPr>
-          <p:nvPr>
-            <p:ph type="title"/>
-          </p:nvPr>
-        </p:nvSpPr>
-        <p:spPr/>
-        <p:txBody>
-          <a:bodyPr/>
-          <a:lstStyle/>
-          <a:p>
-            <a:r>
-              <a:rPr lang="en-US" dirty="0"/>
-              <a:t>How The Approximation Works</a:t>
-            </a:r>
-          </a:p>
-        </p:txBody>
-      </p:sp>
-      <p:sp>
-        <p:nvSpPr>
-          <p:cNvPr id="3" name="Content Placeholder 2">
-            <a:extLst>
-              <a:ext uri="{FF2B5EF4-FFF2-40B4-BE49-F238E27FC236}">
-                <a16:creationId xmlns:a16="http://schemas.microsoft.com/office/drawing/2014/main" id="{CC9682EF-B0B1-48A6-B61C-03617B270595}"/>
-              </a:ext>
-            </a:extLst>
-          </p:cNvPr>
-          <p:cNvSpPr>
-            <a:spLocks noGrp="1"/>
-          </p:cNvSpPr>
-          <p:nvPr>
-            <p:ph idx="1"/>
-          </p:nvPr>
-        </p:nvSpPr>
-        <p:spPr/>
-        <p:txBody>
-          <a:bodyPr>
-            <a:normAutofit fontScale="92500"/>
-          </a:bodyPr>
-          <a:lstStyle/>
-          <a:p>
-            <a:r>
-              <a:rPr lang="en-US" dirty="0"/>
-              <a:t>Creates two dictionaries based on the input</a:t>
-            </a:r>
-          </a:p>
-          <a:p>
-            <a:pPr lvl="1"/>
-            <a:r>
-              <a:rPr lang="en-US" dirty="0"/>
-              <a:t>Graph: Which has the vertex as its key and the vertices its edges connect to as values</a:t>
-            </a:r>
-          </a:p>
-          <a:p>
-            <a:pPr lvl="1"/>
-            <a:r>
-              <a:rPr lang="en-US" dirty="0"/>
-              <a:t>Degrees: Has the vertex as its key and the number of degrees for that vertex as its value</a:t>
-            </a:r>
-          </a:p>
-          <a:p>
-            <a:r>
-              <a:rPr lang="en-US" dirty="0"/>
-              <a:t>Calls the recursive function that will find the vertex with the greatest degree and then remove that vertex along with all its edges from the graph.  </a:t>
-            </a:r>
-          </a:p>
-          <a:p>
-            <a:pPr lvl="1"/>
-            <a:r>
-              <a:rPr lang="en-US" dirty="0"/>
-              <a:t>That removed vertex will get its own color in the graph</a:t>
-            </a:r>
-          </a:p>
-          <a:p>
-            <a:r>
-              <a:rPr lang="en-US" dirty="0"/>
-              <a:t>The updated graph and degrees are then passed recursively again until the vertex with the greatest number of degrees has a degree number of zero.</a:t>
-            </a:r>
-          </a:p>
-          <a:p>
-            <a:pPr lvl="1"/>
-            <a:r>
-              <a:rPr lang="en-US" dirty="0"/>
-              <a:t>That final vertex and all remaining vertices will get the same color in the graph</a:t>
-            </a:r>
-          </a:p>
-        </p:txBody>
-      </p:sp>
-    </p:spTree>
-    <p:extLst>
-      <p:ext uri="{BB962C8B-B14F-4D97-AF65-F5344CB8AC3E}">
-        <p14:creationId xmlns:p14="http://schemas.microsoft.com/office/powerpoint/2010/main" val="3776428347"/>
-      </p:ext>
-    </p:extLst>
-  </p:cSld>
-  <p:clrMapOvr>
-    <a:masterClrMapping/>
-  </p:clrMapOvr>
-</p:sld>
-</file>
-
-<file path=ppt/slides/slide3.xml><?xml version="1.0" encoding="utf-8"?>
-<p:sld xmlns:a="http://schemas.openxmlformats.org/drawingml/2006/main" xmlns:r="http://schemas.openxmlformats.org/officeDocument/2006/relationships" xmlns:p="http://schemas.openxmlformats.org/presentationml/2006/main">
-  <p:cSld>
-    <p:spTree>
-      <p:nvGrpSpPr>
-        <p:cNvPr id="1" name=""/>
-        <p:cNvGrpSpPr/>
-        <p:nvPr/>
-      </p:nvGrpSpPr>
-      <p:grpSpPr>
-        <a:xfrm>
-          <a:off x="0" y="0"/>
-          <a:ext cx="0" cy="0"/>
-          <a:chOff x="0" y="0"/>
-          <a:chExt cx="0" cy="0"/>
-        </a:xfrm>
-      </p:grpSpPr>
-      <p:sp>
-        <p:nvSpPr>
-          <p:cNvPr id="2" name="Title 1">
-            <a:extLst>
-              <a:ext uri="{FF2B5EF4-FFF2-40B4-BE49-F238E27FC236}">
-                <a16:creationId xmlns:a16="http://schemas.microsoft.com/office/drawing/2014/main" id="{1A9CFDBE-9E75-4BDC-AB99-070B4A2D8CE3}"/>
-              </a:ext>
-            </a:extLst>
-          </p:cNvPr>
-          <p:cNvSpPr>
-            <a:spLocks noGrp="1"/>
-          </p:cNvSpPr>
-          <p:nvPr>
-            <p:ph type="title"/>
-          </p:nvPr>
-        </p:nvSpPr>
-        <p:spPr/>
-        <p:txBody>
-          <a:bodyPr/>
-          <a:lstStyle/>
-          <a:p>
-            <a:r>
-              <a:rPr lang="en-US" dirty="0"/>
-              <a:t>Pseudocode</a:t>
-            </a:r>
-          </a:p>
-        </p:txBody>
-      </p:sp>
-      <p:sp>
-        <p:nvSpPr>
-          <p:cNvPr id="3" name="Content Placeholder 2">
-            <a:extLst>
-              <a:ext uri="{FF2B5EF4-FFF2-40B4-BE49-F238E27FC236}">
-                <a16:creationId xmlns:a16="http://schemas.microsoft.com/office/drawing/2014/main" id="{586CB703-E330-467C-A56E-CF7B5406706D}"/>
-              </a:ext>
-            </a:extLst>
-          </p:cNvPr>
-          <p:cNvSpPr>
-            <a:spLocks noGrp="1"/>
-          </p:cNvSpPr>
-          <p:nvPr>
-            <p:ph idx="1"/>
-          </p:nvPr>
-        </p:nvSpPr>
-        <p:spPr/>
-        <p:txBody>
-          <a:bodyPr>
-            <a:normAutofit fontScale="92500" lnSpcReduction="10000"/>
-          </a:bodyPr>
-          <a:lstStyle/>
-          <a:p>
-            <a:pPr marL="0" indent="0">
-              <a:lnSpc>
-                <a:spcPct val="100000"/>
-              </a:lnSpc>
-              <a:spcBef>
-                <a:spcPts val="0"/>
-              </a:spcBef>
-              <a:buNone/>
-            </a:pPr>
-            <a:r>
-              <a:rPr lang="en-US" sz="1800" u="sng" dirty="0"/>
-              <a:t>main():</a:t>
-            </a:r>
-          </a:p>
-          <a:p>
-            <a:pPr marL="0" indent="0">
-              <a:lnSpc>
-                <a:spcPct val="100000"/>
-              </a:lnSpc>
-              <a:spcBef>
-                <a:spcPts val="0"/>
-              </a:spcBef>
-              <a:buNone/>
-            </a:pPr>
-            <a:r>
-              <a:rPr lang="en-US" sz="1800" dirty="0"/>
-              <a:t>    </a:t>
-            </a:r>
-            <a:r>
-              <a:rPr lang="en-US" sz="1800" dirty="0" err="1"/>
-              <a:t>num_vertices</a:t>
-            </a:r>
-            <a:r>
-              <a:rPr lang="en-US" sz="1800" dirty="0"/>
-              <a:t> = # of vertices in graph</a:t>
-            </a:r>
-          </a:p>
-          <a:p>
-            <a:pPr marL="0" indent="0">
-              <a:lnSpc>
-                <a:spcPct val="100000"/>
-              </a:lnSpc>
-              <a:spcBef>
-                <a:spcPts val="0"/>
-              </a:spcBef>
-              <a:buNone/>
-            </a:pPr>
-            <a:r>
-              <a:rPr lang="en-US" sz="1800" dirty="0"/>
-              <a:t>    graph = vertices as keys, nodes connected to vertex as values (in list)</a:t>
-            </a:r>
-          </a:p>
-          <a:p>
-            <a:pPr marL="0" indent="0">
-              <a:lnSpc>
-                <a:spcPct val="100000"/>
-              </a:lnSpc>
-              <a:spcBef>
-                <a:spcPts val="0"/>
-              </a:spcBef>
-              <a:buNone/>
-            </a:pPr>
-            <a:r>
-              <a:rPr lang="en-US" sz="1800" dirty="0"/>
-              <a:t>    degree = vertices a keys, # of degree for vertex as values</a:t>
-            </a:r>
-          </a:p>
-          <a:p>
-            <a:pPr marL="0" indent="0">
-              <a:lnSpc>
-                <a:spcPct val="100000"/>
-              </a:lnSpc>
-              <a:spcBef>
-                <a:spcPts val="0"/>
-              </a:spcBef>
-              <a:buNone/>
-            </a:pPr>
-            <a:r>
-              <a:rPr lang="en-US" sz="1800" dirty="0"/>
-              <a:t>    print </a:t>
-            </a:r>
-            <a:r>
-              <a:rPr lang="en-US" sz="1800" dirty="0" err="1"/>
-              <a:t>min_graph_coloring</a:t>
-            </a:r>
-            <a:r>
-              <a:rPr lang="en-US" sz="1800" dirty="0"/>
-              <a:t>(graph, degree)</a:t>
-            </a:r>
-          </a:p>
-          <a:p>
-            <a:pPr marL="0" indent="0">
-              <a:lnSpc>
-                <a:spcPct val="100000"/>
-              </a:lnSpc>
-              <a:spcBef>
-                <a:spcPts val="0"/>
-              </a:spcBef>
-              <a:buNone/>
-            </a:pPr>
-            <a:endParaRPr lang="en-US" sz="1800" dirty="0"/>
-          </a:p>
-          <a:p>
-            <a:pPr marL="0" indent="0">
-              <a:lnSpc>
-                <a:spcPct val="100000"/>
-              </a:lnSpc>
-              <a:spcBef>
-                <a:spcPts val="0"/>
-              </a:spcBef>
-              <a:buNone/>
-            </a:pPr>
-            <a:r>
-              <a:rPr lang="en-US" sz="1800" u="sng" dirty="0" err="1"/>
-              <a:t>min_graph_coloring</a:t>
-            </a:r>
-            <a:r>
-              <a:rPr lang="en-US" sz="1800" u="sng" dirty="0"/>
-              <a:t>(graph, degree, num=1):</a:t>
-            </a:r>
-          </a:p>
-          <a:p>
-            <a:pPr marL="0" indent="0">
-              <a:lnSpc>
-                <a:spcPct val="100000"/>
-              </a:lnSpc>
-              <a:spcBef>
-                <a:spcPts val="0"/>
-              </a:spcBef>
-              <a:buNone/>
-            </a:pPr>
-            <a:r>
-              <a:rPr lang="en-US" sz="1800" dirty="0"/>
-              <a:t>    for vertex in degree</a:t>
-            </a:r>
-          </a:p>
-          <a:p>
-            <a:pPr marL="0" indent="0">
-              <a:lnSpc>
-                <a:spcPct val="100000"/>
-              </a:lnSpc>
-              <a:spcBef>
-                <a:spcPts val="0"/>
-              </a:spcBef>
-              <a:buNone/>
-            </a:pPr>
-            <a:r>
-              <a:rPr lang="en-US" sz="1800" dirty="0"/>
-              <a:t>        if degree[vertex] &gt; max:</a:t>
-            </a:r>
-          </a:p>
-          <a:p>
-            <a:pPr marL="0" indent="0">
-              <a:lnSpc>
-                <a:spcPct val="100000"/>
-              </a:lnSpc>
-              <a:spcBef>
-                <a:spcPts val="0"/>
-              </a:spcBef>
-              <a:buNone/>
-            </a:pPr>
-            <a:r>
-              <a:rPr lang="en-US" sz="1800" dirty="0"/>
-              <a:t>            </a:t>
-            </a:r>
-            <a:r>
-              <a:rPr lang="en-US" sz="1800" dirty="0" err="1"/>
-              <a:t>max_vertex</a:t>
-            </a:r>
-            <a:r>
-              <a:rPr lang="en-US" sz="1800" dirty="0"/>
-              <a:t> = vertex</a:t>
-            </a:r>
-          </a:p>
-          <a:p>
-            <a:pPr marL="0" indent="0">
-              <a:lnSpc>
-                <a:spcPct val="100000"/>
-              </a:lnSpc>
-              <a:spcBef>
-                <a:spcPts val="0"/>
-              </a:spcBef>
-              <a:buNone/>
-            </a:pPr>
-            <a:r>
-              <a:rPr lang="en-US" sz="1800" dirty="0"/>
-              <a:t>    </a:t>
-            </a:r>
-            <a:r>
-              <a:rPr lang="en-US" sz="1800" dirty="0" err="1"/>
-              <a:t>graph.remove</a:t>
-            </a:r>
-            <a:r>
-              <a:rPr lang="en-US" sz="1800" dirty="0"/>
-              <a:t>(</a:t>
-            </a:r>
-            <a:r>
-              <a:rPr lang="en-US" sz="1800" dirty="0" err="1"/>
-              <a:t>max_vertex</a:t>
-            </a:r>
-            <a:r>
-              <a:rPr lang="en-US" sz="1800" dirty="0"/>
-              <a:t>)</a:t>
-            </a:r>
-          </a:p>
-          <a:p>
-            <a:pPr marL="0" indent="0">
-              <a:lnSpc>
-                <a:spcPct val="100000"/>
-              </a:lnSpc>
-              <a:spcBef>
-                <a:spcPts val="0"/>
-              </a:spcBef>
-              <a:buNone/>
-            </a:pPr>
-            <a:r>
-              <a:rPr lang="en-US" sz="1800" dirty="0"/>
-              <a:t>    </a:t>
-            </a:r>
-            <a:r>
-              <a:rPr lang="en-US" sz="1800" dirty="0" err="1"/>
-              <a:t>degree.remove</a:t>
-            </a:r>
-            <a:r>
-              <a:rPr lang="en-US" sz="1800" dirty="0"/>
-              <a:t>(</a:t>
-            </a:r>
-            <a:r>
-              <a:rPr lang="en-US" sz="1800" dirty="0" err="1"/>
-              <a:t>max_vertex</a:t>
-            </a:r>
-            <a:r>
-              <a:rPr lang="en-US" sz="1800" dirty="0"/>
-              <a:t>)</a:t>
-            </a:r>
-          </a:p>
-          <a:p>
-            <a:pPr marL="0" indent="0">
-              <a:lnSpc>
-                <a:spcPct val="100000"/>
-              </a:lnSpc>
-              <a:spcBef>
-                <a:spcPts val="0"/>
-              </a:spcBef>
-              <a:buNone/>
-            </a:pPr>
-            <a:r>
-              <a:rPr lang="en-US" sz="1800" dirty="0"/>
-              <a:t>    for node in graph:</a:t>
-            </a:r>
-          </a:p>
-          <a:p>
-            <a:pPr marL="0" indent="0">
-              <a:lnSpc>
-                <a:spcPct val="100000"/>
-              </a:lnSpc>
-              <a:spcBef>
-                <a:spcPts val="0"/>
-              </a:spcBef>
-              <a:buNone/>
-            </a:pPr>
-            <a:r>
-              <a:rPr lang="en-US" sz="1800" dirty="0"/>
-              <a:t>        for neighbor in node:</a:t>
-            </a:r>
-          </a:p>
-          <a:p>
-            <a:pPr marL="0" indent="0">
-              <a:lnSpc>
-                <a:spcPct val="100000"/>
-              </a:lnSpc>
-              <a:spcBef>
-                <a:spcPts val="0"/>
-              </a:spcBef>
-              <a:buNone/>
-            </a:pPr>
-            <a:r>
-              <a:rPr lang="en-US" sz="1800" dirty="0"/>
-              <a:t>            if neighbor is </a:t>
-            </a:r>
-            <a:r>
-              <a:rPr lang="en-US" sz="1800" dirty="0" err="1"/>
-              <a:t>max_vertex</a:t>
-            </a:r>
-            <a:r>
-              <a:rPr lang="en-US" sz="1800" dirty="0"/>
-              <a:t>:</a:t>
-            </a:r>
-          </a:p>
-          <a:p>
-            <a:pPr marL="0" indent="0">
-              <a:lnSpc>
-                <a:spcPct val="100000"/>
-              </a:lnSpc>
-              <a:spcBef>
-                <a:spcPts val="0"/>
-              </a:spcBef>
-              <a:buNone/>
-            </a:pPr>
-            <a:r>
-              <a:rPr lang="en-US" sz="1800" dirty="0"/>
-              <a:t>                </a:t>
-            </a:r>
-            <a:r>
-              <a:rPr lang="en-US" sz="1800" dirty="0" err="1"/>
-              <a:t>node.remove</a:t>
-            </a:r>
-            <a:r>
-              <a:rPr lang="en-US" sz="1800" dirty="0"/>
-              <a:t>(neighbor)</a:t>
-            </a:r>
-          </a:p>
-          <a:p>
-            <a:pPr marL="0" indent="0">
-              <a:lnSpc>
-                <a:spcPct val="100000"/>
-              </a:lnSpc>
-              <a:spcBef>
-                <a:spcPts val="0"/>
-              </a:spcBef>
-              <a:buNone/>
-            </a:pPr>
-            <a:r>
-              <a:rPr lang="en-US" sz="1800" dirty="0"/>
-              <a:t>                degree[node] -= 1</a:t>
-            </a:r>
-          </a:p>
-          <a:p>
-            <a:pPr marL="0" indent="0">
-              <a:lnSpc>
-                <a:spcPct val="100000"/>
-              </a:lnSpc>
-              <a:spcBef>
-                <a:spcPts val="0"/>
-              </a:spcBef>
-              <a:buNone/>
-            </a:pPr>
-            <a:r>
-              <a:rPr lang="en-US" sz="1800" dirty="0"/>
-              <a:t>    return </a:t>
-            </a:r>
-            <a:r>
-              <a:rPr lang="en-US" sz="1800" dirty="0" err="1"/>
-              <a:t>min_graph_coloring</a:t>
-            </a:r>
-            <a:r>
-              <a:rPr lang="en-US" sz="1800" dirty="0"/>
-              <a:t>(graph, degree, num + 1)</a:t>
-            </a:r>
-          </a:p>
-          <a:p>
-            <a:pPr marL="0" indent="0">
-              <a:buNone/>
-            </a:pPr>
-            <a:endParaRPr lang="en-US" dirty="0"/>
-          </a:p>
-        </p:txBody>
-      </p:sp>
-    </p:spTree>
-    <p:extLst>
-      <p:ext uri="{BB962C8B-B14F-4D97-AF65-F5344CB8AC3E}">
-        <p14:creationId xmlns:p14="http://schemas.microsoft.com/office/powerpoint/2010/main" val="2898669507"/>
-      </p:ext>
-    </p:extLst>
-  </p:cSld>
-  <p:clrMapOvr>
-    <a:masterClrMapping/>
-  </p:clrMapOvr>
-</p:sld>
-</file>
-
-<file path=ppt/slides/slide4.xml><?xml version="1.0" encoding="utf-8"?>
-<p:sld xmlns:a="http://schemas.openxmlformats.org/drawingml/2006/main" xmlns:r="http://schemas.openxmlformats.org/officeDocument/2006/relationships" xmlns:p="http://schemas.openxmlformats.org/presentationml/2006/main">
-  <p:cSld>
-    <p:spTree>
-      <p:nvGrpSpPr>
-        <p:cNvPr id="1" name=""/>
-        <p:cNvGrpSpPr/>
-        <p:nvPr/>
-      </p:nvGrpSpPr>
-      <p:grpSpPr>
-        <a:xfrm>
-          <a:off x="0" y="0"/>
-          <a:ext cx="0" cy="0"/>
-          <a:chOff x="0" y="0"/>
-          <a:chExt cx="0" cy="0"/>
-        </a:xfrm>
-      </p:grpSpPr>
-      <p:sp>
-        <p:nvSpPr>
-          <p:cNvPr id="2" name="Title 1">
-            <a:extLst>
-              <a:ext uri="{FF2B5EF4-FFF2-40B4-BE49-F238E27FC236}">
-                <a16:creationId xmlns:a16="http://schemas.microsoft.com/office/drawing/2014/main" id="{153B17B4-0AFC-4BD6-8C4B-7302F32F2F35}"/>
-              </a:ext>
-            </a:extLst>
-          </p:cNvPr>
-          <p:cNvSpPr>
-            <a:spLocks noGrp="1"/>
-          </p:cNvSpPr>
-          <p:nvPr>
-            <p:ph type="title"/>
-          </p:nvPr>
-        </p:nvSpPr>
-        <p:spPr/>
-        <p:txBody>
-          <a:bodyPr/>
-          <a:lstStyle/>
-          <a:p>
-            <a:r>
-              <a:rPr lang="en-US" dirty="0"/>
-              <a:t>Steps of the Approximation Algorithm</a:t>
-            </a:r>
-          </a:p>
-        </p:txBody>
-      </p:sp>
-      <p:pic>
-        <p:nvPicPr>
-          <p:cNvPr id="5" name="Picture 4" descr="Diagram&#10;&#10;Description automatically generated">
-            <a:extLst>
-              <a:ext uri="{FF2B5EF4-FFF2-40B4-BE49-F238E27FC236}">
-                <a16:creationId xmlns:a16="http://schemas.microsoft.com/office/drawing/2014/main" id="{731A93B1-60FB-4F78-AE98-D1FCD7088F06}"/>
-              </a:ext>
-            </a:extLst>
-          </p:cNvPr>
-          <p:cNvPicPr>
-            <a:picLocks noChangeAspect="1"/>
-          </p:cNvPicPr>
-          <p:nvPr/>
-        </p:nvPicPr>
-        <p:blipFill>
-          <a:blip r:embed="rId2">
-            <a:extLst>
-              <a:ext uri="{28A0092B-C50C-407E-A947-70E740481C1C}">
-                <a14:useLocalDpi xmlns:a14="http://schemas.microsoft.com/office/drawing/2010/main" val="0"/>
-              </a:ext>
-            </a:extLst>
-          </a:blip>
-          <a:stretch>
-            <a:fillRect/>
-          </a:stretch>
-        </p:blipFill>
-        <p:spPr>
-          <a:xfrm>
-            <a:off x="483636" y="1568764"/>
-            <a:ext cx="2499577" cy="2072820"/>
-          </a:xfrm>
-          <a:prstGeom prst="rect">
-            <a:avLst/>
-          </a:prstGeom>
-        </p:spPr>
-      </p:pic>
-      <p:pic>
-        <p:nvPicPr>
-          <p:cNvPr id="7" name="Picture 6" descr="A picture containing text, clock, watch&#10;&#10;Description automatically generated">
-            <a:extLst>
-              <a:ext uri="{FF2B5EF4-FFF2-40B4-BE49-F238E27FC236}">
-                <a16:creationId xmlns:a16="http://schemas.microsoft.com/office/drawing/2014/main" id="{9CC8E91D-39DE-4D78-AB39-5F571BA4ADC9}"/>
-              </a:ext>
-            </a:extLst>
-          </p:cNvPr>
-          <p:cNvPicPr>
-            <a:picLocks noChangeAspect="1"/>
-          </p:cNvPicPr>
-          <p:nvPr/>
-        </p:nvPicPr>
-        <p:blipFill>
-          <a:blip r:embed="rId3">
-            <a:extLst>
-              <a:ext uri="{28A0092B-C50C-407E-A947-70E740481C1C}">
-                <a14:useLocalDpi xmlns:a14="http://schemas.microsoft.com/office/drawing/2010/main" val="0"/>
-              </a:ext>
-            </a:extLst>
-          </a:blip>
-          <a:stretch>
-            <a:fillRect/>
-          </a:stretch>
-        </p:blipFill>
-        <p:spPr>
-          <a:xfrm>
-            <a:off x="3211377" y="1649381"/>
-            <a:ext cx="2530059" cy="2004234"/>
-          </a:xfrm>
-          <a:prstGeom prst="rect">
-            <a:avLst/>
-          </a:prstGeom>
-        </p:spPr>
-      </p:pic>
-      <p:pic>
-        <p:nvPicPr>
-          <p:cNvPr id="9" name="Picture 8" descr="A picture containing text, clock, vector graphics&#10;&#10;Description automatically generated">
-            <a:extLst>
-              <a:ext uri="{FF2B5EF4-FFF2-40B4-BE49-F238E27FC236}">
-                <a16:creationId xmlns:a16="http://schemas.microsoft.com/office/drawing/2014/main" id="{F5D22C2F-160A-41DD-B3CC-DC1C8D0A560D}"/>
-              </a:ext>
-            </a:extLst>
-          </p:cNvPr>
-          <p:cNvPicPr>
-            <a:picLocks noChangeAspect="1"/>
-          </p:cNvPicPr>
-          <p:nvPr/>
-        </p:nvPicPr>
-        <p:blipFill>
-          <a:blip r:embed="rId4">
-            <a:extLst>
-              <a:ext uri="{28A0092B-C50C-407E-A947-70E740481C1C}">
-                <a14:useLocalDpi xmlns:a14="http://schemas.microsoft.com/office/drawing/2010/main" val="0"/>
-              </a:ext>
-            </a:extLst>
-          </a:blip>
-          <a:stretch>
-            <a:fillRect/>
-          </a:stretch>
-        </p:blipFill>
-        <p:spPr>
-          <a:xfrm>
-            <a:off x="6105080" y="1690688"/>
-            <a:ext cx="2545301" cy="2027096"/>
-          </a:xfrm>
-          <a:prstGeom prst="rect">
-            <a:avLst/>
-          </a:prstGeom>
-        </p:spPr>
-      </p:pic>
-      <p:pic>
-        <p:nvPicPr>
-          <p:cNvPr id="11" name="Picture 10" descr="A picture containing text, clock, vector graphics&#10;&#10;Description automatically generated">
-            <a:extLst>
-              <a:ext uri="{FF2B5EF4-FFF2-40B4-BE49-F238E27FC236}">
-                <a16:creationId xmlns:a16="http://schemas.microsoft.com/office/drawing/2014/main" id="{302F6AA2-F95F-4B36-AA2F-9D253F53A1CC}"/>
-              </a:ext>
-            </a:extLst>
-          </p:cNvPr>
-          <p:cNvPicPr>
-            <a:picLocks noChangeAspect="1"/>
-          </p:cNvPicPr>
-          <p:nvPr/>
-        </p:nvPicPr>
-        <p:blipFill>
-          <a:blip r:embed="rId5">
-            <a:extLst>
-              <a:ext uri="{28A0092B-C50C-407E-A947-70E740481C1C}">
-                <a14:useLocalDpi xmlns:a14="http://schemas.microsoft.com/office/drawing/2010/main" val="0"/>
-              </a:ext>
-            </a:extLst>
-          </a:blip>
-          <a:stretch>
-            <a:fillRect/>
-          </a:stretch>
-        </p:blipFill>
-        <p:spPr>
-          <a:xfrm>
-            <a:off x="9014025" y="1690688"/>
-            <a:ext cx="2469094" cy="2034716"/>
-          </a:xfrm>
-          <a:prstGeom prst="rect">
-            <a:avLst/>
-          </a:prstGeom>
-        </p:spPr>
-      </p:pic>
-      <p:pic>
-        <p:nvPicPr>
-          <p:cNvPr id="13" name="Picture 12" descr="A picture containing diagram&#10;&#10;Description automatically generated">
-            <a:extLst>
-              <a:ext uri="{FF2B5EF4-FFF2-40B4-BE49-F238E27FC236}">
-                <a16:creationId xmlns:a16="http://schemas.microsoft.com/office/drawing/2014/main" id="{7CC95F3B-DCDA-42B4-A17F-F551E2539E8F}"/>
-              </a:ext>
-            </a:extLst>
-          </p:cNvPr>
-          <p:cNvPicPr>
-            <a:picLocks noChangeAspect="1"/>
-          </p:cNvPicPr>
-          <p:nvPr/>
-        </p:nvPicPr>
-        <p:blipFill>
-          <a:blip r:embed="rId6">
-            <a:extLst>
-              <a:ext uri="{28A0092B-C50C-407E-A947-70E740481C1C}">
-                <a14:useLocalDpi xmlns:a14="http://schemas.microsoft.com/office/drawing/2010/main" val="0"/>
-              </a:ext>
-            </a:extLst>
-          </a:blip>
-          <a:stretch>
-            <a:fillRect/>
-          </a:stretch>
-        </p:blipFill>
-        <p:spPr>
-          <a:xfrm>
-            <a:off x="464584" y="4023870"/>
-            <a:ext cx="2537680" cy="2080440"/>
-          </a:xfrm>
-          <a:prstGeom prst="rect">
-            <a:avLst/>
-          </a:prstGeom>
-        </p:spPr>
-      </p:pic>
-      <p:pic>
-        <p:nvPicPr>
-          <p:cNvPr id="15" name="Picture 14" descr="A picture containing bubble chart&#10;&#10;Description automatically generated">
-            <a:extLst>
-              <a:ext uri="{FF2B5EF4-FFF2-40B4-BE49-F238E27FC236}">
-                <a16:creationId xmlns:a16="http://schemas.microsoft.com/office/drawing/2014/main" id="{89F9094A-3648-4A86-97A0-26378BD8C404}"/>
-              </a:ext>
-            </a:extLst>
-          </p:cNvPr>
-          <p:cNvPicPr>
-            <a:picLocks noChangeAspect="1"/>
-          </p:cNvPicPr>
-          <p:nvPr/>
-        </p:nvPicPr>
-        <p:blipFill>
-          <a:blip r:embed="rId7">
-            <a:extLst>
-              <a:ext uri="{28A0092B-C50C-407E-A947-70E740481C1C}">
-                <a14:useLocalDpi xmlns:a14="http://schemas.microsoft.com/office/drawing/2010/main" val="0"/>
-              </a:ext>
-            </a:extLst>
-          </a:blip>
-          <a:stretch>
-            <a:fillRect/>
-          </a:stretch>
-        </p:blipFill>
-        <p:spPr>
-          <a:xfrm>
-            <a:off x="3211377" y="4023870"/>
-            <a:ext cx="2491956" cy="2034716"/>
-          </a:xfrm>
-          <a:prstGeom prst="rect">
-            <a:avLst/>
-          </a:prstGeom>
-        </p:spPr>
-      </p:pic>
-      <p:pic>
-        <p:nvPicPr>
-          <p:cNvPr id="17" name="Picture 16" descr="Diagram&#10;&#10;Description automatically generated">
-            <a:extLst>
-              <a:ext uri="{FF2B5EF4-FFF2-40B4-BE49-F238E27FC236}">
-                <a16:creationId xmlns:a16="http://schemas.microsoft.com/office/drawing/2014/main" id="{26D3EF24-1E1C-42C9-B486-A1634D202DA1}"/>
-              </a:ext>
-            </a:extLst>
-          </p:cNvPr>
-          <p:cNvPicPr>
-            <a:picLocks noChangeAspect="1"/>
-          </p:cNvPicPr>
-          <p:nvPr/>
-        </p:nvPicPr>
-        <p:blipFill>
-          <a:blip r:embed="rId8">
-            <a:extLst>
-              <a:ext uri="{28A0092B-C50C-407E-A947-70E740481C1C}">
-                <a14:useLocalDpi xmlns:a14="http://schemas.microsoft.com/office/drawing/2010/main" val="0"/>
-              </a:ext>
-            </a:extLst>
-          </a:blip>
-          <a:stretch>
-            <a:fillRect/>
-          </a:stretch>
-        </p:blipFill>
-        <p:spPr>
-          <a:xfrm>
-            <a:off x="6089839" y="4054352"/>
-            <a:ext cx="2560542" cy="2019475"/>
-          </a:xfrm>
-          <a:prstGeom prst="rect">
-            <a:avLst/>
-          </a:prstGeom>
-        </p:spPr>
-      </p:pic>
-      <p:pic>
-        <p:nvPicPr>
-          <p:cNvPr id="19" name="Picture 18" descr="Diagram&#10;&#10;Description automatically generated">
-            <a:extLst>
-              <a:ext uri="{FF2B5EF4-FFF2-40B4-BE49-F238E27FC236}">
-                <a16:creationId xmlns:a16="http://schemas.microsoft.com/office/drawing/2014/main" id="{02EEF150-8C8D-4B0D-A729-BC3995E2654D}"/>
-              </a:ext>
-            </a:extLst>
-          </p:cNvPr>
-          <p:cNvPicPr>
-            <a:picLocks noChangeAspect="1"/>
-          </p:cNvPicPr>
-          <p:nvPr/>
-        </p:nvPicPr>
-        <p:blipFill>
-          <a:blip r:embed="rId8">
-            <a:extLst>
-              <a:ext uri="{28A0092B-C50C-407E-A947-70E740481C1C}">
-                <a14:useLocalDpi xmlns:a14="http://schemas.microsoft.com/office/drawing/2010/main" val="0"/>
-              </a:ext>
-            </a:extLst>
-          </a:blip>
-          <a:stretch>
-            <a:fillRect/>
-          </a:stretch>
-        </p:blipFill>
-        <p:spPr>
-          <a:xfrm>
-            <a:off x="8922577" y="4084835"/>
-            <a:ext cx="2560542" cy="2019475"/>
-          </a:xfrm>
-          <a:prstGeom prst="rect">
-            <a:avLst/>
-          </a:prstGeom>
-        </p:spPr>
-      </p:pic>
-      <p:sp>
-        <p:nvSpPr>
-          <p:cNvPr id="20" name="TextBox 19">
-            <a:extLst>
-              <a:ext uri="{FF2B5EF4-FFF2-40B4-BE49-F238E27FC236}">
-                <a16:creationId xmlns:a16="http://schemas.microsoft.com/office/drawing/2014/main" id="{0C93DEB1-5004-4090-8EC7-FA30257D4D72}"/>
-              </a:ext>
-            </a:extLst>
-          </p:cNvPr>
-          <p:cNvSpPr txBox="1"/>
-          <p:nvPr/>
-        </p:nvSpPr>
-        <p:spPr>
-          <a:xfrm>
-            <a:off x="6223519" y="6123543"/>
-            <a:ext cx="2538580" cy="369332"/>
-          </a:xfrm>
-          <a:prstGeom prst="rect">
-            <a:avLst/>
-          </a:prstGeom>
-          <a:noFill/>
-        </p:spPr>
-        <p:txBody>
-          <a:bodyPr wrap="square" rtlCol="0">
-            <a:spAutoFit/>
-          </a:bodyPr>
-          <a:lstStyle/>
-          <a:p>
-            <a:r>
-              <a:rPr lang="en-US" dirty="0"/>
-              <a:t>Approximation Solution</a:t>
-            </a:r>
-          </a:p>
-        </p:txBody>
-      </p:sp>
-      <p:sp>
-        <p:nvSpPr>
-          <p:cNvPr id="21" name="TextBox 20">
-            <a:extLst>
-              <a:ext uri="{FF2B5EF4-FFF2-40B4-BE49-F238E27FC236}">
-                <a16:creationId xmlns:a16="http://schemas.microsoft.com/office/drawing/2014/main" id="{E55BEC15-C409-4F4B-BC34-C3EE6FCFE3FC}"/>
-              </a:ext>
-            </a:extLst>
-          </p:cNvPr>
-          <p:cNvSpPr txBox="1"/>
-          <p:nvPr/>
-        </p:nvSpPr>
-        <p:spPr>
-          <a:xfrm>
-            <a:off x="9376364" y="6123543"/>
-            <a:ext cx="1977436" cy="369332"/>
-          </a:xfrm>
-          <a:prstGeom prst="rect">
-            <a:avLst/>
-          </a:prstGeom>
-          <a:noFill/>
-        </p:spPr>
-        <p:txBody>
-          <a:bodyPr wrap="square" rtlCol="0">
-            <a:spAutoFit/>
-          </a:bodyPr>
-          <a:lstStyle/>
-          <a:p>
-            <a:r>
-              <a:rPr lang="en-US" dirty="0"/>
-              <a:t>Optimal Solution</a:t>
-            </a:r>
-          </a:p>
-        </p:txBody>
-      </p:sp>
-    </p:spTree>
-    <p:extLst>
-      <p:ext uri="{BB962C8B-B14F-4D97-AF65-F5344CB8AC3E}">
-        <p14:creationId xmlns:p14="http://schemas.microsoft.com/office/powerpoint/2010/main" val="3605576130"/>
-      </p:ext>
-    </p:extLst>
-  </p:cSld>
-  <p:clrMapOvr>
-    <a:masterClrMapping/>
-  </p:clrMapOvr>
-</p:sld>
-</file>
-
-<file path=ppt/slides/slide5.xml><?xml version="1.0" encoding="utf-8"?>
-<p:sld xmlns:a="http://schemas.openxmlformats.org/drawingml/2006/main" xmlns:r="http://schemas.openxmlformats.org/officeDocument/2006/relationships" xmlns:p="http://schemas.openxmlformats.org/presentationml/2006/main">
-  <p:cSld>
     <p:bg>
       <p:bgPr>
         <a:solidFill>
@@ -4431,10 +3342,10 @@
       </p:grpSpPr>
       <p:sp useBgFill="1">
         <p:nvSpPr>
-          <p:cNvPr id="13" name="Rectangle 12">
-            <a:extLst>
-              <a:ext uri="{FF2B5EF4-FFF2-40B4-BE49-F238E27FC236}">
-                <a16:creationId xmlns:a16="http://schemas.microsoft.com/office/drawing/2014/main" id="{352BEC0E-22F8-46D0-9632-375DB541B06C}"/>
+          <p:cNvPr id="19" name="Rectangle 18">
+            <a:extLst>
+              <a:ext uri="{FF2B5EF4-FFF2-40B4-BE49-F238E27FC236}">
+                <a16:creationId xmlns:a16="http://schemas.microsoft.com/office/drawing/2014/main" id="{657F69E0-C4B0-4BEC-A689-4F8D877F05D4}"/>
               </a:ext>
               <a:ext uri="{C183D7F6-B498-43B3-948B-1728B52AA6E4}">
                 <adec:decorative xmlns:adec="http://schemas.microsoft.com/office/drawing/2017/decorative" val="1"/>
@@ -4489,47 +3400,151 @@
           </a:p>
         </p:txBody>
       </p:sp>
-      <p:sp>
-        <p:nvSpPr>
-          <p:cNvPr id="2" name="Title 1">
-            <a:extLst>
-              <a:ext uri="{FF2B5EF4-FFF2-40B4-BE49-F238E27FC236}">
-                <a16:creationId xmlns:a16="http://schemas.microsoft.com/office/drawing/2014/main" id="{72CA220E-0D04-4091-B38D-FECFD40A2F4E}"/>
-              </a:ext>
-            </a:extLst>
-          </p:cNvPr>
-          <p:cNvSpPr>
-            <a:spLocks noGrp="1"/>
-          </p:cNvSpPr>
-          <p:nvPr>
-            <p:ph type="title"/>
-          </p:nvPr>
-        </p:nvSpPr>
+      <p:pic>
+        <p:nvPicPr>
+          <p:cNvPr id="14" name="Picture 4" descr="Vibrant multicolour checkered floor design">
+            <a:extLst>
+              <a:ext uri="{FF2B5EF4-FFF2-40B4-BE49-F238E27FC236}">
+                <a16:creationId xmlns:a16="http://schemas.microsoft.com/office/drawing/2014/main" id="{F2D2D488-8C51-B3C4-5FEE-15589B25475D}"/>
+              </a:ext>
+            </a:extLst>
+          </p:cNvPr>
+          <p:cNvPicPr>
+            <a:picLocks noChangeAspect="1"/>
+          </p:cNvPicPr>
+          <p:nvPr/>
+        </p:nvPicPr>
+        <p:blipFill rotWithShape="1">
+          <a:blip r:embed="rId2">
+            <a:alphaModFix amt="50000"/>
+          </a:blip>
+          <a:srcRect t="8323" r="-1" b="8322"/>
+          <a:stretch/>
+        </p:blipFill>
         <p:spPr>
           <a:xfrm>
-            <a:off x="640080" y="329184"/>
-            <a:ext cx="6894576" cy="1783080"/>
+            <a:off x="20" y="10"/>
+            <a:ext cx="12188930" cy="6857990"/>
+          </a:xfrm>
+          <a:prstGeom prst="rect">
+            <a:avLst/>
+          </a:prstGeom>
+        </p:spPr>
+      </p:pic>
+      <p:sp>
+        <p:nvSpPr>
+          <p:cNvPr id="2" name="Title 1">
+            <a:extLst>
+              <a:ext uri="{FF2B5EF4-FFF2-40B4-BE49-F238E27FC236}">
+                <a16:creationId xmlns:a16="http://schemas.microsoft.com/office/drawing/2014/main" id="{547A3649-17B1-4401-9C4E-DC7AB3D5C573}"/>
+              </a:ext>
+            </a:extLst>
+          </p:cNvPr>
+          <p:cNvSpPr>
+            <a:spLocks noGrp="1"/>
+          </p:cNvSpPr>
+          <p:nvPr>
+            <p:ph type="ctrTitle"/>
+          </p:nvPr>
+        </p:nvSpPr>
+        <p:spPr>
+          <a:xfrm>
+            <a:off x="1524000" y="1122363"/>
+            <a:ext cx="9144000" cy="3063240"/>
           </a:xfrm>
         </p:spPr>
         <p:txBody>
-          <a:bodyPr anchor="b">
+          <a:bodyPr>
             <a:normAutofit/>
           </a:bodyPr>
           <a:lstStyle/>
           <a:p>
             <a:r>
-              <a:rPr lang="en-US" sz="5400" dirty="0"/>
-              <a:t>Not Always Optimal</a:t>
-            </a:r>
-          </a:p>
-        </p:txBody>
-      </p:sp>
-      <p:sp>
-        <p:nvSpPr>
-          <p:cNvPr id="15" name="sketch line">
-            <a:extLst>
-              <a:ext uri="{FF2B5EF4-FFF2-40B4-BE49-F238E27FC236}">
-                <a16:creationId xmlns:a16="http://schemas.microsoft.com/office/drawing/2014/main" id="{3FCFB1DE-0B7E-48CC-BA90-B2AB0889F9D6}"/>
+              <a:rPr lang="en-US" sz="6600">
+                <a:solidFill>
+                  <a:srgbClr val="FFFFFF"/>
+                </a:solidFill>
+              </a:rPr>
+              <a:t>Min Graph Coloring Approximation Solution</a:t>
+            </a:r>
+          </a:p>
+        </p:txBody>
+      </p:sp>
+      <p:sp>
+        <p:nvSpPr>
+          <p:cNvPr id="3" name="Subtitle 2">
+            <a:extLst>
+              <a:ext uri="{FF2B5EF4-FFF2-40B4-BE49-F238E27FC236}">
+                <a16:creationId xmlns:a16="http://schemas.microsoft.com/office/drawing/2014/main" id="{B9448BAD-D3FA-40C6-96F5-79EC0DA46A51}"/>
+              </a:ext>
+            </a:extLst>
+          </p:cNvPr>
+          <p:cNvSpPr>
+            <a:spLocks noGrp="1"/>
+          </p:cNvSpPr>
+          <p:nvPr>
+            <p:ph type="subTitle" idx="1"/>
+          </p:nvPr>
+        </p:nvSpPr>
+        <p:spPr>
+          <a:xfrm>
+            <a:off x="1527048" y="4599432"/>
+            <a:ext cx="9144000" cy="1536192"/>
+          </a:xfrm>
+        </p:spPr>
+        <p:txBody>
+          <a:bodyPr>
+            <a:normAutofit/>
+          </a:bodyPr>
+          <a:lstStyle/>
+          <a:p>
+            <a:r>
+              <a:rPr lang="en-US" sz="1900">
+                <a:solidFill>
+                  <a:srgbClr val="FFFFFF"/>
+                </a:solidFill>
+              </a:rPr>
+              <a:t>John Curley</a:t>
+            </a:r>
+          </a:p>
+          <a:p>
+            <a:r>
+              <a:rPr lang="en-US" sz="1900">
+                <a:solidFill>
+                  <a:srgbClr val="FFFFFF"/>
+                </a:solidFill>
+              </a:rPr>
+              <a:t>James Smith</a:t>
+            </a:r>
+          </a:p>
+          <a:p>
+            <a:r>
+              <a:rPr lang="en-US" sz="1900">
+                <a:solidFill>
+                  <a:srgbClr val="FFFFFF"/>
+                </a:solidFill>
+              </a:rPr>
+              <a:t>Rhea Morris</a:t>
+            </a:r>
+          </a:p>
+          <a:p>
+            <a:r>
+              <a:rPr lang="en-US" sz="1900">
+                <a:solidFill>
+                  <a:srgbClr val="FFFFFF"/>
+                </a:solidFill>
+              </a:rPr>
+              <a:t>Alyssa Sharp</a:t>
+            </a:r>
+          </a:p>
+        </p:txBody>
+      </p:sp>
+      <p:sp>
+        <p:nvSpPr>
+          <p:cNvPr id="21" name="sketchy line">
+            <a:extLst>
+              <a:ext uri="{FF2B5EF4-FFF2-40B4-BE49-F238E27FC236}">
+                <a16:creationId xmlns:a16="http://schemas.microsoft.com/office/drawing/2014/main" id="{9F6380B4-6A1C-481E-8408-B4E6C75B9B81}"/>
               </a:ext>
               <a:ext uri="{C183D7F6-B498-43B3-948B-1728B52AA6E4}">
                 <adec:decorative xmlns:adec="http://schemas.microsoft.com/office/drawing/2017/decorative" val="1"/>
@@ -4549,7 +3564,7 @@
         </p:nvSpPr>
         <p:spPr>
           <a:xfrm>
-            <a:off x="758952" y="2395728"/>
+            <a:off x="3974206" y="4368623"/>
             <a:ext cx="4243589" cy="18288"/>
           </a:xfrm>
           <a:custGeom>
@@ -4821,11 +3836,15 @@
             </a:pathLst>
           </a:custGeom>
           <a:solidFill>
-            <a:schemeClr val="accent2"/>
+            <a:srgbClr val="FFFFFF">
+              <a:alpha val="75000"/>
+            </a:srgbClr>
           </a:solidFill>
-          <a:ln w="41275" cap="rnd">
+          <a:ln w="44450" cap="rnd">
             <a:solidFill>
-              <a:schemeClr val="accent2"/>
+              <a:srgbClr val="FFFFFF">
+                <a:alpha val="75000"/>
+              </a:srgbClr>
             </a:solidFill>
             <a:round/>
             <a:extLst>
@@ -4867,26 +3886,258 @@
           </a:p>
         </p:txBody>
       </p:sp>
-      <p:sp>
-        <p:nvSpPr>
-          <p:cNvPr id="10" name="Content Placeholder 9">
-            <a:extLst>
-              <a:ext uri="{FF2B5EF4-FFF2-40B4-BE49-F238E27FC236}">
-                <a16:creationId xmlns:a16="http://schemas.microsoft.com/office/drawing/2014/main" id="{4478694E-6EF3-A33C-E535-CC43ABE9E651}"/>
-              </a:ext>
-            </a:extLst>
-          </p:cNvPr>
-          <p:cNvSpPr>
-            <a:spLocks noGrp="1"/>
-          </p:cNvSpPr>
-          <p:nvPr>
-            <p:ph idx="1"/>
+    </p:spTree>
+    <p:extLst>
+      <p:ext uri="{BB962C8B-B14F-4D97-AF65-F5344CB8AC3E}">
+        <p14:creationId xmlns:p14="http://schemas.microsoft.com/office/powerpoint/2010/main" val="119464720"/>
+      </p:ext>
+    </p:extLst>
+  </p:cSld>
+  <p:clrMapOvr>
+    <a:overrideClrMapping bg1="dk1" tx1="lt1" bg2="dk2" tx2="lt2" accent1="accent1" accent2="accent2" accent3="accent3" accent4="accent4" accent5="accent5" accent6="accent6" hlink="hlink" folHlink="folHlink"/>
+  </p:clrMapOvr>
+</p:sld>
+</file>
+
+<file path=ppt/slides/slide2.xml><?xml version="1.0" encoding="utf-8"?>
+<p:sld xmlns:a="http://schemas.openxmlformats.org/drawingml/2006/main" xmlns:r="http://schemas.openxmlformats.org/officeDocument/2006/relationships" xmlns:p="http://schemas.openxmlformats.org/presentationml/2006/main">
+  <p:cSld>
+    <p:bg>
+      <p:bgPr>
+        <a:solidFill>
+          <a:schemeClr val="bg1"/>
+        </a:solidFill>
+        <a:effectLst/>
+      </p:bgPr>
+    </p:bg>
+    <p:spTree>
+      <p:nvGrpSpPr>
+        <p:cNvPr id="1" name=""/>
+        <p:cNvGrpSpPr/>
+        <p:nvPr/>
+      </p:nvGrpSpPr>
+      <p:grpSpPr>
+        <a:xfrm>
+          <a:off x="0" y="0"/>
+          <a:ext cx="0" cy="0"/>
+          <a:chOff x="0" y="0"/>
+          <a:chExt cx="0" cy="0"/>
+        </a:xfrm>
+      </p:grpSpPr>
+      <p:sp useBgFill="1">
+        <p:nvSpPr>
+          <p:cNvPr id="8" name="Rectangle 7">
+            <a:extLst>
+              <a:ext uri="{FF2B5EF4-FFF2-40B4-BE49-F238E27FC236}">
+                <a16:creationId xmlns:a16="http://schemas.microsoft.com/office/drawing/2014/main" id="{907EF6B7-1338-4443-8C46-6A318D952DFD}"/>
+              </a:ext>
+              <a:ext uri="{C183D7F6-B498-43B3-948B-1728B52AA6E4}">
+                <adec:decorative xmlns:adec="http://schemas.microsoft.com/office/drawing/2017/decorative" val="1"/>
+              </a:ext>
+            </a:extLst>
+          </p:cNvPr>
+          <p:cNvSpPr>
+            <a:spLocks noGrp="1" noRot="1" noChangeAspect="1" noMove="1" noResize="1" noEditPoints="1" noAdjustHandles="1" noChangeArrowheads="1" noChangeShapeType="1" noTextEdit="1"/>
+          </p:cNvSpPr>
+          <p:nvPr>
+            <p:extLst>
+              <p:ext uri="{386F3935-93C4-4BCD-93E2-E3B085C9AB24}">
+                <p16:designElem xmlns:p16="http://schemas.microsoft.com/office/powerpoint/2015/main" val="1"/>
+              </p:ext>
+            </p:extLst>
           </p:nvPr>
         </p:nvSpPr>
         <p:spPr>
           <a:xfrm>
-            <a:off x="640080" y="2706624"/>
-            <a:ext cx="6894576" cy="3483864"/>
+            <a:off x="3048" y="0"/>
+            <a:ext cx="12188952" cy="6858000"/>
+          </a:xfrm>
+          <a:prstGeom prst="rect">
+            <a:avLst/>
+          </a:prstGeom>
+          <a:ln>
+            <a:noFill/>
+          </a:ln>
+        </p:spPr>
+        <p:style>
+          <a:lnRef idx="2">
+            <a:schemeClr val="accent1">
+              <a:shade val="50000"/>
+            </a:schemeClr>
+          </a:lnRef>
+          <a:fillRef idx="1">
+            <a:schemeClr val="accent1"/>
+          </a:fillRef>
+          <a:effectRef idx="0">
+            <a:schemeClr val="accent1"/>
+          </a:effectRef>
+          <a:fontRef idx="minor">
+            <a:schemeClr val="lt1"/>
+          </a:fontRef>
+        </p:style>
+        <p:txBody>
+          <a:bodyPr rtlCol="0" anchor="ctr"/>
+          <a:lstStyle/>
+          <a:p>
+            <a:pPr algn="ctr"/>
+            <a:endParaRPr lang="en-US"/>
+          </a:p>
+        </p:txBody>
+      </p:sp>
+      <p:sp>
+        <p:nvSpPr>
+          <p:cNvPr id="10" name="Freeform: Shape 9">
+            <a:extLst>
+              <a:ext uri="{FF2B5EF4-FFF2-40B4-BE49-F238E27FC236}">
+                <a16:creationId xmlns:a16="http://schemas.microsoft.com/office/drawing/2014/main" id="{DAAE4CDD-124C-4DCF-9584-B6033B545DD5}"/>
+              </a:ext>
+              <a:ext uri="{C183D7F6-B498-43B3-948B-1728B52AA6E4}">
+                <adec:decorative xmlns:adec="http://schemas.microsoft.com/office/drawing/2017/decorative" val="1"/>
+              </a:ext>
+            </a:extLst>
+          </p:cNvPr>
+          <p:cNvSpPr>
+            <a:spLocks noGrp="1" noRot="1" noChangeAspect="1" noMove="1" noResize="1" noEditPoints="1" noAdjustHandles="1" noChangeArrowheads="1" noChangeShapeType="1" noTextEdit="1"/>
+          </p:cNvSpPr>
+          <p:nvPr>
+            <p:extLst>
+              <p:ext uri="{386F3935-93C4-4BCD-93E2-E3B085C9AB24}">
+                <p16:designElem xmlns:p16="http://schemas.microsoft.com/office/powerpoint/2015/main" val="1"/>
+              </p:ext>
+            </p:extLst>
+          </p:nvPr>
+        </p:nvSpPr>
+        <p:spPr>
+          <a:xfrm>
+            <a:off x="1" y="0"/>
+            <a:ext cx="4167271" cy="6858000"/>
+          </a:xfrm>
+          <a:custGeom>
+            <a:avLst/>
+            <a:gdLst>
+              <a:gd name="connsiteX0" fmla="*/ 0 w 4167271"/>
+              <a:gd name="connsiteY0" fmla="*/ 0 h 6858000"/>
+              <a:gd name="connsiteX1" fmla="*/ 2259550 w 4167271"/>
+              <a:gd name="connsiteY1" fmla="*/ 0 h 6858000"/>
+              <a:gd name="connsiteX2" fmla="*/ 2387803 w 4167271"/>
+              <a:gd name="connsiteY2" fmla="*/ 82222 h 6858000"/>
+              <a:gd name="connsiteX3" fmla="*/ 4167271 w 4167271"/>
+              <a:gd name="connsiteY3" fmla="*/ 3429000 h 6858000"/>
+              <a:gd name="connsiteX4" fmla="*/ 2387803 w 4167271"/>
+              <a:gd name="connsiteY4" fmla="*/ 6775779 h 6858000"/>
+              <a:gd name="connsiteX5" fmla="*/ 2259550 w 4167271"/>
+              <a:gd name="connsiteY5" fmla="*/ 6858000 h 6858000"/>
+              <a:gd name="connsiteX6" fmla="*/ 0 w 4167271"/>
+              <a:gd name="connsiteY6" fmla="*/ 6858000 h 6858000"/>
+            </a:gdLst>
+            <a:ahLst/>
+            <a:cxnLst>
+              <a:cxn ang="0">
+                <a:pos x="connsiteX0" y="connsiteY0"/>
+              </a:cxn>
+              <a:cxn ang="0">
+                <a:pos x="connsiteX1" y="connsiteY1"/>
+              </a:cxn>
+              <a:cxn ang="0">
+                <a:pos x="connsiteX2" y="connsiteY2"/>
+              </a:cxn>
+              <a:cxn ang="0">
+                <a:pos x="connsiteX3" y="connsiteY3"/>
+              </a:cxn>
+              <a:cxn ang="0">
+                <a:pos x="connsiteX4" y="connsiteY4"/>
+              </a:cxn>
+              <a:cxn ang="0">
+                <a:pos x="connsiteX5" y="connsiteY5"/>
+              </a:cxn>
+              <a:cxn ang="0">
+                <a:pos x="connsiteX6" y="connsiteY6"/>
+              </a:cxn>
+            </a:cxnLst>
+            <a:rect l="l" t="t" r="r" b="b"/>
+            <a:pathLst>
+              <a:path w="4167271" h="6858000">
+                <a:moveTo>
+                  <a:pt x="0" y="0"/>
+                </a:moveTo>
+                <a:lnTo>
+                  <a:pt x="2259550" y="0"/>
+                </a:lnTo>
+                <a:lnTo>
+                  <a:pt x="2387803" y="82222"/>
+                </a:lnTo>
+                <a:cubicBezTo>
+                  <a:pt x="3461407" y="807534"/>
+                  <a:pt x="4167271" y="2035835"/>
+                  <a:pt x="4167271" y="3429000"/>
+                </a:cubicBezTo>
+                <a:cubicBezTo>
+                  <a:pt x="4167271" y="4822165"/>
+                  <a:pt x="3461407" y="6050467"/>
+                  <a:pt x="2387803" y="6775779"/>
+                </a:cubicBezTo>
+                <a:lnTo>
+                  <a:pt x="2259550" y="6858000"/>
+                </a:lnTo>
+                <a:lnTo>
+                  <a:pt x="0" y="6858000"/>
+                </a:lnTo>
+                <a:close/>
+              </a:path>
+            </a:pathLst>
+          </a:custGeom>
+          <a:solidFill>
+            <a:schemeClr val="accent2"/>
+          </a:solidFill>
+          <a:ln>
+            <a:noFill/>
+          </a:ln>
+        </p:spPr>
+        <p:style>
+          <a:lnRef idx="2">
+            <a:schemeClr val="accent1">
+              <a:shade val="50000"/>
+            </a:schemeClr>
+          </a:lnRef>
+          <a:fillRef idx="1">
+            <a:schemeClr val="accent1"/>
+          </a:fillRef>
+          <a:effectRef idx="0">
+            <a:schemeClr val="accent1"/>
+          </a:effectRef>
+          <a:fontRef idx="minor">
+            <a:schemeClr val="lt1"/>
+          </a:fontRef>
+        </p:style>
+        <p:txBody>
+          <a:bodyPr rtlCol="0" anchor="ctr"/>
+          <a:lstStyle/>
+          <a:p>
+            <a:pPr algn="ctr"/>
+            <a:endParaRPr lang="en-US"/>
+          </a:p>
+        </p:txBody>
+      </p:sp>
+      <p:sp>
+        <p:nvSpPr>
+          <p:cNvPr id="2" name="Title 1">
+            <a:extLst>
+              <a:ext uri="{FF2B5EF4-FFF2-40B4-BE49-F238E27FC236}">
+                <a16:creationId xmlns:a16="http://schemas.microsoft.com/office/drawing/2014/main" id="{1D0F904E-925D-4051-93FD-DB5E29499F9C}"/>
+              </a:ext>
+            </a:extLst>
+          </p:cNvPr>
+          <p:cNvSpPr>
+            <a:spLocks noGrp="1"/>
+          </p:cNvSpPr>
+          <p:nvPr>
+            <p:ph type="title"/>
+          </p:nvPr>
+        </p:nvSpPr>
+        <p:spPr>
+          <a:xfrm>
+            <a:off x="686834" y="1153572"/>
+            <a:ext cx="3200400" cy="4461163"/>
           </a:xfrm>
         </p:spPr>
         <p:txBody>
@@ -4896,44 +4147,870 @@
           <a:lstStyle/>
           <a:p>
             <a:r>
-              <a:rPr lang="en-US" sz="2200" dirty="0"/>
-              <a:t>The above graph represents the optimal solution possible for the graph</a:t>
-            </a:r>
-          </a:p>
-          <a:p>
-            <a:r>
-              <a:rPr lang="en-US" sz="2200" dirty="0"/>
-              <a:t>The below graph represents the results of our approximation algorithm</a:t>
-            </a:r>
-          </a:p>
-          <a:p>
-            <a:r>
-              <a:rPr lang="en-US" sz="2200" dirty="0"/>
-              <a:t>The approximation solution does yield a valid result however it is not the most optimal solution</a:t>
+              <a:rPr lang="en-US" sz="3700">
+                <a:solidFill>
+                  <a:srgbClr val="FFFFFF"/>
+                </a:solidFill>
+              </a:rPr>
+              <a:t>How The Approximation Works</a:t>
+            </a:r>
+          </a:p>
+        </p:txBody>
+      </p:sp>
+      <p:sp>
+        <p:nvSpPr>
+          <p:cNvPr id="12" name="Arc 11">
+            <a:extLst>
+              <a:ext uri="{FF2B5EF4-FFF2-40B4-BE49-F238E27FC236}">
+                <a16:creationId xmlns:a16="http://schemas.microsoft.com/office/drawing/2014/main" id="{081E4A58-353D-44AE-B2FC-2A74E2E400F7}"/>
+              </a:ext>
+              <a:ext uri="{C183D7F6-B498-43B3-948B-1728B52AA6E4}">
+                <adec:decorative xmlns:adec="http://schemas.microsoft.com/office/drawing/2017/decorative" val="1"/>
+              </a:ext>
+            </a:extLst>
+          </p:cNvPr>
+          <p:cNvSpPr>
+            <a:spLocks noGrp="1" noRot="1" noChangeAspect="1" noMove="1" noResize="1" noEditPoints="1" noAdjustHandles="1" noChangeArrowheads="1" noChangeShapeType="1" noTextEdit="1"/>
+          </p:cNvSpPr>
+          <p:nvPr>
+            <p:extLst>
+              <p:ext uri="{386F3935-93C4-4BCD-93E2-E3B085C9AB24}">
+                <p16:designElem xmlns:p16="http://schemas.microsoft.com/office/powerpoint/2015/main" val="1"/>
+              </p:ext>
+            </p:extLst>
+          </p:nvPr>
+        </p:nvSpPr>
+        <p:spPr>
+          <a:xfrm flipV="1">
+            <a:off x="7550402" y="2455479"/>
+            <a:ext cx="4083433" cy="4083433"/>
+          </a:xfrm>
+          <a:prstGeom prst="arc">
+            <a:avLst/>
+          </a:prstGeom>
+          <a:ln w="127000" cap="rnd">
+            <a:solidFill>
+              <a:schemeClr val="accent4"/>
+            </a:solidFill>
+            <a:prstDash val="dash"/>
+          </a:ln>
+        </p:spPr>
+        <p:style>
+          <a:lnRef idx="1">
+            <a:schemeClr val="accent1"/>
+          </a:lnRef>
+          <a:fillRef idx="0">
+            <a:schemeClr val="accent1"/>
+          </a:fillRef>
+          <a:effectRef idx="0">
+            <a:schemeClr val="accent1"/>
+          </a:effectRef>
+          <a:fontRef idx="minor">
+            <a:schemeClr val="tx1"/>
+          </a:fontRef>
+        </p:style>
+        <p:txBody>
+          <a:bodyPr rtlCol="0" anchor="ctr"/>
+          <a:lstStyle/>
+          <a:p>
+            <a:pPr algn="ctr"/>
+            <a:endParaRPr lang="en-US" dirty="0"/>
+          </a:p>
+        </p:txBody>
+      </p:sp>
+      <p:sp>
+        <p:nvSpPr>
+          <p:cNvPr id="3" name="Content Placeholder 2">
+            <a:extLst>
+              <a:ext uri="{FF2B5EF4-FFF2-40B4-BE49-F238E27FC236}">
+                <a16:creationId xmlns:a16="http://schemas.microsoft.com/office/drawing/2014/main" id="{CC9682EF-B0B1-48A6-B61C-03617B270595}"/>
+              </a:ext>
+            </a:extLst>
+          </p:cNvPr>
+          <p:cNvSpPr>
+            <a:spLocks noGrp="1"/>
+          </p:cNvSpPr>
+          <p:nvPr>
+            <p:ph idx="1"/>
+          </p:nvPr>
+        </p:nvSpPr>
+        <p:spPr>
+          <a:xfrm>
+            <a:off x="4447308" y="591344"/>
+            <a:ext cx="6906491" cy="5585619"/>
+          </a:xfrm>
+        </p:spPr>
+        <p:txBody>
+          <a:bodyPr anchor="ctr">
+            <a:normAutofit/>
+          </a:bodyPr>
+          <a:lstStyle/>
+          <a:p>
+            <a:r>
+              <a:rPr lang="en-US" sz="1500"/>
+              <a:t>Creates two dictionaries based on the input</a:t>
             </a:r>
           </a:p>
           <a:p>
             <a:pPr lvl="1"/>
             <a:r>
-              <a:rPr lang="en-US" sz="1800" dirty="0"/>
-              <a:t>Optimal Solution: 3 Colors</a:t>
+              <a:rPr lang="en-US" sz="1500"/>
+              <a:t>Graph: Which has the vertex as its key and the vertices its edges connect to as values</a:t>
             </a:r>
           </a:p>
           <a:p>
             <a:pPr lvl="1"/>
             <a:r>
-              <a:rPr lang="en-US" sz="1800" dirty="0"/>
-              <a:t>Approximation Solution: 7 Colors</a:t>
+              <a:rPr lang="en-US" sz="1500"/>
+              <a:t>Degrees: Has the vertex as its key and the number of degrees for that vertex as its value</a:t>
+            </a:r>
+          </a:p>
+          <a:p>
+            <a:r>
+              <a:rPr lang="en-US" sz="1500"/>
+              <a:t>Calls the recursive function that will find the vertex with the greatest degree and then remove that vertex along with all its edges from the graph.  </a:t>
+            </a:r>
+          </a:p>
+          <a:p>
+            <a:pPr lvl="1"/>
+            <a:r>
+              <a:rPr lang="en-US" sz="1500"/>
+              <a:t>That removed vertex will get its own color in the graph</a:t>
+            </a:r>
+          </a:p>
+          <a:p>
+            <a:r>
+              <a:rPr lang="en-US" sz="1500"/>
+              <a:t>The updated graph and degrees are then passed recursively again until the vertex with the greatest number of degrees has a degree number of zero.</a:t>
+            </a:r>
+          </a:p>
+          <a:p>
+            <a:pPr lvl="1"/>
+            <a:r>
+              <a:rPr lang="en-US" sz="1500"/>
+              <a:t>That final vertex and all remaining vertices will get the same color in the graph</a:t>
+            </a:r>
+          </a:p>
+        </p:txBody>
+      </p:sp>
+    </p:spTree>
+    <p:extLst>
+      <p:ext uri="{BB962C8B-B14F-4D97-AF65-F5344CB8AC3E}">
+        <p14:creationId xmlns:p14="http://schemas.microsoft.com/office/powerpoint/2010/main" val="3776428347"/>
+      </p:ext>
+    </p:extLst>
+  </p:cSld>
+  <p:clrMapOvr>
+    <a:masterClrMapping/>
+  </p:clrMapOvr>
+</p:sld>
+</file>
+
+<file path=ppt/slides/slide3.xml><?xml version="1.0" encoding="utf-8"?>
+<p:sld xmlns:a="http://schemas.openxmlformats.org/drawingml/2006/main" xmlns:r="http://schemas.openxmlformats.org/officeDocument/2006/relationships" xmlns:p="http://schemas.openxmlformats.org/presentationml/2006/main">
+  <p:cSld>
+    <p:bg>
+      <p:bgPr>
+        <a:solidFill>
+          <a:schemeClr val="bg1">
+            <a:tint val="95000"/>
+            <a:satMod val="170000"/>
+          </a:schemeClr>
+        </a:solidFill>
+        <a:effectLst/>
+      </p:bgPr>
+    </p:bg>
+    <p:spTree>
+      <p:nvGrpSpPr>
+        <p:cNvPr id="1" name=""/>
+        <p:cNvGrpSpPr/>
+        <p:nvPr/>
+      </p:nvGrpSpPr>
+      <p:grpSpPr>
+        <a:xfrm>
+          <a:off x="0" y="0"/>
+          <a:ext cx="0" cy="0"/>
+          <a:chOff x="0" y="0"/>
+          <a:chExt cx="0" cy="0"/>
+        </a:xfrm>
+      </p:grpSpPr>
+      <p:sp>
+        <p:nvSpPr>
+          <p:cNvPr id="8" name="Freeform: Shape 7">
+            <a:extLst>
+              <a:ext uri="{FF2B5EF4-FFF2-40B4-BE49-F238E27FC236}">
+                <a16:creationId xmlns:a16="http://schemas.microsoft.com/office/drawing/2014/main" id="{AD21898E-86C0-4C8A-A76C-DF33E844C87A}"/>
+              </a:ext>
+              <a:ext uri="{C183D7F6-B498-43B3-948B-1728B52AA6E4}">
+                <adec:decorative xmlns:adec="http://schemas.microsoft.com/office/drawing/2017/decorative" val="1"/>
+              </a:ext>
+            </a:extLst>
+          </p:cNvPr>
+          <p:cNvSpPr>
+            <a:spLocks noGrp="1" noRot="1" noChangeAspect="1" noMove="1" noResize="1" noEditPoints="1" noAdjustHandles="1" noChangeArrowheads="1" noChangeShapeType="1" noTextEdit="1"/>
+          </p:cNvSpPr>
+          <p:nvPr>
+            <p:extLst>
+              <p:ext uri="{386F3935-93C4-4BCD-93E2-E3B085C9AB24}">
+                <p16:designElem xmlns:p16="http://schemas.microsoft.com/office/powerpoint/2015/main" val="1"/>
+              </p:ext>
+            </p:extLst>
+          </p:nvPr>
+        </p:nvSpPr>
+        <p:spPr>
+          <a:xfrm>
+            <a:off x="879542" y="0"/>
+            <a:ext cx="10432916" cy="6858000"/>
+          </a:xfrm>
+          <a:custGeom>
+            <a:avLst/>
+            <a:gdLst>
+              <a:gd name="connsiteX0" fmla="*/ 1287962 w 10432916"/>
+              <a:gd name="connsiteY0" fmla="*/ 0 h 6858000"/>
+              <a:gd name="connsiteX1" fmla="*/ 9144956 w 10432916"/>
+              <a:gd name="connsiteY1" fmla="*/ 0 h 6858000"/>
+              <a:gd name="connsiteX2" fmla="*/ 9241731 w 10432916"/>
+              <a:gd name="connsiteY2" fmla="*/ 111692 h 6858000"/>
+              <a:gd name="connsiteX3" fmla="*/ 10432916 w 10432916"/>
+              <a:gd name="connsiteY3" fmla="*/ 3429001 h 6858000"/>
+              <a:gd name="connsiteX4" fmla="*/ 9241730 w 10432916"/>
+              <a:gd name="connsiteY4" fmla="*/ 6746310 h 6858000"/>
+              <a:gd name="connsiteX5" fmla="*/ 9144957 w 10432916"/>
+              <a:gd name="connsiteY5" fmla="*/ 6858000 h 6858000"/>
+              <a:gd name="connsiteX6" fmla="*/ 1287959 w 10432916"/>
+              <a:gd name="connsiteY6" fmla="*/ 6858000 h 6858000"/>
+              <a:gd name="connsiteX7" fmla="*/ 1191186 w 10432916"/>
+              <a:gd name="connsiteY7" fmla="*/ 6746310 h 6858000"/>
+              <a:gd name="connsiteX8" fmla="*/ 0 w 10432916"/>
+              <a:gd name="connsiteY8" fmla="*/ 3429001 h 6858000"/>
+              <a:gd name="connsiteX9" fmla="*/ 1191186 w 10432916"/>
+              <a:gd name="connsiteY9" fmla="*/ 111692 h 6858000"/>
+            </a:gdLst>
+            <a:ahLst/>
+            <a:cxnLst>
+              <a:cxn ang="0">
+                <a:pos x="connsiteX0" y="connsiteY0"/>
+              </a:cxn>
+              <a:cxn ang="0">
+                <a:pos x="connsiteX1" y="connsiteY1"/>
+              </a:cxn>
+              <a:cxn ang="0">
+                <a:pos x="connsiteX2" y="connsiteY2"/>
+              </a:cxn>
+              <a:cxn ang="0">
+                <a:pos x="connsiteX3" y="connsiteY3"/>
+              </a:cxn>
+              <a:cxn ang="0">
+                <a:pos x="connsiteX4" y="connsiteY4"/>
+              </a:cxn>
+              <a:cxn ang="0">
+                <a:pos x="connsiteX5" y="connsiteY5"/>
+              </a:cxn>
+              <a:cxn ang="0">
+                <a:pos x="connsiteX6" y="connsiteY6"/>
+              </a:cxn>
+              <a:cxn ang="0">
+                <a:pos x="connsiteX7" y="connsiteY7"/>
+              </a:cxn>
+              <a:cxn ang="0">
+                <a:pos x="connsiteX8" y="connsiteY8"/>
+              </a:cxn>
+              <a:cxn ang="0">
+                <a:pos x="connsiteX9" y="connsiteY9"/>
+              </a:cxn>
+            </a:cxnLst>
+            <a:rect l="l" t="t" r="r" b="b"/>
+            <a:pathLst>
+              <a:path w="10432916" h="6858000">
+                <a:moveTo>
+                  <a:pt x="1287962" y="0"/>
+                </a:moveTo>
+                <a:lnTo>
+                  <a:pt x="9144956" y="0"/>
+                </a:lnTo>
+                <a:lnTo>
+                  <a:pt x="9241731" y="111692"/>
+                </a:lnTo>
+                <a:cubicBezTo>
+                  <a:pt x="9985889" y="1013175"/>
+                  <a:pt x="10432916" y="2168897"/>
+                  <a:pt x="10432916" y="3429001"/>
+                </a:cubicBezTo>
+                <a:cubicBezTo>
+                  <a:pt x="10432916" y="4689105"/>
+                  <a:pt x="9985889" y="5844827"/>
+                  <a:pt x="9241730" y="6746310"/>
+                </a:cubicBezTo>
+                <a:lnTo>
+                  <a:pt x="9144957" y="6858000"/>
+                </a:lnTo>
+                <a:lnTo>
+                  <a:pt x="1287959" y="6858000"/>
+                </a:lnTo>
+                <a:lnTo>
+                  <a:pt x="1191186" y="6746310"/>
+                </a:lnTo>
+                <a:cubicBezTo>
+                  <a:pt x="447027" y="5844827"/>
+                  <a:pt x="0" y="4689105"/>
+                  <a:pt x="0" y="3429001"/>
+                </a:cubicBezTo>
+                <a:cubicBezTo>
+                  <a:pt x="0" y="2168897"/>
+                  <a:pt x="447027" y="1013175"/>
+                  <a:pt x="1191186" y="111692"/>
+                </a:cubicBezTo>
+                <a:close/>
+              </a:path>
+            </a:pathLst>
+          </a:custGeom>
+          <a:solidFill>
+            <a:schemeClr val="tx1">
+              <a:alpha val="80000"/>
+            </a:schemeClr>
+          </a:solidFill>
+          <a:ln>
+            <a:noFill/>
+          </a:ln>
+        </p:spPr>
+        <p:style>
+          <a:lnRef idx="2">
+            <a:schemeClr val="accent1">
+              <a:shade val="50000"/>
+            </a:schemeClr>
+          </a:lnRef>
+          <a:fillRef idx="1">
+            <a:schemeClr val="accent1"/>
+          </a:fillRef>
+          <a:effectRef idx="0">
+            <a:schemeClr val="accent1"/>
+          </a:effectRef>
+          <a:fontRef idx="minor">
+            <a:schemeClr val="lt1"/>
+          </a:fontRef>
+        </p:style>
+        <p:txBody>
+          <a:bodyPr rtlCol="0" anchor="ctr"/>
+          <a:lstStyle/>
+          <a:p>
+            <a:pPr algn="ctr"/>
+            <a:endParaRPr lang="en-US"/>
+          </a:p>
+        </p:txBody>
+      </p:sp>
+      <p:sp>
+        <p:nvSpPr>
+          <p:cNvPr id="10" name="Freeform: Shape 9">
+            <a:extLst>
+              <a:ext uri="{FF2B5EF4-FFF2-40B4-BE49-F238E27FC236}">
+                <a16:creationId xmlns:a16="http://schemas.microsoft.com/office/drawing/2014/main" id="{5C8F04BD-D093-45D0-B54C-50FDB308B4EE}"/>
+              </a:ext>
+              <a:ext uri="{C183D7F6-B498-43B3-948B-1728B52AA6E4}">
+                <adec:decorative xmlns:adec="http://schemas.microsoft.com/office/drawing/2017/decorative" val="1"/>
+              </a:ext>
+            </a:extLst>
+          </p:cNvPr>
+          <p:cNvSpPr>
+            <a:spLocks noGrp="1" noRot="1" noChangeAspect="1" noMove="1" noResize="1" noEditPoints="1" noAdjustHandles="1" noChangeArrowheads="1" noChangeShapeType="1" noTextEdit="1"/>
+          </p:cNvSpPr>
+          <p:nvPr>
+            <p:extLst>
+              <p:ext uri="{386F3935-93C4-4BCD-93E2-E3B085C9AB24}">
+                <p16:designElem xmlns:p16="http://schemas.microsoft.com/office/powerpoint/2015/main" val="1"/>
+              </p:ext>
+            </p:extLst>
+          </p:nvPr>
+        </p:nvSpPr>
+        <p:spPr>
+          <a:xfrm>
+            <a:off x="1134942" y="0"/>
+            <a:ext cx="9922116" cy="6858000"/>
+          </a:xfrm>
+          <a:custGeom>
+            <a:avLst/>
+            <a:gdLst>
+              <a:gd name="connsiteX0" fmla="*/ 1378575 w 9922116"/>
+              <a:gd name="connsiteY0" fmla="*/ 0 h 6858000"/>
+              <a:gd name="connsiteX1" fmla="*/ 8543542 w 9922116"/>
+              <a:gd name="connsiteY1" fmla="*/ 0 h 6858000"/>
+              <a:gd name="connsiteX2" fmla="*/ 8633323 w 9922116"/>
+              <a:gd name="connsiteY2" fmla="*/ 94145 h 6858000"/>
+              <a:gd name="connsiteX3" fmla="*/ 9922116 w 9922116"/>
+              <a:gd name="connsiteY3" fmla="*/ 3429001 h 6858000"/>
+              <a:gd name="connsiteX4" fmla="*/ 8633323 w 9922116"/>
+              <a:gd name="connsiteY4" fmla="*/ 6763858 h 6858000"/>
+              <a:gd name="connsiteX5" fmla="*/ 8543544 w 9922116"/>
+              <a:gd name="connsiteY5" fmla="*/ 6858000 h 6858000"/>
+              <a:gd name="connsiteX6" fmla="*/ 1378573 w 9922116"/>
+              <a:gd name="connsiteY6" fmla="*/ 6858000 h 6858000"/>
+              <a:gd name="connsiteX7" fmla="*/ 1288793 w 9922116"/>
+              <a:gd name="connsiteY7" fmla="*/ 6763858 h 6858000"/>
+              <a:gd name="connsiteX8" fmla="*/ 0 w 9922116"/>
+              <a:gd name="connsiteY8" fmla="*/ 3429001 h 6858000"/>
+              <a:gd name="connsiteX9" fmla="*/ 1288793 w 9922116"/>
+              <a:gd name="connsiteY9" fmla="*/ 94145 h 6858000"/>
+            </a:gdLst>
+            <a:ahLst/>
+            <a:cxnLst>
+              <a:cxn ang="0">
+                <a:pos x="connsiteX0" y="connsiteY0"/>
+              </a:cxn>
+              <a:cxn ang="0">
+                <a:pos x="connsiteX1" y="connsiteY1"/>
+              </a:cxn>
+              <a:cxn ang="0">
+                <a:pos x="connsiteX2" y="connsiteY2"/>
+              </a:cxn>
+              <a:cxn ang="0">
+                <a:pos x="connsiteX3" y="connsiteY3"/>
+              </a:cxn>
+              <a:cxn ang="0">
+                <a:pos x="connsiteX4" y="connsiteY4"/>
+              </a:cxn>
+              <a:cxn ang="0">
+                <a:pos x="connsiteX5" y="connsiteY5"/>
+              </a:cxn>
+              <a:cxn ang="0">
+                <a:pos x="connsiteX6" y="connsiteY6"/>
+              </a:cxn>
+              <a:cxn ang="0">
+                <a:pos x="connsiteX7" y="connsiteY7"/>
+              </a:cxn>
+              <a:cxn ang="0">
+                <a:pos x="connsiteX8" y="connsiteY8"/>
+              </a:cxn>
+              <a:cxn ang="0">
+                <a:pos x="connsiteX9" y="connsiteY9"/>
+              </a:cxn>
+            </a:cxnLst>
+            <a:rect l="l" t="t" r="r" b="b"/>
+            <a:pathLst>
+              <a:path w="9922116" h="6858000">
+                <a:moveTo>
+                  <a:pt x="1378575" y="0"/>
+                </a:moveTo>
+                <a:lnTo>
+                  <a:pt x="8543542" y="0"/>
+                </a:lnTo>
+                <a:lnTo>
+                  <a:pt x="8633323" y="94145"/>
+                </a:lnTo>
+                <a:cubicBezTo>
+                  <a:pt x="9434072" y="974941"/>
+                  <a:pt x="9922116" y="2144991"/>
+                  <a:pt x="9922116" y="3429001"/>
+                </a:cubicBezTo>
+                <a:cubicBezTo>
+                  <a:pt x="9922116" y="4713011"/>
+                  <a:pt x="9434072" y="5883061"/>
+                  <a:pt x="8633323" y="6763858"/>
+                </a:cubicBezTo>
+                <a:lnTo>
+                  <a:pt x="8543544" y="6858000"/>
+                </a:lnTo>
+                <a:lnTo>
+                  <a:pt x="1378573" y="6858000"/>
+                </a:lnTo>
+                <a:lnTo>
+                  <a:pt x="1288793" y="6763858"/>
+                </a:lnTo>
+                <a:cubicBezTo>
+                  <a:pt x="488044" y="5883061"/>
+                  <a:pt x="0" y="4713011"/>
+                  <a:pt x="0" y="3429001"/>
+                </a:cubicBezTo>
+                <a:cubicBezTo>
+                  <a:pt x="0" y="2144991"/>
+                  <a:pt x="488044" y="974941"/>
+                  <a:pt x="1288793" y="94145"/>
+                </a:cubicBezTo>
+                <a:close/>
+              </a:path>
+            </a:pathLst>
+          </a:custGeom>
+          <a:solidFill>
+            <a:schemeClr val="bg1">
+              <a:lumMod val="65000"/>
+              <a:lumOff val="35000"/>
+            </a:schemeClr>
+          </a:solidFill>
+          <a:ln>
+            <a:noFill/>
+          </a:ln>
+        </p:spPr>
+        <p:style>
+          <a:lnRef idx="2">
+            <a:schemeClr val="accent1">
+              <a:shade val="50000"/>
+            </a:schemeClr>
+          </a:lnRef>
+          <a:fillRef idx="1">
+            <a:schemeClr val="accent1"/>
+          </a:fillRef>
+          <a:effectRef idx="0">
+            <a:schemeClr val="accent1"/>
+          </a:effectRef>
+          <a:fontRef idx="minor">
+            <a:schemeClr val="lt1"/>
+          </a:fontRef>
+        </p:style>
+        <p:txBody>
+          <a:bodyPr rtlCol="0" anchor="ctr"/>
+          <a:lstStyle/>
+          <a:p>
+            <a:pPr algn="ctr"/>
+            <a:endParaRPr lang="en-US" dirty="0"/>
+          </a:p>
+        </p:txBody>
+      </p:sp>
+      <p:sp>
+        <p:nvSpPr>
+          <p:cNvPr id="2" name="Title 1">
+            <a:extLst>
+              <a:ext uri="{FF2B5EF4-FFF2-40B4-BE49-F238E27FC236}">
+                <a16:creationId xmlns:a16="http://schemas.microsoft.com/office/drawing/2014/main" id="{1A9CFDBE-9E75-4BDC-AB99-070B4A2D8CE3}"/>
+              </a:ext>
+            </a:extLst>
+          </p:cNvPr>
+          <p:cNvSpPr>
+            <a:spLocks noGrp="1"/>
+          </p:cNvSpPr>
+          <p:nvPr>
+            <p:ph type="title"/>
+          </p:nvPr>
+        </p:nvSpPr>
+        <p:spPr>
+          <a:xfrm>
+            <a:off x="2311147" y="365760"/>
+            <a:ext cx="7569706" cy="1288238"/>
+          </a:xfrm>
+        </p:spPr>
+        <p:txBody>
+          <a:bodyPr anchor="ctr">
+            <a:normAutofit/>
+          </a:bodyPr>
+          <a:lstStyle/>
+          <a:p>
+            <a:pPr algn="ctr"/>
+            <a:r>
+              <a:rPr lang="en-US"/>
+              <a:t>Pseudocode</a:t>
+            </a:r>
+          </a:p>
+        </p:txBody>
+      </p:sp>
+      <p:sp>
+        <p:nvSpPr>
+          <p:cNvPr id="3" name="Content Placeholder 2">
+            <a:extLst>
+              <a:ext uri="{FF2B5EF4-FFF2-40B4-BE49-F238E27FC236}">
+                <a16:creationId xmlns:a16="http://schemas.microsoft.com/office/drawing/2014/main" id="{586CB703-E330-467C-A56E-CF7B5406706D}"/>
+              </a:ext>
+            </a:extLst>
+          </p:cNvPr>
+          <p:cNvSpPr>
+            <a:spLocks noGrp="1"/>
+          </p:cNvSpPr>
+          <p:nvPr>
+            <p:ph idx="1"/>
+          </p:nvPr>
+        </p:nvSpPr>
+        <p:spPr>
+          <a:xfrm>
+            <a:off x="2165569" y="1956816"/>
+            <a:ext cx="7860863" cy="4024884"/>
+          </a:xfrm>
+        </p:spPr>
+        <p:txBody>
+          <a:bodyPr anchor="t">
+            <a:normAutofit/>
+          </a:bodyPr>
+          <a:lstStyle/>
+          <a:p>
+            <a:pPr marL="0" indent="0">
+              <a:spcBef>
+                <a:spcPts val="0"/>
+              </a:spcBef>
+              <a:buNone/>
+            </a:pPr>
+            <a:r>
+              <a:rPr lang="en-US" sz="1500" u="sng"/>
+              <a:t>main():</a:t>
+            </a:r>
+          </a:p>
+          <a:p>
+            <a:pPr marL="0" indent="0">
+              <a:spcBef>
+                <a:spcPts val="0"/>
+              </a:spcBef>
+              <a:buNone/>
+            </a:pPr>
+            <a:r>
+              <a:rPr lang="en-US" sz="1500"/>
+              <a:t>    num_vertices = # of vertices in graph</a:t>
+            </a:r>
+          </a:p>
+          <a:p>
+            <a:pPr marL="0" indent="0">
+              <a:spcBef>
+                <a:spcPts val="0"/>
+              </a:spcBef>
+              <a:buNone/>
+            </a:pPr>
+            <a:r>
+              <a:rPr lang="en-US" sz="1500"/>
+              <a:t>    graph = vertices as keys, nodes connected to vertex as values (in list)</a:t>
+            </a:r>
+          </a:p>
+          <a:p>
+            <a:pPr marL="0" indent="0">
+              <a:spcBef>
+                <a:spcPts val="0"/>
+              </a:spcBef>
+              <a:buNone/>
+            </a:pPr>
+            <a:r>
+              <a:rPr lang="en-US" sz="1500"/>
+              <a:t>    degree = vertices a keys, # of degree for vertex as values</a:t>
+            </a:r>
+          </a:p>
+          <a:p>
+            <a:pPr marL="0" indent="0">
+              <a:spcBef>
+                <a:spcPts val="0"/>
+              </a:spcBef>
+              <a:buNone/>
+            </a:pPr>
+            <a:r>
+              <a:rPr lang="en-US" sz="1500"/>
+              <a:t>    print min_graph_coloring(graph, degree)</a:t>
+            </a:r>
+          </a:p>
+          <a:p>
+            <a:pPr marL="0" indent="0">
+              <a:spcBef>
+                <a:spcPts val="0"/>
+              </a:spcBef>
+              <a:buNone/>
+            </a:pPr>
+            <a:endParaRPr lang="en-US" sz="1500"/>
+          </a:p>
+          <a:p>
+            <a:pPr marL="0" indent="0">
+              <a:spcBef>
+                <a:spcPts val="0"/>
+              </a:spcBef>
+              <a:buNone/>
+            </a:pPr>
+            <a:r>
+              <a:rPr lang="en-US" sz="1500" u="sng"/>
+              <a:t>min_graph_coloring(graph, degree, num=1):</a:t>
+            </a:r>
+          </a:p>
+          <a:p>
+            <a:pPr marL="0" indent="0">
+              <a:spcBef>
+                <a:spcPts val="0"/>
+              </a:spcBef>
+              <a:buNone/>
+            </a:pPr>
+            <a:r>
+              <a:rPr lang="en-US" sz="1500"/>
+              <a:t>    for vertex in degree</a:t>
+            </a:r>
+          </a:p>
+          <a:p>
+            <a:pPr marL="0" indent="0">
+              <a:spcBef>
+                <a:spcPts val="0"/>
+              </a:spcBef>
+              <a:buNone/>
+            </a:pPr>
+            <a:r>
+              <a:rPr lang="en-US" sz="1500"/>
+              <a:t>        if degree[vertex] &gt; max:</a:t>
+            </a:r>
+          </a:p>
+          <a:p>
+            <a:pPr marL="0" indent="0">
+              <a:spcBef>
+                <a:spcPts val="0"/>
+              </a:spcBef>
+              <a:buNone/>
+            </a:pPr>
+            <a:r>
+              <a:rPr lang="en-US" sz="1500"/>
+              <a:t>            max_vertex = vertex</a:t>
+            </a:r>
+          </a:p>
+          <a:p>
+            <a:pPr marL="0" indent="0">
+              <a:spcBef>
+                <a:spcPts val="0"/>
+              </a:spcBef>
+              <a:buNone/>
+            </a:pPr>
+            <a:r>
+              <a:rPr lang="en-US" sz="1500"/>
+              <a:t>    graph.remove(max_vertex)</a:t>
+            </a:r>
+          </a:p>
+          <a:p>
+            <a:pPr marL="0" indent="0">
+              <a:spcBef>
+                <a:spcPts val="0"/>
+              </a:spcBef>
+              <a:buNone/>
+            </a:pPr>
+            <a:r>
+              <a:rPr lang="en-US" sz="1500"/>
+              <a:t>    degree.remove(max_vertex)</a:t>
+            </a:r>
+          </a:p>
+          <a:p>
+            <a:pPr marL="0" indent="0">
+              <a:spcBef>
+                <a:spcPts val="0"/>
+              </a:spcBef>
+              <a:buNone/>
+            </a:pPr>
+            <a:r>
+              <a:rPr lang="en-US" sz="1500"/>
+              <a:t>    for node in graph:</a:t>
+            </a:r>
+          </a:p>
+          <a:p>
+            <a:pPr marL="0" indent="0">
+              <a:spcBef>
+                <a:spcPts val="0"/>
+              </a:spcBef>
+              <a:buNone/>
+            </a:pPr>
+            <a:r>
+              <a:rPr lang="en-US" sz="1500"/>
+              <a:t>        for neighbor in node:</a:t>
+            </a:r>
+          </a:p>
+          <a:p>
+            <a:pPr marL="0" indent="0">
+              <a:spcBef>
+                <a:spcPts val="0"/>
+              </a:spcBef>
+              <a:buNone/>
+            </a:pPr>
+            <a:r>
+              <a:rPr lang="en-US" sz="1500"/>
+              <a:t>            if neighbor is max_vertex:</a:t>
+            </a:r>
+          </a:p>
+          <a:p>
+            <a:pPr marL="0" indent="0">
+              <a:spcBef>
+                <a:spcPts val="0"/>
+              </a:spcBef>
+              <a:buNone/>
+            </a:pPr>
+            <a:r>
+              <a:rPr lang="en-US" sz="1500"/>
+              <a:t>                node.remove(neighbor)</a:t>
+            </a:r>
+          </a:p>
+          <a:p>
+            <a:pPr marL="0" indent="0">
+              <a:spcBef>
+                <a:spcPts val="0"/>
+              </a:spcBef>
+              <a:buNone/>
+            </a:pPr>
+            <a:r>
+              <a:rPr lang="en-US" sz="1500"/>
+              <a:t>                degree[node] -= 1</a:t>
+            </a:r>
+          </a:p>
+          <a:p>
+            <a:pPr marL="0" indent="0">
+              <a:spcBef>
+                <a:spcPts val="0"/>
+              </a:spcBef>
+              <a:buNone/>
+            </a:pPr>
+            <a:r>
+              <a:rPr lang="en-US" sz="1500"/>
+              <a:t>    return min_graph_coloring(graph, degree, num + 1)</a:t>
+            </a:r>
+          </a:p>
+          <a:p>
+            <a:pPr marL="0" indent="0">
+              <a:buNone/>
+            </a:pPr>
+            <a:endParaRPr lang="en-US" sz="1500"/>
+          </a:p>
+        </p:txBody>
+      </p:sp>
+    </p:spTree>
+    <p:extLst>
+      <p:ext uri="{BB962C8B-B14F-4D97-AF65-F5344CB8AC3E}">
+        <p14:creationId xmlns:p14="http://schemas.microsoft.com/office/powerpoint/2010/main" val="2898669507"/>
+      </p:ext>
+    </p:extLst>
+  </p:cSld>
+  <p:clrMapOvr>
+    <a:overrideClrMapping bg1="dk1" tx1="lt1" bg2="dk2" tx2="lt2" accent1="accent1" accent2="accent2" accent3="accent3" accent4="accent4" accent5="accent5" accent6="accent6" hlink="hlink" folHlink="folHlink"/>
+  </p:clrMapOvr>
+</p:sld>
+</file>
+
+<file path=ppt/slides/slide4.xml><?xml version="1.0" encoding="utf-8"?>
+<p:sld xmlns:a="http://schemas.openxmlformats.org/drawingml/2006/main" xmlns:r="http://schemas.openxmlformats.org/officeDocument/2006/relationships" xmlns:p="http://schemas.openxmlformats.org/presentationml/2006/main">
+  <p:cSld>
+    <p:spTree>
+      <p:nvGrpSpPr>
+        <p:cNvPr id="1" name=""/>
+        <p:cNvGrpSpPr/>
+        <p:nvPr/>
+      </p:nvGrpSpPr>
+      <p:grpSpPr>
+        <a:xfrm>
+          <a:off x="0" y="0"/>
+          <a:ext cx="0" cy="0"/>
+          <a:chOff x="0" y="0"/>
+          <a:chExt cx="0" cy="0"/>
+        </a:xfrm>
+      </p:grpSpPr>
+      <p:sp>
+        <p:nvSpPr>
+          <p:cNvPr id="2" name="Title 1">
+            <a:extLst>
+              <a:ext uri="{FF2B5EF4-FFF2-40B4-BE49-F238E27FC236}">
+                <a16:creationId xmlns:a16="http://schemas.microsoft.com/office/drawing/2014/main" id="{153B17B4-0AFC-4BD6-8C4B-7302F32F2F35}"/>
+              </a:ext>
+            </a:extLst>
+          </p:cNvPr>
+          <p:cNvSpPr>
+            <a:spLocks noGrp="1"/>
+          </p:cNvSpPr>
+          <p:nvPr>
+            <p:ph type="title"/>
+          </p:nvPr>
+        </p:nvSpPr>
+        <p:spPr/>
+        <p:txBody>
+          <a:bodyPr/>
+          <a:lstStyle/>
+          <a:p>
+            <a:r>
+              <a:rPr lang="en-US" dirty="0"/>
+              <a:t>Steps of the Approximation Algorithm</a:t>
             </a:r>
           </a:p>
         </p:txBody>
       </p:sp>
       <p:pic>
         <p:nvPicPr>
-          <p:cNvPr id="6" name="Picture 5" descr="A group of colorful lights&#10;&#10;Description automatically generated with low confidence">
-            <a:extLst>
-              <a:ext uri="{FF2B5EF4-FFF2-40B4-BE49-F238E27FC236}">
-                <a16:creationId xmlns:a16="http://schemas.microsoft.com/office/drawing/2014/main" id="{8E5B1E94-96EF-42D2-AA58-FE34B68EFF80}"/>
+          <p:cNvPr id="5" name="Picture 4" descr="Diagram&#10;&#10;Description automatically generated">
+            <a:extLst>
+              <a:ext uri="{FF2B5EF4-FFF2-40B4-BE49-F238E27FC236}">
+                <a16:creationId xmlns:a16="http://schemas.microsoft.com/office/drawing/2014/main" id="{731A93B1-60FB-4F78-AE98-D1FCD7088F06}"/>
               </a:ext>
             </a:extLst>
           </p:cNvPr>
@@ -4942,15 +5019,22 @@
           </p:cNvPicPr>
           <p:nvPr/>
         </p:nvPicPr>
-        <p:blipFill rotWithShape="1">
-          <a:blip r:embed="rId2"/>
-          <a:srcRect l="225" r="838" b="2"/>
-          <a:stretch/>
+        <p:blipFill>
+          <a:blip r:embed="rId2">
+            <a:extLst>
+              <a:ext uri="{28A0092B-C50C-407E-A947-70E740481C1C}">
+                <a14:useLocalDpi xmlns:a14="http://schemas.microsoft.com/office/drawing/2010/main" val="0"/>
+              </a:ext>
+            </a:extLst>
+          </a:blip>
+          <a:stretch>
+            <a:fillRect/>
+          </a:stretch>
         </p:blipFill>
         <p:spPr>
           <a:xfrm>
-            <a:off x="8182994" y="96998"/>
-            <a:ext cx="3538327" cy="3429969"/>
+            <a:off x="483636" y="1568764"/>
+            <a:ext cx="2499577" cy="2072820"/>
           </a:xfrm>
           <a:prstGeom prst="rect">
             <a:avLst/>
@@ -4959,10 +5043,10 @@
       </p:pic>
       <p:pic>
         <p:nvPicPr>
-          <p:cNvPr id="5" name="Content Placeholder 4" descr="Diagram&#10;&#10;Description automatically generated">
-            <a:extLst>
-              <a:ext uri="{FF2B5EF4-FFF2-40B4-BE49-F238E27FC236}">
-                <a16:creationId xmlns:a16="http://schemas.microsoft.com/office/drawing/2014/main" id="{D9DD0204-9F26-478D-9C67-0A3A863A87F2}"/>
+          <p:cNvPr id="7" name="Picture 6" descr="A picture containing text, clock, watch&#10;&#10;Description automatically generated">
+            <a:extLst>
+              <a:ext uri="{FF2B5EF4-FFF2-40B4-BE49-F238E27FC236}">
+                <a16:creationId xmlns:a16="http://schemas.microsoft.com/office/drawing/2014/main" id="{9CC8E91D-39DE-4D78-AB39-5F571BA4ADC9}"/>
               </a:ext>
             </a:extLst>
           </p:cNvPr>
@@ -4985,8 +5069,1044 @@
         </p:blipFill>
         <p:spPr>
           <a:xfrm>
-            <a:off x="8174736" y="3468157"/>
-            <a:ext cx="3503027" cy="3292845"/>
+            <a:off x="3211377" y="1649381"/>
+            <a:ext cx="2530059" cy="2004234"/>
+          </a:xfrm>
+          <a:prstGeom prst="rect">
+            <a:avLst/>
+          </a:prstGeom>
+        </p:spPr>
+      </p:pic>
+      <p:pic>
+        <p:nvPicPr>
+          <p:cNvPr id="9" name="Picture 8" descr="A picture containing text, clock, vector graphics&#10;&#10;Description automatically generated">
+            <a:extLst>
+              <a:ext uri="{FF2B5EF4-FFF2-40B4-BE49-F238E27FC236}">
+                <a16:creationId xmlns:a16="http://schemas.microsoft.com/office/drawing/2014/main" id="{F5D22C2F-160A-41DD-B3CC-DC1C8D0A560D}"/>
+              </a:ext>
+            </a:extLst>
+          </p:cNvPr>
+          <p:cNvPicPr>
+            <a:picLocks noChangeAspect="1"/>
+          </p:cNvPicPr>
+          <p:nvPr/>
+        </p:nvPicPr>
+        <p:blipFill>
+          <a:blip r:embed="rId4">
+            <a:extLst>
+              <a:ext uri="{28A0092B-C50C-407E-A947-70E740481C1C}">
+                <a14:useLocalDpi xmlns:a14="http://schemas.microsoft.com/office/drawing/2010/main" val="0"/>
+              </a:ext>
+            </a:extLst>
+          </a:blip>
+          <a:stretch>
+            <a:fillRect/>
+          </a:stretch>
+        </p:blipFill>
+        <p:spPr>
+          <a:xfrm>
+            <a:off x="6105080" y="1690688"/>
+            <a:ext cx="2545301" cy="2027096"/>
+          </a:xfrm>
+          <a:prstGeom prst="rect">
+            <a:avLst/>
+          </a:prstGeom>
+        </p:spPr>
+      </p:pic>
+      <p:pic>
+        <p:nvPicPr>
+          <p:cNvPr id="11" name="Picture 10" descr="A picture containing text, clock, vector graphics&#10;&#10;Description automatically generated">
+            <a:extLst>
+              <a:ext uri="{FF2B5EF4-FFF2-40B4-BE49-F238E27FC236}">
+                <a16:creationId xmlns:a16="http://schemas.microsoft.com/office/drawing/2014/main" id="{302F6AA2-F95F-4B36-AA2F-9D253F53A1CC}"/>
+              </a:ext>
+            </a:extLst>
+          </p:cNvPr>
+          <p:cNvPicPr>
+            <a:picLocks noChangeAspect="1"/>
+          </p:cNvPicPr>
+          <p:nvPr/>
+        </p:nvPicPr>
+        <p:blipFill>
+          <a:blip r:embed="rId5">
+            <a:extLst>
+              <a:ext uri="{28A0092B-C50C-407E-A947-70E740481C1C}">
+                <a14:useLocalDpi xmlns:a14="http://schemas.microsoft.com/office/drawing/2010/main" val="0"/>
+              </a:ext>
+            </a:extLst>
+          </a:blip>
+          <a:stretch>
+            <a:fillRect/>
+          </a:stretch>
+        </p:blipFill>
+        <p:spPr>
+          <a:xfrm>
+            <a:off x="9014025" y="1690688"/>
+            <a:ext cx="2469094" cy="2034716"/>
+          </a:xfrm>
+          <a:prstGeom prst="rect">
+            <a:avLst/>
+          </a:prstGeom>
+        </p:spPr>
+      </p:pic>
+      <p:pic>
+        <p:nvPicPr>
+          <p:cNvPr id="13" name="Picture 12" descr="A picture containing diagram&#10;&#10;Description automatically generated">
+            <a:extLst>
+              <a:ext uri="{FF2B5EF4-FFF2-40B4-BE49-F238E27FC236}">
+                <a16:creationId xmlns:a16="http://schemas.microsoft.com/office/drawing/2014/main" id="{7CC95F3B-DCDA-42B4-A17F-F551E2539E8F}"/>
+              </a:ext>
+            </a:extLst>
+          </p:cNvPr>
+          <p:cNvPicPr>
+            <a:picLocks noChangeAspect="1"/>
+          </p:cNvPicPr>
+          <p:nvPr/>
+        </p:nvPicPr>
+        <p:blipFill>
+          <a:blip r:embed="rId6">
+            <a:extLst>
+              <a:ext uri="{28A0092B-C50C-407E-A947-70E740481C1C}">
+                <a14:useLocalDpi xmlns:a14="http://schemas.microsoft.com/office/drawing/2010/main" val="0"/>
+              </a:ext>
+            </a:extLst>
+          </a:blip>
+          <a:stretch>
+            <a:fillRect/>
+          </a:stretch>
+        </p:blipFill>
+        <p:spPr>
+          <a:xfrm>
+            <a:off x="464584" y="4023870"/>
+            <a:ext cx="2537680" cy="2080440"/>
+          </a:xfrm>
+          <a:prstGeom prst="rect">
+            <a:avLst/>
+          </a:prstGeom>
+        </p:spPr>
+      </p:pic>
+      <p:pic>
+        <p:nvPicPr>
+          <p:cNvPr id="15" name="Picture 14" descr="A picture containing bubble chart&#10;&#10;Description automatically generated">
+            <a:extLst>
+              <a:ext uri="{FF2B5EF4-FFF2-40B4-BE49-F238E27FC236}">
+                <a16:creationId xmlns:a16="http://schemas.microsoft.com/office/drawing/2014/main" id="{89F9094A-3648-4A86-97A0-26378BD8C404}"/>
+              </a:ext>
+            </a:extLst>
+          </p:cNvPr>
+          <p:cNvPicPr>
+            <a:picLocks noChangeAspect="1"/>
+          </p:cNvPicPr>
+          <p:nvPr/>
+        </p:nvPicPr>
+        <p:blipFill>
+          <a:blip r:embed="rId7">
+            <a:extLst>
+              <a:ext uri="{28A0092B-C50C-407E-A947-70E740481C1C}">
+                <a14:useLocalDpi xmlns:a14="http://schemas.microsoft.com/office/drawing/2010/main" val="0"/>
+              </a:ext>
+            </a:extLst>
+          </a:blip>
+          <a:stretch>
+            <a:fillRect/>
+          </a:stretch>
+        </p:blipFill>
+        <p:spPr>
+          <a:xfrm>
+            <a:off x="3211377" y="4023870"/>
+            <a:ext cx="2491956" cy="2034716"/>
+          </a:xfrm>
+          <a:prstGeom prst="rect">
+            <a:avLst/>
+          </a:prstGeom>
+        </p:spPr>
+      </p:pic>
+      <p:pic>
+        <p:nvPicPr>
+          <p:cNvPr id="17" name="Picture 16" descr="Diagram&#10;&#10;Description automatically generated">
+            <a:extLst>
+              <a:ext uri="{FF2B5EF4-FFF2-40B4-BE49-F238E27FC236}">
+                <a16:creationId xmlns:a16="http://schemas.microsoft.com/office/drawing/2014/main" id="{26D3EF24-1E1C-42C9-B486-A1634D202DA1}"/>
+              </a:ext>
+            </a:extLst>
+          </p:cNvPr>
+          <p:cNvPicPr>
+            <a:picLocks noChangeAspect="1"/>
+          </p:cNvPicPr>
+          <p:nvPr/>
+        </p:nvPicPr>
+        <p:blipFill>
+          <a:blip r:embed="rId8">
+            <a:extLst>
+              <a:ext uri="{28A0092B-C50C-407E-A947-70E740481C1C}">
+                <a14:useLocalDpi xmlns:a14="http://schemas.microsoft.com/office/drawing/2010/main" val="0"/>
+              </a:ext>
+            </a:extLst>
+          </a:blip>
+          <a:stretch>
+            <a:fillRect/>
+          </a:stretch>
+        </p:blipFill>
+        <p:spPr>
+          <a:xfrm>
+            <a:off x="6089839" y="4054352"/>
+            <a:ext cx="2560542" cy="2019475"/>
+          </a:xfrm>
+          <a:prstGeom prst="rect">
+            <a:avLst/>
+          </a:prstGeom>
+        </p:spPr>
+      </p:pic>
+      <p:pic>
+        <p:nvPicPr>
+          <p:cNvPr id="19" name="Picture 18" descr="Diagram&#10;&#10;Description automatically generated">
+            <a:extLst>
+              <a:ext uri="{FF2B5EF4-FFF2-40B4-BE49-F238E27FC236}">
+                <a16:creationId xmlns:a16="http://schemas.microsoft.com/office/drawing/2014/main" id="{02EEF150-8C8D-4B0D-A729-BC3995E2654D}"/>
+              </a:ext>
+            </a:extLst>
+          </p:cNvPr>
+          <p:cNvPicPr>
+            <a:picLocks noChangeAspect="1"/>
+          </p:cNvPicPr>
+          <p:nvPr/>
+        </p:nvPicPr>
+        <p:blipFill>
+          <a:blip r:embed="rId8">
+            <a:extLst>
+              <a:ext uri="{28A0092B-C50C-407E-A947-70E740481C1C}">
+                <a14:useLocalDpi xmlns:a14="http://schemas.microsoft.com/office/drawing/2010/main" val="0"/>
+              </a:ext>
+            </a:extLst>
+          </a:blip>
+          <a:stretch>
+            <a:fillRect/>
+          </a:stretch>
+        </p:blipFill>
+        <p:spPr>
+          <a:xfrm>
+            <a:off x="8922577" y="4084835"/>
+            <a:ext cx="2560542" cy="2019475"/>
+          </a:xfrm>
+          <a:prstGeom prst="rect">
+            <a:avLst/>
+          </a:prstGeom>
+        </p:spPr>
+      </p:pic>
+      <p:sp>
+        <p:nvSpPr>
+          <p:cNvPr id="20" name="TextBox 19">
+            <a:extLst>
+              <a:ext uri="{FF2B5EF4-FFF2-40B4-BE49-F238E27FC236}">
+                <a16:creationId xmlns:a16="http://schemas.microsoft.com/office/drawing/2014/main" id="{0C93DEB1-5004-4090-8EC7-FA30257D4D72}"/>
+              </a:ext>
+            </a:extLst>
+          </p:cNvPr>
+          <p:cNvSpPr txBox="1"/>
+          <p:nvPr/>
+        </p:nvSpPr>
+        <p:spPr>
+          <a:xfrm>
+            <a:off x="6223519" y="6123543"/>
+            <a:ext cx="2538580" cy="369332"/>
+          </a:xfrm>
+          <a:prstGeom prst="rect">
+            <a:avLst/>
+          </a:prstGeom>
+          <a:noFill/>
+        </p:spPr>
+        <p:txBody>
+          <a:bodyPr wrap="square" rtlCol="0">
+            <a:spAutoFit/>
+          </a:bodyPr>
+          <a:lstStyle/>
+          <a:p>
+            <a:r>
+              <a:rPr lang="en-US" dirty="0"/>
+              <a:t>Approximation Solution</a:t>
+            </a:r>
+          </a:p>
+        </p:txBody>
+      </p:sp>
+      <p:sp>
+        <p:nvSpPr>
+          <p:cNvPr id="21" name="TextBox 20">
+            <a:extLst>
+              <a:ext uri="{FF2B5EF4-FFF2-40B4-BE49-F238E27FC236}">
+                <a16:creationId xmlns:a16="http://schemas.microsoft.com/office/drawing/2014/main" id="{E55BEC15-C409-4F4B-BC34-C3EE6FCFE3FC}"/>
+              </a:ext>
+            </a:extLst>
+          </p:cNvPr>
+          <p:cNvSpPr txBox="1"/>
+          <p:nvPr/>
+        </p:nvSpPr>
+        <p:spPr>
+          <a:xfrm>
+            <a:off x="9376364" y="6123543"/>
+            <a:ext cx="1977436" cy="369332"/>
+          </a:xfrm>
+          <a:prstGeom prst="rect">
+            <a:avLst/>
+          </a:prstGeom>
+          <a:noFill/>
+        </p:spPr>
+        <p:txBody>
+          <a:bodyPr wrap="square" rtlCol="0">
+            <a:spAutoFit/>
+          </a:bodyPr>
+          <a:lstStyle/>
+          <a:p>
+            <a:r>
+              <a:rPr lang="en-US" dirty="0"/>
+              <a:t>Optimal Solution</a:t>
+            </a:r>
+          </a:p>
+        </p:txBody>
+      </p:sp>
+    </p:spTree>
+    <p:extLst>
+      <p:ext uri="{BB962C8B-B14F-4D97-AF65-F5344CB8AC3E}">
+        <p14:creationId xmlns:p14="http://schemas.microsoft.com/office/powerpoint/2010/main" val="3605576130"/>
+      </p:ext>
+    </p:extLst>
+  </p:cSld>
+  <p:clrMapOvr>
+    <a:masterClrMapping/>
+  </p:clrMapOvr>
+</p:sld>
+</file>
+
+<file path=ppt/slides/slide5.xml><?xml version="1.0" encoding="utf-8"?>
+<p:sld xmlns:a="http://schemas.openxmlformats.org/drawingml/2006/main" xmlns:r="http://schemas.openxmlformats.org/officeDocument/2006/relationships" xmlns:p="http://schemas.openxmlformats.org/presentationml/2006/main">
+  <p:cSld>
+    <p:bg>
+      <p:bgPr>
+        <a:solidFill>
+          <a:schemeClr val="bg1"/>
+        </a:solidFill>
+        <a:effectLst/>
+      </p:bgPr>
+    </p:bg>
+    <p:spTree>
+      <p:nvGrpSpPr>
+        <p:cNvPr id="1" name=""/>
+        <p:cNvGrpSpPr/>
+        <p:nvPr/>
+      </p:nvGrpSpPr>
+      <p:grpSpPr>
+        <a:xfrm>
+          <a:off x="0" y="0"/>
+          <a:ext cx="0" cy="0"/>
+          <a:chOff x="0" y="0"/>
+          <a:chExt cx="0" cy="0"/>
+        </a:xfrm>
+      </p:grpSpPr>
+      <p:sp useBgFill="1">
+        <p:nvSpPr>
+          <p:cNvPr id="20" name="Rectangle 19">
+            <a:extLst>
+              <a:ext uri="{FF2B5EF4-FFF2-40B4-BE49-F238E27FC236}">
+                <a16:creationId xmlns:a16="http://schemas.microsoft.com/office/drawing/2014/main" id="{B712E947-0734-45F9-9C4F-41114EC3A33E}"/>
+              </a:ext>
+              <a:ext uri="{C183D7F6-B498-43B3-948B-1728B52AA6E4}">
+                <adec:decorative xmlns:adec="http://schemas.microsoft.com/office/drawing/2017/decorative" val="1"/>
+              </a:ext>
+            </a:extLst>
+          </p:cNvPr>
+          <p:cNvSpPr>
+            <a:spLocks noGrp="1" noRot="1" noChangeAspect="1" noMove="1" noResize="1" noEditPoints="1" noAdjustHandles="1" noChangeArrowheads="1" noChangeShapeType="1" noTextEdit="1"/>
+          </p:cNvSpPr>
+          <p:nvPr>
+            <p:extLst>
+              <p:ext uri="{386F3935-93C4-4BCD-93E2-E3B085C9AB24}">
+                <p16:designElem xmlns:p16="http://schemas.microsoft.com/office/powerpoint/2015/main" val="1"/>
+              </p:ext>
+            </p:extLst>
+          </p:nvPr>
+        </p:nvSpPr>
+        <p:spPr>
+          <a:xfrm>
+            <a:off x="0" y="0"/>
+            <a:ext cx="12192000" cy="6858000"/>
+          </a:xfrm>
+          <a:prstGeom prst="rect">
+            <a:avLst/>
+          </a:prstGeom>
+          <a:ln w="12700" cap="flat" cmpd="sng" algn="ctr">
+            <a:noFill/>
+            <a:prstDash val="solid"/>
+            <a:miter lim="800000"/>
+          </a:ln>
+          <a:effectLst/>
+          <a:extLst>
+            <a:ext uri="{91240B29-F687-4F45-9708-019B960494DF}">
+              <a14:hiddenLine xmlns:a14="http://schemas.microsoft.com/office/drawing/2010/main" w="12700" cap="flat" cmpd="sng" algn="ctr">
+                <a:solidFill>
+                  <a:schemeClr val="accent1">
+                    <a:shade val="50000"/>
+                  </a:schemeClr>
+                </a:solidFill>
+                <a:prstDash val="solid"/>
+                <a:miter lim="800000"/>
+              </a14:hiddenLine>
+            </a:ext>
+          </a:extLst>
+        </p:spPr>
+        <p:style>
+          <a:lnRef idx="2">
+            <a:schemeClr val="accent1">
+              <a:shade val="50000"/>
+            </a:schemeClr>
+          </a:lnRef>
+          <a:fillRef idx="1">
+            <a:schemeClr val="accent1"/>
+          </a:fillRef>
+          <a:effectRef idx="0">
+            <a:schemeClr val="accent1"/>
+          </a:effectRef>
+          <a:fontRef idx="minor">
+            <a:schemeClr val="lt1"/>
+          </a:fontRef>
+        </p:style>
+        <p:txBody>
+          <a:bodyPr rtlCol="0" anchor="ctr"/>
+          <a:lstStyle/>
+          <a:p>
+            <a:pPr algn="ctr"/>
+            <a:endParaRPr lang="en-US"/>
+          </a:p>
+        </p:txBody>
+      </p:sp>
+      <p:sp>
+        <p:nvSpPr>
+          <p:cNvPr id="22" name="Rectangle 21">
+            <a:extLst>
+              <a:ext uri="{FF2B5EF4-FFF2-40B4-BE49-F238E27FC236}">
+                <a16:creationId xmlns:a16="http://schemas.microsoft.com/office/drawing/2014/main" id="{4C6B5652-C661-4C58-B937-F0F490F7FCB2}"/>
+              </a:ext>
+              <a:ext uri="{C183D7F6-B498-43B3-948B-1728B52AA6E4}">
+                <adec:decorative xmlns:adec="http://schemas.microsoft.com/office/drawing/2017/decorative" val="1"/>
+              </a:ext>
+            </a:extLst>
+          </p:cNvPr>
+          <p:cNvSpPr>
+            <a:spLocks noGrp="1" noRot="1" noChangeAspect="1" noMove="1" noResize="1" noEditPoints="1" noAdjustHandles="1" noChangeArrowheads="1" noChangeShapeType="1" noTextEdit="1"/>
+          </p:cNvSpPr>
+          <p:nvPr>
+            <p:extLst>
+              <p:ext uri="{386F3935-93C4-4BCD-93E2-E3B085C9AB24}">
+                <p16:designElem xmlns:p16="http://schemas.microsoft.com/office/powerpoint/2015/main" val="1"/>
+              </p:ext>
+            </p:extLst>
+          </p:nvPr>
+        </p:nvSpPr>
+        <p:spPr>
+          <a:xfrm rot="5400000" flipH="1">
+            <a:off x="-1410084" y="1410082"/>
+            <a:ext cx="6858000" cy="4037836"/>
+          </a:xfrm>
+          <a:prstGeom prst="rect">
+            <a:avLst/>
+          </a:prstGeom>
+          <a:gradFill>
+            <a:gsLst>
+              <a:gs pos="8000">
+                <a:srgbClr val="000000"/>
+              </a:gs>
+              <a:gs pos="100000">
+                <a:schemeClr val="accent1">
+                  <a:lumMod val="75000"/>
+                </a:schemeClr>
+              </a:gs>
+            </a:gsLst>
+            <a:lin ang="3000000" scaled="0"/>
+          </a:gradFill>
+          <a:ln>
+            <a:noFill/>
+          </a:ln>
+        </p:spPr>
+        <p:style>
+          <a:lnRef idx="2">
+            <a:schemeClr val="accent1">
+              <a:shade val="50000"/>
+            </a:schemeClr>
+          </a:lnRef>
+          <a:fillRef idx="1">
+            <a:schemeClr val="accent1"/>
+          </a:fillRef>
+          <a:effectRef idx="0">
+            <a:schemeClr val="accent1"/>
+          </a:effectRef>
+          <a:fontRef idx="minor">
+            <a:schemeClr val="lt1"/>
+          </a:fontRef>
+        </p:style>
+        <p:txBody>
+          <a:bodyPr rtlCol="0" anchor="ctr"/>
+          <a:lstStyle/>
+          <a:p>
+            <a:pPr algn="ctr"/>
+            <a:endParaRPr lang="en-US"/>
+          </a:p>
+        </p:txBody>
+      </p:sp>
+      <p:sp>
+        <p:nvSpPr>
+          <p:cNvPr id="24" name="Rectangle 23">
+            <a:extLst>
+              <a:ext uri="{FF2B5EF4-FFF2-40B4-BE49-F238E27FC236}">
+                <a16:creationId xmlns:a16="http://schemas.microsoft.com/office/drawing/2014/main" id="{0B936867-6407-43FB-9DE6-1B0879D0CB31}"/>
+              </a:ext>
+              <a:ext uri="{C183D7F6-B498-43B3-948B-1728B52AA6E4}">
+                <adec:decorative xmlns:adec="http://schemas.microsoft.com/office/drawing/2017/decorative" val="1"/>
+              </a:ext>
+            </a:extLst>
+          </p:cNvPr>
+          <p:cNvSpPr>
+            <a:spLocks noGrp="1" noRot="1" noChangeAspect="1" noMove="1" noResize="1" noEditPoints="1" noAdjustHandles="1" noChangeArrowheads="1" noChangeShapeType="1" noTextEdit="1"/>
+          </p:cNvSpPr>
+          <p:nvPr>
+            <p:extLst>
+              <p:ext uri="{386F3935-93C4-4BCD-93E2-E3B085C9AB24}">
+                <p16:designElem xmlns:p16="http://schemas.microsoft.com/office/powerpoint/2015/main" val="1"/>
+              </p:ext>
+            </p:extLst>
+          </p:nvPr>
+        </p:nvSpPr>
+        <p:spPr>
+          <a:xfrm rot="5400000" flipH="1">
+            <a:off x="-1410085" y="1420219"/>
+            <a:ext cx="6857999" cy="4037839"/>
+          </a:xfrm>
+          <a:prstGeom prst="rect">
+            <a:avLst/>
+          </a:prstGeom>
+          <a:gradFill>
+            <a:gsLst>
+              <a:gs pos="0">
+                <a:srgbClr val="000000">
+                  <a:alpha val="0"/>
+                </a:srgbClr>
+              </a:gs>
+              <a:gs pos="99000">
+                <a:schemeClr val="accent1">
+                  <a:alpha val="46000"/>
+                </a:schemeClr>
+              </a:gs>
+            </a:gsLst>
+            <a:lin ang="1800000" scaled="0"/>
+          </a:gradFill>
+          <a:ln>
+            <a:noFill/>
+          </a:ln>
+        </p:spPr>
+        <p:style>
+          <a:lnRef idx="2">
+            <a:schemeClr val="accent1">
+              <a:shade val="50000"/>
+            </a:schemeClr>
+          </a:lnRef>
+          <a:fillRef idx="1">
+            <a:schemeClr val="accent1"/>
+          </a:fillRef>
+          <a:effectRef idx="0">
+            <a:schemeClr val="accent1"/>
+          </a:effectRef>
+          <a:fontRef idx="minor">
+            <a:schemeClr val="lt1"/>
+          </a:fontRef>
+        </p:style>
+        <p:txBody>
+          <a:bodyPr rtlCol="0" anchor="ctr"/>
+          <a:lstStyle/>
+          <a:p>
+            <a:pPr algn="ctr"/>
+            <a:endParaRPr lang="en-US"/>
+          </a:p>
+        </p:txBody>
+      </p:sp>
+      <p:sp>
+        <p:nvSpPr>
+          <p:cNvPr id="26" name="Rectangle 25">
+            <a:extLst>
+              <a:ext uri="{FF2B5EF4-FFF2-40B4-BE49-F238E27FC236}">
+                <a16:creationId xmlns:a16="http://schemas.microsoft.com/office/drawing/2014/main" id="{ACD0B258-678B-4A8C-894F-848AF24A1922}"/>
+              </a:ext>
+              <a:ext uri="{C183D7F6-B498-43B3-948B-1728B52AA6E4}">
+                <adec:decorative xmlns:adec="http://schemas.microsoft.com/office/drawing/2017/decorative" val="1"/>
+              </a:ext>
+            </a:extLst>
+          </p:cNvPr>
+          <p:cNvSpPr>
+            <a:spLocks noGrp="1" noRot="1" noChangeAspect="1" noMove="1" noResize="1" noEditPoints="1" noAdjustHandles="1" noChangeArrowheads="1" noChangeShapeType="1" noTextEdit="1"/>
+          </p:cNvSpPr>
+          <p:nvPr>
+            <p:extLst>
+              <p:ext uri="{386F3935-93C4-4BCD-93E2-E3B085C9AB24}">
+                <p16:designElem xmlns:p16="http://schemas.microsoft.com/office/powerpoint/2015/main" val="1"/>
+              </p:ext>
+            </p:extLst>
+          </p:nvPr>
+        </p:nvSpPr>
+        <p:spPr>
+          <a:xfrm rot="5400000" flipH="1">
+            <a:off x="767923" y="3588085"/>
+            <a:ext cx="2501979" cy="4037841"/>
+          </a:xfrm>
+          <a:prstGeom prst="rect">
+            <a:avLst/>
+          </a:prstGeom>
+          <a:gradFill>
+            <a:gsLst>
+              <a:gs pos="2000">
+                <a:schemeClr val="accent1">
+                  <a:alpha val="29000"/>
+                </a:schemeClr>
+              </a:gs>
+              <a:gs pos="100000">
+                <a:srgbClr val="000000">
+                  <a:alpha val="30000"/>
+                </a:srgbClr>
+              </a:gs>
+            </a:gsLst>
+            <a:lin ang="7800000" scaled="0"/>
+          </a:gradFill>
+          <a:ln>
+            <a:noFill/>
+          </a:ln>
+        </p:spPr>
+        <p:style>
+          <a:lnRef idx="2">
+            <a:schemeClr val="accent1">
+              <a:shade val="50000"/>
+            </a:schemeClr>
+          </a:lnRef>
+          <a:fillRef idx="1">
+            <a:schemeClr val="accent1"/>
+          </a:fillRef>
+          <a:effectRef idx="0">
+            <a:schemeClr val="accent1"/>
+          </a:effectRef>
+          <a:fontRef idx="minor">
+            <a:schemeClr val="lt1"/>
+          </a:fontRef>
+        </p:style>
+        <p:txBody>
+          <a:bodyPr rtlCol="0" anchor="ctr"/>
+          <a:lstStyle/>
+          <a:p>
+            <a:pPr algn="ctr"/>
+            <a:endParaRPr lang="en-US" dirty="0"/>
+          </a:p>
+        </p:txBody>
+      </p:sp>
+      <p:sp>
+        <p:nvSpPr>
+          <p:cNvPr id="28" name="Freeform: Shape 27">
+            <a:extLst>
+              <a:ext uri="{FF2B5EF4-FFF2-40B4-BE49-F238E27FC236}">
+                <a16:creationId xmlns:a16="http://schemas.microsoft.com/office/drawing/2014/main" id="{C8D58395-74AF-401A-AF2F-76B6FCF71DFE}"/>
+              </a:ext>
+              <a:ext uri="{C183D7F6-B498-43B3-948B-1728B52AA6E4}">
+                <adec:decorative xmlns:adec="http://schemas.microsoft.com/office/drawing/2017/decorative" val="1"/>
+              </a:ext>
+            </a:extLst>
+          </p:cNvPr>
+          <p:cNvSpPr>
+            <a:spLocks noGrp="1" noRot="1" noChangeAspect="1" noMove="1" noResize="1" noEditPoints="1" noAdjustHandles="1" noChangeArrowheads="1" noChangeShapeType="1" noTextEdit="1"/>
+          </p:cNvSpPr>
+          <p:nvPr>
+            <p:extLst>
+              <p:ext uri="{386F3935-93C4-4BCD-93E2-E3B085C9AB24}">
+                <p16:designElem xmlns:p16="http://schemas.microsoft.com/office/powerpoint/2015/main" val="1"/>
+              </p:ext>
+            </p:extLst>
+          </p:nvPr>
+        </p:nvSpPr>
+        <p:spPr>
+          <a:xfrm rot="20635413">
+            <a:off x="-501737" y="969718"/>
+            <a:ext cx="3900357" cy="4178958"/>
+          </a:xfrm>
+          <a:custGeom>
+            <a:avLst/>
+            <a:gdLst>
+              <a:gd name="connsiteX0" fmla="*/ 2432225 w 3900357"/>
+              <a:gd name="connsiteY0" fmla="*/ 93939 h 4178958"/>
+              <a:gd name="connsiteX1" fmla="*/ 3900357 w 3900357"/>
+              <a:gd name="connsiteY1" fmla="*/ 2089479 h 4178958"/>
+              <a:gd name="connsiteX2" fmla="*/ 1810878 w 3900357"/>
+              <a:gd name="connsiteY2" fmla="*/ 4178958 h 4178958"/>
+              <a:gd name="connsiteX3" fmla="*/ 78249 w 3900357"/>
+              <a:gd name="connsiteY3" fmla="*/ 3257727 h 4178958"/>
+              <a:gd name="connsiteX4" fmla="*/ 0 w 3900357"/>
+              <a:gd name="connsiteY4" fmla="*/ 3128923 h 4178958"/>
+              <a:gd name="connsiteX5" fmla="*/ 831324 w 3900357"/>
+              <a:gd name="connsiteY5" fmla="*/ 244281 h 4178958"/>
+              <a:gd name="connsiteX6" fmla="*/ 997559 w 3900357"/>
+              <a:gd name="connsiteY6" fmla="*/ 164202 h 4178958"/>
+              <a:gd name="connsiteX7" fmla="*/ 1810878 w 3900357"/>
+              <a:gd name="connsiteY7" fmla="*/ 0 h 4178958"/>
+              <a:gd name="connsiteX8" fmla="*/ 2432225 w 3900357"/>
+              <a:gd name="connsiteY8" fmla="*/ 93939 h 4178958"/>
+            </a:gdLst>
+            <a:ahLst/>
+            <a:cxnLst>
+              <a:cxn ang="0">
+                <a:pos x="connsiteX0" y="connsiteY0"/>
+              </a:cxn>
+              <a:cxn ang="0">
+                <a:pos x="connsiteX1" y="connsiteY1"/>
+              </a:cxn>
+              <a:cxn ang="0">
+                <a:pos x="connsiteX2" y="connsiteY2"/>
+              </a:cxn>
+              <a:cxn ang="0">
+                <a:pos x="connsiteX3" y="connsiteY3"/>
+              </a:cxn>
+              <a:cxn ang="0">
+                <a:pos x="connsiteX4" y="connsiteY4"/>
+              </a:cxn>
+              <a:cxn ang="0">
+                <a:pos x="connsiteX5" y="connsiteY5"/>
+              </a:cxn>
+              <a:cxn ang="0">
+                <a:pos x="connsiteX6" y="connsiteY6"/>
+              </a:cxn>
+              <a:cxn ang="0">
+                <a:pos x="connsiteX7" y="connsiteY7"/>
+              </a:cxn>
+              <a:cxn ang="0">
+                <a:pos x="connsiteX8" y="connsiteY8"/>
+              </a:cxn>
+            </a:cxnLst>
+            <a:rect l="l" t="t" r="r" b="b"/>
+            <a:pathLst>
+              <a:path w="3900357" h="4178958">
+                <a:moveTo>
+                  <a:pt x="2432225" y="93939"/>
+                </a:moveTo>
+                <a:cubicBezTo>
+                  <a:pt x="3282786" y="358491"/>
+                  <a:pt x="3900357" y="1151865"/>
+                  <a:pt x="3900357" y="2089479"/>
+                </a:cubicBezTo>
+                <a:cubicBezTo>
+                  <a:pt x="3900357" y="3243466"/>
+                  <a:pt x="2964865" y="4178958"/>
+                  <a:pt x="1810878" y="4178958"/>
+                </a:cubicBezTo>
+                <a:cubicBezTo>
+                  <a:pt x="1089636" y="4178958"/>
+                  <a:pt x="453744" y="3813531"/>
+                  <a:pt x="78249" y="3257727"/>
+                </a:cubicBezTo>
+                <a:lnTo>
+                  <a:pt x="0" y="3128923"/>
+                </a:lnTo>
+                <a:lnTo>
+                  <a:pt x="831324" y="244281"/>
+                </a:lnTo>
+                <a:lnTo>
+                  <a:pt x="997559" y="164202"/>
+                </a:lnTo>
+                <a:cubicBezTo>
+                  <a:pt x="1247540" y="58468"/>
+                  <a:pt x="1522381" y="0"/>
+                  <a:pt x="1810878" y="0"/>
+                </a:cubicBezTo>
+                <a:cubicBezTo>
+                  <a:pt x="2027251" y="0"/>
+                  <a:pt x="2235942" y="32888"/>
+                  <a:pt x="2432225" y="93939"/>
+                </a:cubicBezTo>
+                <a:close/>
+              </a:path>
+            </a:pathLst>
+          </a:custGeom>
+          <a:gradFill>
+            <a:gsLst>
+              <a:gs pos="29000">
+                <a:srgbClr val="000000">
+                  <a:alpha val="0"/>
+                </a:srgbClr>
+              </a:gs>
+              <a:gs pos="100000">
+                <a:schemeClr val="accent1">
+                  <a:alpha val="43000"/>
+                </a:schemeClr>
+              </a:gs>
+            </a:gsLst>
+            <a:lin ang="1800000" scaled="0"/>
+          </a:gradFill>
+          <a:ln>
+            <a:noFill/>
+          </a:ln>
+        </p:spPr>
+        <p:style>
+          <a:lnRef idx="2">
+            <a:schemeClr val="accent1">
+              <a:shade val="50000"/>
+            </a:schemeClr>
+          </a:lnRef>
+          <a:fillRef idx="1">
+            <a:schemeClr val="accent1"/>
+          </a:fillRef>
+          <a:effectRef idx="0">
+            <a:schemeClr val="accent1"/>
+          </a:effectRef>
+          <a:fontRef idx="minor">
+            <a:schemeClr val="lt1"/>
+          </a:fontRef>
+        </p:style>
+        <p:txBody>
+          <a:bodyPr wrap="square" rtlCol="0" anchor="ctr">
+            <a:noAutofit/>
+          </a:bodyPr>
+          <a:lstStyle/>
+          <a:p>
+            <a:pPr algn="ctr"/>
+            <a:endParaRPr lang="en-US" dirty="0"/>
+          </a:p>
+        </p:txBody>
+      </p:sp>
+      <p:sp>
+        <p:nvSpPr>
+          <p:cNvPr id="30" name="Rectangle 29">
+            <a:extLst>
+              <a:ext uri="{FF2B5EF4-FFF2-40B4-BE49-F238E27FC236}">
+                <a16:creationId xmlns:a16="http://schemas.microsoft.com/office/drawing/2014/main" id="{2F003F3F-F118-41D2-AA3F-74DB0D1970BB}"/>
+              </a:ext>
+              <a:ext uri="{C183D7F6-B498-43B3-948B-1728B52AA6E4}">
+                <adec:decorative xmlns:adec="http://schemas.microsoft.com/office/drawing/2017/decorative" val="1"/>
+              </a:ext>
+            </a:extLst>
+          </p:cNvPr>
+          <p:cNvSpPr>
+            <a:spLocks noGrp="1" noRot="1" noChangeAspect="1" noMove="1" noResize="1" noEditPoints="1" noAdjustHandles="1" noChangeArrowheads="1" noChangeShapeType="1" noTextEdit="1"/>
+          </p:cNvSpPr>
+          <p:nvPr>
+            <p:extLst>
+              <p:ext uri="{386F3935-93C4-4BCD-93E2-E3B085C9AB24}">
+                <p16:designElem xmlns:p16="http://schemas.microsoft.com/office/powerpoint/2015/main" val="1"/>
+              </p:ext>
+            </p:extLst>
+          </p:nvPr>
+        </p:nvSpPr>
+        <p:spPr>
+          <a:xfrm rot="5400000" flipH="1">
+            <a:off x="-1410095" y="1410079"/>
+            <a:ext cx="6858003" cy="4037835"/>
+          </a:xfrm>
+          <a:prstGeom prst="rect">
+            <a:avLst/>
+          </a:prstGeom>
+          <a:gradFill>
+            <a:gsLst>
+              <a:gs pos="0">
+                <a:srgbClr val="000000">
+                  <a:alpha val="0"/>
+                </a:srgbClr>
+              </a:gs>
+              <a:gs pos="99000">
+                <a:schemeClr val="accent1">
+                  <a:lumMod val="60000"/>
+                  <a:lumOff val="40000"/>
+                  <a:alpha val="11000"/>
+                </a:schemeClr>
+              </a:gs>
+            </a:gsLst>
+            <a:lin ang="7200000" scaled="0"/>
+          </a:gradFill>
+          <a:ln>
+            <a:noFill/>
+          </a:ln>
+        </p:spPr>
+        <p:style>
+          <a:lnRef idx="2">
+            <a:schemeClr val="accent1">
+              <a:shade val="50000"/>
+            </a:schemeClr>
+          </a:lnRef>
+          <a:fillRef idx="1">
+            <a:schemeClr val="accent1"/>
+          </a:fillRef>
+          <a:effectRef idx="0">
+            <a:schemeClr val="accent1"/>
+          </a:effectRef>
+          <a:fontRef idx="minor">
+            <a:schemeClr val="lt1"/>
+          </a:fontRef>
+        </p:style>
+        <p:txBody>
+          <a:bodyPr rtlCol="0" anchor="ctr"/>
+          <a:lstStyle/>
+          <a:p>
+            <a:pPr algn="ctr"/>
+            <a:endParaRPr lang="en-US"/>
+          </a:p>
+        </p:txBody>
+      </p:sp>
+      <p:sp>
+        <p:nvSpPr>
+          <p:cNvPr id="2" name="Title 1">
+            <a:extLst>
+              <a:ext uri="{FF2B5EF4-FFF2-40B4-BE49-F238E27FC236}">
+                <a16:creationId xmlns:a16="http://schemas.microsoft.com/office/drawing/2014/main" id="{72CA220E-0D04-4091-B38D-FECFD40A2F4E}"/>
+              </a:ext>
+            </a:extLst>
+          </p:cNvPr>
+          <p:cNvSpPr>
+            <a:spLocks noGrp="1"/>
+          </p:cNvSpPr>
+          <p:nvPr>
+            <p:ph type="title"/>
+          </p:nvPr>
+        </p:nvSpPr>
+        <p:spPr>
+          <a:xfrm>
+            <a:off x="806825" y="457201"/>
+            <a:ext cx="2844800" cy="3588870"/>
+          </a:xfrm>
+        </p:spPr>
+        <p:txBody>
+          <a:bodyPr anchor="b">
+            <a:normAutofit/>
+          </a:bodyPr>
+          <a:lstStyle/>
+          <a:p>
+            <a:pPr algn="r"/>
+            <a:r>
+              <a:rPr lang="en-US" sz="4000">
+                <a:solidFill>
+                  <a:srgbClr val="FFFFFF"/>
+                </a:solidFill>
+              </a:rPr>
+              <a:t>Not Always Optimal</a:t>
+            </a:r>
+          </a:p>
+        </p:txBody>
+      </p:sp>
+      <p:sp>
+        <p:nvSpPr>
+          <p:cNvPr id="10" name="Content Placeholder 9">
+            <a:extLst>
+              <a:ext uri="{FF2B5EF4-FFF2-40B4-BE49-F238E27FC236}">
+                <a16:creationId xmlns:a16="http://schemas.microsoft.com/office/drawing/2014/main" id="{4478694E-6EF3-A33C-E535-CC43ABE9E651}"/>
+              </a:ext>
+            </a:extLst>
+          </p:cNvPr>
+          <p:cNvSpPr>
+            <a:spLocks noGrp="1"/>
+          </p:cNvSpPr>
+          <p:nvPr>
+            <p:ph idx="1"/>
+          </p:nvPr>
+        </p:nvSpPr>
+        <p:spPr>
+          <a:xfrm>
+            <a:off x="4649245" y="669363"/>
+            <a:ext cx="3290579" cy="5534211"/>
+          </a:xfrm>
+        </p:spPr>
+        <p:txBody>
+          <a:bodyPr anchor="ctr">
+            <a:normAutofit/>
+          </a:bodyPr>
+          <a:lstStyle/>
+          <a:p>
+            <a:r>
+              <a:rPr lang="en-US" sz="2000"/>
+              <a:t>The above graph represents the optimal solution possible for the graph</a:t>
+            </a:r>
+          </a:p>
+          <a:p>
+            <a:r>
+              <a:rPr lang="en-US" sz="2000"/>
+              <a:t>The below graph represents the results of our approximation algorithm</a:t>
+            </a:r>
+          </a:p>
+          <a:p>
+            <a:r>
+              <a:rPr lang="en-US" sz="2000"/>
+              <a:t>The approximation solution does yield a valid result however it is not the most optimal solution</a:t>
+            </a:r>
+          </a:p>
+          <a:p>
+            <a:pPr lvl="1"/>
+            <a:r>
+              <a:rPr lang="en-US" sz="2000"/>
+              <a:t>Optimal Solution: 3 Colors</a:t>
+            </a:r>
+          </a:p>
+          <a:p>
+            <a:pPr lvl="1"/>
+            <a:r>
+              <a:rPr lang="en-US" sz="2000"/>
+              <a:t>Approximation Solution: 7 Colors</a:t>
+            </a:r>
+          </a:p>
+        </p:txBody>
+      </p:sp>
+      <p:pic>
+        <p:nvPicPr>
+          <p:cNvPr id="5" name="Content Placeholder 4" descr="Diagram&#10;&#10;Description automatically generated">
+            <a:extLst>
+              <a:ext uri="{FF2B5EF4-FFF2-40B4-BE49-F238E27FC236}">
+                <a16:creationId xmlns:a16="http://schemas.microsoft.com/office/drawing/2014/main" id="{D9DD0204-9F26-478D-9C67-0A3A863A87F2}"/>
+              </a:ext>
+            </a:extLst>
+          </p:cNvPr>
+          <p:cNvPicPr>
+            <a:picLocks noChangeAspect="1"/>
+          </p:cNvPicPr>
+          <p:nvPr/>
+        </p:nvPicPr>
+        <p:blipFill>
+          <a:blip r:embed="rId2">
+            <a:extLst>
+              <a:ext uri="{28A0092B-C50C-407E-A947-70E740481C1C}">
+                <a14:useLocalDpi xmlns:a14="http://schemas.microsoft.com/office/drawing/2010/main" val="0"/>
+              </a:ext>
+            </a:extLst>
+          </a:blip>
+          <a:stretch>
+            <a:fillRect/>
+          </a:stretch>
+        </p:blipFill>
+        <p:spPr>
+          <a:xfrm>
+            <a:off x="8775486" y="3770671"/>
+            <a:ext cx="2533250" cy="2381255"/>
+          </a:xfrm>
+          <a:prstGeom prst="rect">
+            <a:avLst/>
+          </a:prstGeom>
+        </p:spPr>
+      </p:pic>
+      <p:pic>
+        <p:nvPicPr>
+          <p:cNvPr id="6" name="Picture 5" descr="A group of colorful lights&#10;&#10;Description automatically generated with low confidence">
+            <a:extLst>
+              <a:ext uri="{FF2B5EF4-FFF2-40B4-BE49-F238E27FC236}">
+                <a16:creationId xmlns:a16="http://schemas.microsoft.com/office/drawing/2014/main" id="{8E5B1E94-96EF-42D2-AA58-FE34B68EFF80}"/>
+              </a:ext>
+            </a:extLst>
+          </p:cNvPr>
+          <p:cNvPicPr>
+            <a:picLocks noChangeAspect="1"/>
+          </p:cNvPicPr>
+          <p:nvPr/>
+        </p:nvPicPr>
+        <p:blipFill rotWithShape="1">
+          <a:blip r:embed="rId3"/>
+          <a:srcRect l="225" r="838" b="2"/>
+          <a:stretch/>
+        </p:blipFill>
+        <p:spPr>
+          <a:xfrm>
+            <a:off x="8837832" y="669363"/>
+            <a:ext cx="2470904" cy="2395235"/>
           </a:xfrm>
           <a:prstGeom prst="rect">
             <a:avLst/>
@@ -5009,6 +6129,14 @@
 <file path=ppt/slides/slide6.xml><?xml version="1.0" encoding="utf-8"?>
 <p:sld xmlns:a="http://schemas.openxmlformats.org/drawingml/2006/main" xmlns:r="http://schemas.openxmlformats.org/officeDocument/2006/relationships" xmlns:p="http://schemas.openxmlformats.org/presentationml/2006/main">
   <p:cSld>
+    <p:bg>
+      <p:bgPr>
+        <a:solidFill>
+          <a:schemeClr val="bg1"/>
+        </a:solidFill>
+        <a:effectLst/>
+      </p:bgPr>
+    </p:bg>
     <p:spTree>
       <p:nvGrpSpPr>
         <p:cNvPr id="1" name=""/>
@@ -5023,6 +6151,479 @@
           <a:chExt cx="0" cy="0"/>
         </a:xfrm>
       </p:grpSpPr>
+      <p:sp useBgFill="1">
+        <p:nvSpPr>
+          <p:cNvPr id="10" name="Rectangle 9">
+            <a:extLst>
+              <a:ext uri="{FF2B5EF4-FFF2-40B4-BE49-F238E27FC236}">
+                <a16:creationId xmlns:a16="http://schemas.microsoft.com/office/drawing/2014/main" id="{A8384FB5-9ADC-4DDC-881B-597D56F5B15D}"/>
+              </a:ext>
+              <a:ext uri="{C183D7F6-B498-43B3-948B-1728B52AA6E4}">
+                <adec:decorative xmlns:adec="http://schemas.microsoft.com/office/drawing/2017/decorative" val="1"/>
+              </a:ext>
+            </a:extLst>
+          </p:cNvPr>
+          <p:cNvSpPr>
+            <a:spLocks noGrp="1" noRot="1" noChangeAspect="1" noMove="1" noResize="1" noEditPoints="1" noAdjustHandles="1" noChangeArrowheads="1" noChangeShapeType="1" noTextEdit="1"/>
+          </p:cNvSpPr>
+          <p:nvPr>
+            <p:extLst>
+              <p:ext uri="{386F3935-93C4-4BCD-93E2-E3B085C9AB24}">
+                <p16:designElem xmlns:p16="http://schemas.microsoft.com/office/powerpoint/2015/main" val="1"/>
+              </p:ext>
+            </p:extLst>
+          </p:nvPr>
+        </p:nvSpPr>
+        <p:spPr>
+          <a:xfrm>
+            <a:off x="0" y="0"/>
+            <a:ext cx="12192000" cy="6858000"/>
+          </a:xfrm>
+          <a:prstGeom prst="rect">
+            <a:avLst/>
+          </a:prstGeom>
+          <a:ln w="12700" cap="flat" cmpd="sng" algn="ctr">
+            <a:noFill/>
+            <a:prstDash val="solid"/>
+            <a:miter lim="800000"/>
+          </a:ln>
+          <a:effectLst/>
+          <a:extLst>
+            <a:ext uri="{91240B29-F687-4F45-9708-019B960494DF}">
+              <a14:hiddenLine xmlns:a14="http://schemas.microsoft.com/office/drawing/2010/main" w="12700" cap="flat" cmpd="sng" algn="ctr">
+                <a:solidFill>
+                  <a:schemeClr val="accent1">
+                    <a:shade val="50000"/>
+                  </a:schemeClr>
+                </a:solidFill>
+                <a:prstDash val="solid"/>
+                <a:miter lim="800000"/>
+              </a14:hiddenLine>
+            </a:ext>
+          </a:extLst>
+        </p:spPr>
+        <p:style>
+          <a:lnRef idx="2">
+            <a:schemeClr val="accent1">
+              <a:shade val="50000"/>
+            </a:schemeClr>
+          </a:lnRef>
+          <a:fillRef idx="1">
+            <a:schemeClr val="accent1"/>
+          </a:fillRef>
+          <a:effectRef idx="0">
+            <a:schemeClr val="accent1"/>
+          </a:effectRef>
+          <a:fontRef idx="minor">
+            <a:schemeClr val="lt1"/>
+          </a:fontRef>
+        </p:style>
+        <p:txBody>
+          <a:bodyPr rtlCol="0" anchor="ctr"/>
+          <a:lstStyle/>
+          <a:p>
+            <a:pPr algn="ctr"/>
+            <a:endParaRPr lang="en-US"/>
+          </a:p>
+        </p:txBody>
+      </p:sp>
+      <p:sp>
+        <p:nvSpPr>
+          <p:cNvPr id="12" name="Rectangle 11">
+            <a:extLst>
+              <a:ext uri="{FF2B5EF4-FFF2-40B4-BE49-F238E27FC236}">
+                <a16:creationId xmlns:a16="http://schemas.microsoft.com/office/drawing/2014/main" id="{91E5A9A7-95C6-4F4F-B00E-C82E07FE62EF}"/>
+              </a:ext>
+              <a:ext uri="{C183D7F6-B498-43B3-948B-1728B52AA6E4}">
+                <adec:decorative xmlns:adec="http://schemas.microsoft.com/office/drawing/2017/decorative" val="1"/>
+              </a:ext>
+            </a:extLst>
+          </p:cNvPr>
+          <p:cNvSpPr>
+            <a:spLocks noGrp="1" noRot="1" noChangeAspect="1" noMove="1" noResize="1" noEditPoints="1" noAdjustHandles="1" noChangeArrowheads="1" noChangeShapeType="1" noTextEdit="1"/>
+          </p:cNvSpPr>
+          <p:nvPr>
+            <p:extLst>
+              <p:ext uri="{386F3935-93C4-4BCD-93E2-E3B085C9AB24}">
+                <p16:designElem xmlns:p16="http://schemas.microsoft.com/office/powerpoint/2015/main" val="1"/>
+              </p:ext>
+            </p:extLst>
+          </p:nvPr>
+        </p:nvSpPr>
+        <p:spPr>
+          <a:xfrm rot="5400000" flipH="1">
+            <a:off x="-1417539" y="1417538"/>
+            <a:ext cx="6875818" cy="4040744"/>
+          </a:xfrm>
+          <a:prstGeom prst="rect">
+            <a:avLst/>
+          </a:prstGeom>
+          <a:gradFill>
+            <a:gsLst>
+              <a:gs pos="0">
+                <a:srgbClr val="000000"/>
+              </a:gs>
+              <a:gs pos="100000">
+                <a:schemeClr val="accent1">
+                  <a:lumMod val="75000"/>
+                </a:schemeClr>
+              </a:gs>
+            </a:gsLst>
+            <a:lin ang="18600000" scaled="0"/>
+          </a:gradFill>
+          <a:ln>
+            <a:noFill/>
+          </a:ln>
+        </p:spPr>
+        <p:style>
+          <a:lnRef idx="2">
+            <a:schemeClr val="accent1">
+              <a:shade val="50000"/>
+            </a:schemeClr>
+          </a:lnRef>
+          <a:fillRef idx="1">
+            <a:schemeClr val="accent1"/>
+          </a:fillRef>
+          <a:effectRef idx="0">
+            <a:schemeClr val="accent1"/>
+          </a:effectRef>
+          <a:fontRef idx="minor">
+            <a:schemeClr val="lt1"/>
+          </a:fontRef>
+        </p:style>
+        <p:txBody>
+          <a:bodyPr rtlCol="0" anchor="ctr"/>
+          <a:lstStyle/>
+          <a:p>
+            <a:pPr algn="ctr"/>
+            <a:endParaRPr lang="en-US" dirty="0"/>
+          </a:p>
+        </p:txBody>
+      </p:sp>
+      <p:sp>
+        <p:nvSpPr>
+          <p:cNvPr id="14" name="Rectangle 13">
+            <a:extLst>
+              <a:ext uri="{FF2B5EF4-FFF2-40B4-BE49-F238E27FC236}">
+                <a16:creationId xmlns:a16="http://schemas.microsoft.com/office/drawing/2014/main" id="{D07DD2DE-F619-49DD-B5E7-03A290FF4ED1}"/>
+              </a:ext>
+              <a:ext uri="{C183D7F6-B498-43B3-948B-1728B52AA6E4}">
+                <adec:decorative xmlns:adec="http://schemas.microsoft.com/office/drawing/2017/decorative" val="1"/>
+              </a:ext>
+            </a:extLst>
+          </p:cNvPr>
+          <p:cNvSpPr>
+            <a:spLocks noGrp="1" noRot="1" noChangeAspect="1" noMove="1" noResize="1" noEditPoints="1" noAdjustHandles="1" noChangeArrowheads="1" noChangeShapeType="1" noTextEdit="1"/>
+          </p:cNvSpPr>
+          <p:nvPr>
+            <p:extLst>
+              <p:ext uri="{386F3935-93C4-4BCD-93E2-E3B085C9AB24}">
+                <p16:designElem xmlns:p16="http://schemas.microsoft.com/office/powerpoint/2015/main" val="1"/>
+              </p:ext>
+            </p:extLst>
+          </p:nvPr>
+        </p:nvSpPr>
+        <p:spPr>
+          <a:xfrm rot="16200000">
+            <a:off x="-158495" y="2660473"/>
+            <a:ext cx="4355594" cy="4038603"/>
+          </a:xfrm>
+          <a:prstGeom prst="rect">
+            <a:avLst/>
+          </a:prstGeom>
+          <a:gradFill>
+            <a:gsLst>
+              <a:gs pos="0">
+                <a:schemeClr val="accent1">
+                  <a:alpha val="50000"/>
+                </a:schemeClr>
+              </a:gs>
+              <a:gs pos="100000">
+                <a:schemeClr val="accent1">
+                  <a:lumMod val="50000"/>
+                  <a:alpha val="0"/>
+                </a:schemeClr>
+              </a:gs>
+            </a:gsLst>
+            <a:lin ang="11400000" scaled="0"/>
+          </a:gradFill>
+          <a:ln>
+            <a:noFill/>
+          </a:ln>
+        </p:spPr>
+        <p:style>
+          <a:lnRef idx="2">
+            <a:schemeClr val="accent1">
+              <a:shade val="50000"/>
+            </a:schemeClr>
+          </a:lnRef>
+          <a:fillRef idx="1">
+            <a:schemeClr val="accent1"/>
+          </a:fillRef>
+          <a:effectRef idx="0">
+            <a:schemeClr val="accent1"/>
+          </a:effectRef>
+          <a:fontRef idx="minor">
+            <a:schemeClr val="lt1"/>
+          </a:fontRef>
+        </p:style>
+        <p:txBody>
+          <a:bodyPr rtlCol="0" anchor="ctr"/>
+          <a:lstStyle/>
+          <a:p>
+            <a:pPr algn="ctr"/>
+            <a:endParaRPr lang="en-US"/>
+          </a:p>
+        </p:txBody>
+      </p:sp>
+      <p:sp>
+        <p:nvSpPr>
+          <p:cNvPr id="16" name="Rectangle 15">
+            <a:extLst>
+              <a:ext uri="{FF2B5EF4-FFF2-40B4-BE49-F238E27FC236}">
+                <a16:creationId xmlns:a16="http://schemas.microsoft.com/office/drawing/2014/main" id="{85149191-5F60-4A28-AAFF-039F96B0F3EC}"/>
+              </a:ext>
+              <a:ext uri="{C183D7F6-B498-43B3-948B-1728B52AA6E4}">
+                <adec:decorative xmlns:adec="http://schemas.microsoft.com/office/drawing/2017/decorative" val="1"/>
+              </a:ext>
+            </a:extLst>
+          </p:cNvPr>
+          <p:cNvSpPr>
+            <a:spLocks noGrp="1" noRot="1" noChangeAspect="1" noMove="1" noResize="1" noEditPoints="1" noAdjustHandles="1" noChangeArrowheads="1" noChangeShapeType="1" noTextEdit="1"/>
+          </p:cNvSpPr>
+          <p:nvPr>
+            <p:extLst>
+              <p:ext uri="{386F3935-93C4-4BCD-93E2-E3B085C9AB24}">
+                <p16:designElem xmlns:p16="http://schemas.microsoft.com/office/powerpoint/2015/main" val="1"/>
+              </p:ext>
+            </p:extLst>
+          </p:nvPr>
+        </p:nvSpPr>
+        <p:spPr>
+          <a:xfrm rot="16200000" flipH="1">
+            <a:off x="-1180882" y="1638085"/>
+            <a:ext cx="6857572" cy="3581401"/>
+          </a:xfrm>
+          <a:prstGeom prst="rect">
+            <a:avLst/>
+          </a:prstGeom>
+          <a:gradFill>
+            <a:gsLst>
+              <a:gs pos="0">
+                <a:srgbClr val="000000">
+                  <a:alpha val="59000"/>
+                </a:srgbClr>
+              </a:gs>
+              <a:gs pos="69000">
+                <a:schemeClr val="accent1">
+                  <a:alpha val="0"/>
+                </a:schemeClr>
+              </a:gs>
+            </a:gsLst>
+            <a:lin ang="13200000" scaled="0"/>
+          </a:gradFill>
+          <a:ln>
+            <a:noFill/>
+          </a:ln>
+        </p:spPr>
+        <p:style>
+          <a:lnRef idx="2">
+            <a:schemeClr val="accent1">
+              <a:shade val="50000"/>
+            </a:schemeClr>
+          </a:lnRef>
+          <a:fillRef idx="1">
+            <a:schemeClr val="accent1"/>
+          </a:fillRef>
+          <a:effectRef idx="0">
+            <a:schemeClr val="accent1"/>
+          </a:effectRef>
+          <a:fontRef idx="minor">
+            <a:schemeClr val="lt1"/>
+          </a:fontRef>
+        </p:style>
+        <p:txBody>
+          <a:bodyPr rtlCol="0" anchor="ctr"/>
+          <a:lstStyle/>
+          <a:p>
+            <a:pPr algn="ctr"/>
+            <a:endParaRPr lang="en-US" dirty="0"/>
+          </a:p>
+        </p:txBody>
+      </p:sp>
+      <p:sp>
+        <p:nvSpPr>
+          <p:cNvPr id="18" name="Freeform: Shape 17">
+            <a:extLst>
+              <a:ext uri="{FF2B5EF4-FFF2-40B4-BE49-F238E27FC236}">
+                <a16:creationId xmlns:a16="http://schemas.microsoft.com/office/drawing/2014/main" id="{F8260ED5-17F7-4158-B241-D51DD4CF1B7E}"/>
+              </a:ext>
+              <a:ext uri="{C183D7F6-B498-43B3-948B-1728B52AA6E4}">
+                <adec:decorative xmlns:adec="http://schemas.microsoft.com/office/drawing/2017/decorative" val="1"/>
+              </a:ext>
+            </a:extLst>
+          </p:cNvPr>
+          <p:cNvSpPr>
+            <a:spLocks noGrp="1" noRot="1" noChangeAspect="1" noMove="1" noResize="1" noEditPoints="1" noAdjustHandles="1" noChangeArrowheads="1" noChangeShapeType="1" noTextEdit="1"/>
+          </p:cNvSpPr>
+          <p:nvPr>
+            <p:extLst>
+              <p:ext uri="{386F3935-93C4-4BCD-93E2-E3B085C9AB24}">
+                <p16:designElem xmlns:p16="http://schemas.microsoft.com/office/powerpoint/2015/main" val="1"/>
+              </p:ext>
+            </p:extLst>
+          </p:nvPr>
+        </p:nvSpPr>
+        <p:spPr>
+          <a:xfrm rot="6097846">
+            <a:off x="-747355" y="1201312"/>
+            <a:ext cx="4808302" cy="4088666"/>
+          </a:xfrm>
+          <a:custGeom>
+            <a:avLst/>
+            <a:gdLst>
+              <a:gd name="connsiteX0" fmla="*/ 48844 w 4808302"/>
+              <a:gd name="connsiteY0" fmla="*/ 2888671 h 4088666"/>
+              <a:gd name="connsiteX1" fmla="*/ 0 w 4808302"/>
+              <a:gd name="connsiteY1" fmla="*/ 2404151 h 4088666"/>
+              <a:gd name="connsiteX2" fmla="*/ 2404151 w 4808302"/>
+              <a:gd name="connsiteY2" fmla="*/ 0 h 4088666"/>
+              <a:gd name="connsiteX3" fmla="*/ 4808302 w 4808302"/>
+              <a:gd name="connsiteY3" fmla="*/ 2404151 h 4088666"/>
+              <a:gd name="connsiteX4" fmla="*/ 4700216 w 4808302"/>
+              <a:gd name="connsiteY4" fmla="*/ 3119072 h 4088666"/>
+              <a:gd name="connsiteX5" fmla="*/ 4643143 w 4808302"/>
+              <a:gd name="connsiteY5" fmla="*/ 3275009 h 4088666"/>
+              <a:gd name="connsiteX6" fmla="*/ 690093 w 4808302"/>
+              <a:gd name="connsiteY6" fmla="*/ 4088666 h 4088666"/>
+              <a:gd name="connsiteX7" fmla="*/ 548991 w 4808302"/>
+              <a:gd name="connsiteY7" fmla="*/ 3933414 h 4088666"/>
+              <a:gd name="connsiteX8" fmla="*/ 48844 w 4808302"/>
+              <a:gd name="connsiteY8" fmla="*/ 2888671 h 4088666"/>
+            </a:gdLst>
+            <a:ahLst/>
+            <a:cxnLst>
+              <a:cxn ang="0">
+                <a:pos x="connsiteX0" y="connsiteY0"/>
+              </a:cxn>
+              <a:cxn ang="0">
+                <a:pos x="connsiteX1" y="connsiteY1"/>
+              </a:cxn>
+              <a:cxn ang="0">
+                <a:pos x="connsiteX2" y="connsiteY2"/>
+              </a:cxn>
+              <a:cxn ang="0">
+                <a:pos x="connsiteX3" y="connsiteY3"/>
+              </a:cxn>
+              <a:cxn ang="0">
+                <a:pos x="connsiteX4" y="connsiteY4"/>
+              </a:cxn>
+              <a:cxn ang="0">
+                <a:pos x="connsiteX5" y="connsiteY5"/>
+              </a:cxn>
+              <a:cxn ang="0">
+                <a:pos x="connsiteX6" y="connsiteY6"/>
+              </a:cxn>
+              <a:cxn ang="0">
+                <a:pos x="connsiteX7" y="connsiteY7"/>
+              </a:cxn>
+              <a:cxn ang="0">
+                <a:pos x="connsiteX8" y="connsiteY8"/>
+              </a:cxn>
+            </a:cxnLst>
+            <a:rect l="l" t="t" r="r" b="b"/>
+            <a:pathLst>
+              <a:path w="4808302" h="4088666">
+                <a:moveTo>
+                  <a:pt x="48844" y="2888671"/>
+                </a:moveTo>
+                <a:cubicBezTo>
+                  <a:pt x="16818" y="2732167"/>
+                  <a:pt x="0" y="2570123"/>
+                  <a:pt x="0" y="2404151"/>
+                </a:cubicBezTo>
+                <a:cubicBezTo>
+                  <a:pt x="0" y="1076375"/>
+                  <a:pt x="1076375" y="0"/>
+                  <a:pt x="2404151" y="0"/>
+                </a:cubicBezTo>
+                <a:cubicBezTo>
+                  <a:pt x="3731927" y="0"/>
+                  <a:pt x="4808302" y="1076375"/>
+                  <a:pt x="4808302" y="2404151"/>
+                </a:cubicBezTo>
+                <a:cubicBezTo>
+                  <a:pt x="4808302" y="2653109"/>
+                  <a:pt x="4770461" y="2893229"/>
+                  <a:pt x="4700216" y="3119072"/>
+                </a:cubicBezTo>
+                <a:lnTo>
+                  <a:pt x="4643143" y="3275009"/>
+                </a:lnTo>
+                <a:lnTo>
+                  <a:pt x="690093" y="4088666"/>
+                </a:lnTo>
+                <a:lnTo>
+                  <a:pt x="548991" y="3933414"/>
+                </a:lnTo>
+                <a:cubicBezTo>
+                  <a:pt x="304015" y="3636572"/>
+                  <a:pt x="128908" y="3279932"/>
+                  <a:pt x="48844" y="2888671"/>
+                </a:cubicBezTo>
+                <a:close/>
+              </a:path>
+            </a:pathLst>
+          </a:custGeom>
+          <a:gradFill>
+            <a:gsLst>
+              <a:gs pos="39000">
+                <a:schemeClr val="accent1">
+                  <a:lumMod val="60000"/>
+                  <a:lumOff val="40000"/>
+                  <a:alpha val="0"/>
+                </a:schemeClr>
+              </a:gs>
+              <a:gs pos="100000">
+                <a:schemeClr val="accent1">
+                  <a:lumMod val="75000"/>
+                  <a:alpha val="26000"/>
+                </a:schemeClr>
+              </a:gs>
+            </a:gsLst>
+            <a:lin ang="18600000" scaled="0"/>
+          </a:gradFill>
+          <a:ln>
+            <a:noFill/>
+          </a:ln>
+        </p:spPr>
+        <p:style>
+          <a:lnRef idx="2">
+            <a:schemeClr val="accent1">
+              <a:shade val="50000"/>
+            </a:schemeClr>
+          </a:lnRef>
+          <a:fillRef idx="1">
+            <a:schemeClr val="accent1"/>
+          </a:fillRef>
+          <a:effectRef idx="0">
+            <a:schemeClr val="accent1"/>
+          </a:effectRef>
+          <a:fontRef idx="minor">
+            <a:schemeClr val="lt1"/>
+          </a:fontRef>
+        </p:style>
+        <p:txBody>
+          <a:bodyPr wrap="square" rtlCol="0" anchor="ctr">
+            <a:noAutofit/>
+          </a:bodyPr>
+          <a:lstStyle/>
+          <a:p>
+            <a:pPr algn="ctr"/>
+            <a:endParaRPr lang="en-US" dirty="0"/>
+          </a:p>
+        </p:txBody>
+      </p:sp>
       <p:sp>
         <p:nvSpPr>
           <p:cNvPr id="2" name="Title 1">
@@ -5039,40 +6640,155 @@
             <p:ph type="title"/>
           </p:nvPr>
         </p:nvSpPr>
-        <p:spPr/>
-        <p:txBody>
-          <a:bodyPr/>
+        <p:spPr>
+          <a:xfrm>
+            <a:off x="660041" y="2767106"/>
+            <a:ext cx="2880828" cy="3071906"/>
+          </a:xfrm>
+        </p:spPr>
+        <p:txBody>
+          <a:bodyPr vert="horz" lIns="91440" tIns="45720" rIns="91440" bIns="45720" rtlCol="0" anchor="t">
+            <a:normAutofit/>
+          </a:bodyPr>
+          <a:lstStyle/>
+          <a:p>
+            <a:r>
+              <a:rPr lang="en-US" sz="3400" kern="1200" dirty="0">
+                <a:solidFill>
+                  <a:srgbClr val="FFFFFF"/>
+                </a:solidFill>
+                <a:latin typeface="+mj-lt"/>
+                <a:ea typeface="+mj-ea"/>
+                <a:cs typeface="+mj-cs"/>
+              </a:rPr>
+              <a:t>Run Time Results </a:t>
+            </a:r>
+            <a:br>
+              <a:rPr lang="en-US" sz="3400" kern="1200" dirty="0">
+                <a:solidFill>
+                  <a:srgbClr val="FFFFFF"/>
+                </a:solidFill>
+                <a:latin typeface="+mj-lt"/>
+                <a:ea typeface="+mj-ea"/>
+                <a:cs typeface="+mj-cs"/>
+              </a:rPr>
+            </a:br>
+            <a:endParaRPr lang="en-US" sz="3400" kern="1200" dirty="0">
+              <a:solidFill>
+                <a:srgbClr val="FFFFFF"/>
+              </a:solidFill>
+              <a:latin typeface="+mj-lt"/>
+              <a:ea typeface="+mj-ea"/>
+              <a:cs typeface="+mj-cs"/>
+            </a:endParaRPr>
+          </a:p>
+        </p:txBody>
+      </p:sp>
+      <p:pic>
+        <p:nvPicPr>
+          <p:cNvPr id="5" name="Content Placeholder 4" descr="Chart, line chart&#10;&#10;Description automatically generated">
+            <a:extLst>
+              <a:ext uri="{FF2B5EF4-FFF2-40B4-BE49-F238E27FC236}">
+                <a16:creationId xmlns:a16="http://schemas.microsoft.com/office/drawing/2014/main" id="{8D98A51B-C7A1-4459-9220-62BBF01BA57C}"/>
+              </a:ext>
+            </a:extLst>
+          </p:cNvPr>
+          <p:cNvPicPr>
+            <a:picLocks noGrp="1" noChangeAspect="1"/>
+          </p:cNvPicPr>
+          <p:nvPr>
+            <p:ph idx="1"/>
+          </p:nvPr>
+        </p:nvPicPr>
+        <p:blipFill>
+          <a:blip r:embed="rId2">
+            <a:extLst>
+              <a:ext uri="{28A0092B-C50C-407E-A947-70E740481C1C}">
+                <a14:useLocalDpi xmlns:a14="http://schemas.microsoft.com/office/drawing/2010/main" val="0"/>
+              </a:ext>
+            </a:extLst>
+          </a:blip>
+          <a:stretch>
+            <a:fillRect/>
+          </a:stretch>
+        </p:blipFill>
+        <p:spPr>
+          <a:xfrm>
+            <a:off x="4502428" y="719344"/>
+            <a:ext cx="7225748" cy="5419311"/>
+          </a:xfrm>
+          <a:prstGeom prst="rect">
+            <a:avLst/>
+          </a:prstGeom>
+        </p:spPr>
+      </p:pic>
+      <p:sp>
+        <p:nvSpPr>
+          <p:cNvPr id="6" name="TextBox 5">
+            <a:extLst>
+              <a:ext uri="{FF2B5EF4-FFF2-40B4-BE49-F238E27FC236}">
+                <a16:creationId xmlns:a16="http://schemas.microsoft.com/office/drawing/2014/main" id="{1B20D6B5-D585-42EC-BD40-C2352C941760}"/>
+              </a:ext>
+            </a:extLst>
+          </p:cNvPr>
+          <p:cNvSpPr txBox="1"/>
+          <p:nvPr/>
+        </p:nvSpPr>
+        <p:spPr>
+          <a:xfrm>
+            <a:off x="6936510" y="6289964"/>
+            <a:ext cx="2576946" cy="369332"/>
+          </a:xfrm>
+          <a:prstGeom prst="rect">
+            <a:avLst/>
+          </a:prstGeom>
+          <a:noFill/>
+        </p:spPr>
+        <p:txBody>
+          <a:bodyPr wrap="square" rtlCol="0">
+            <a:spAutoFit/>
+          </a:bodyPr>
           <a:lstStyle/>
           <a:p>
             <a:r>
               <a:rPr lang="en-US" dirty="0"/>
-              <a:t>Run Time Results (Scripts)</a:t>
-            </a:r>
-          </a:p>
-        </p:txBody>
-      </p:sp>
-      <p:sp>
-        <p:nvSpPr>
-          <p:cNvPr id="3" name="Content Placeholder 2">
-            <a:extLst>
-              <a:ext uri="{FF2B5EF4-FFF2-40B4-BE49-F238E27FC236}">
-                <a16:creationId xmlns:a16="http://schemas.microsoft.com/office/drawing/2014/main" id="{1E388417-9516-4C19-827F-E18FF1F2D965}"/>
-              </a:ext>
-            </a:extLst>
-          </p:cNvPr>
-          <p:cNvSpPr>
-            <a:spLocks noGrp="1"/>
-          </p:cNvSpPr>
-          <p:nvPr>
-            <p:ph idx="1"/>
-          </p:nvPr>
-        </p:nvSpPr>
-        <p:spPr/>
-        <p:txBody>
-          <a:bodyPr/>
-          <a:lstStyle/>
-          <a:p>
-            <a:endParaRPr lang="en-US"/>
+              <a:t>Nodes in Complete Graph</a:t>
+            </a:r>
+          </a:p>
+        </p:txBody>
+      </p:sp>
+      <p:sp>
+        <p:nvSpPr>
+          <p:cNvPr id="7" name="TextBox 6">
+            <a:extLst>
+              <a:ext uri="{FF2B5EF4-FFF2-40B4-BE49-F238E27FC236}">
+                <a16:creationId xmlns:a16="http://schemas.microsoft.com/office/drawing/2014/main" id="{1B159528-3658-44F0-8CBD-621DD0FCA3AA}"/>
+              </a:ext>
+            </a:extLst>
+          </p:cNvPr>
+          <p:cNvSpPr txBox="1"/>
+          <p:nvPr/>
+        </p:nvSpPr>
+        <p:spPr>
+          <a:xfrm rot="16200000">
+            <a:off x="3795665" y="3253243"/>
+            <a:ext cx="983612" cy="369332"/>
+          </a:xfrm>
+          <a:prstGeom prst="rect">
+            <a:avLst/>
+          </a:prstGeom>
+          <a:noFill/>
+        </p:spPr>
+        <p:txBody>
+          <a:bodyPr wrap="square" rtlCol="0">
+            <a:spAutoFit/>
+          </a:bodyPr>
+          <a:lstStyle/>
+          <a:p>
+            <a:r>
+              <a:rPr lang="en-US" dirty="0"/>
+              <a:t>Seconds</a:t>
+            </a:r>
           </a:p>
         </p:txBody>
       </p:sp>
